--- a/neo4j/graph_data_modeling/Graph_Data_Modeling_Fundamentals.pptx
+++ b/neo4j/graph_data_modeling/Graph_Data_Modeling_Fundamentals.pptx
@@ -12,12 +12,12 @@
   </p:handoutMasterIdLst>
   <p:sldIdLst>
     <p:sldId id="257" r:id="rId5"/>
-    <p:sldId id="268" r:id="rId6"/>
-    <p:sldId id="288" r:id="rId7"/>
-    <p:sldId id="289" r:id="rId8"/>
-    <p:sldId id="290" r:id="rId9"/>
-    <p:sldId id="291" r:id="rId10"/>
-    <p:sldId id="287" r:id="rId11"/>
+    <p:sldId id="287" r:id="rId6"/>
+    <p:sldId id="268" r:id="rId7"/>
+    <p:sldId id="288" r:id="rId8"/>
+    <p:sldId id="289" r:id="rId9"/>
+    <p:sldId id="290" r:id="rId10"/>
+    <p:sldId id="291" r:id="rId11"/>
     <p:sldId id="279" r:id="rId12"/>
   </p:sldIdLst>
   <p:sldSz cx="12188825" cy="6858000"/>
@@ -123,12 +123,12 @@
         <p14:section name="Default Section" id="{74B64F96-3A70-48EF-BE71-A71B452493F5}">
           <p14:sldIdLst>
             <p14:sldId id="257"/>
+            <p14:sldId id="287"/>
             <p14:sldId id="268"/>
             <p14:sldId id="288"/>
             <p14:sldId id="289"/>
             <p14:sldId id="290"/>
             <p14:sldId id="291"/>
-            <p14:sldId id="287"/>
             <p14:sldId id="279"/>
           </p14:sldIdLst>
         </p14:section>
@@ -2638,18 +2638,60 @@
       </dgm:t>
     </dgm:pt>
     <dgm:pt modelId="{1DAF7D8C-B9AB-45EF-99D2-C2A1D6AE7126}">
-      <dgm:prSet phldrT="[Text]" phldr="0"/>
+      <dgm:prSet phldrT="[Text]" phldr="0" custT="1"/>
       <dgm:spPr>
         <a:solidFill>
-          <a:srgbClr val="92D050"/>
+          <a:prstClr val="white">
+            <a:hueOff val="0"/>
+            <a:satOff val="0"/>
+            <a:lumOff val="0"/>
+            <a:alphaOff val="0"/>
+          </a:prstClr>
         </a:solidFill>
+        <a:ln w="25400" cap="flat" cmpd="sng" algn="ctr">
+          <a:solidFill>
+            <a:srgbClr val="009999">
+              <a:shade val="80000"/>
+              <a:hueOff val="0"/>
+              <a:satOff val="0"/>
+              <a:lumOff val="0"/>
+              <a:alphaOff val="0"/>
+            </a:srgbClr>
+          </a:solidFill>
+          <a:miter lim="800000"/>
+        </a:ln>
+        <a:effectLst/>
       </dgm:spPr>
       <dgm:t>
-        <a:bodyPr/>
+        <a:bodyPr spcFirstLastPara="0" vert="horz" wrap="square" lIns="87630" tIns="87630" rIns="87630" bIns="87630" numCol="1" spcCol="1270" anchor="ctr" anchorCtr="0"/>
         <a:lstStyle/>
         <a:p>
+          <a:pPr marL="0" lvl="0" indent="0" algn="ctr" defTabSz="1022350">
+            <a:lnSpc>
+              <a:spcPct val="90000"/>
+            </a:lnSpc>
+            <a:spcBef>
+              <a:spcPct val="0"/>
+            </a:spcBef>
+            <a:spcAft>
+              <a:spcPct val="35000"/>
+            </a:spcAft>
+            <a:buNone/>
+          </a:pPr>
           <a:r>
-            <a:rPr lang="en-US" dirty="0"/>
+            <a:rPr lang="en-US" sz="2300" kern="1200" dirty="0">
+              <a:solidFill>
+                <a:prstClr val="black">
+                  <a:hueOff val="0"/>
+                  <a:satOff val="0"/>
+                  <a:lumOff val="0"/>
+                  <a:alphaOff val="0"/>
+                </a:prstClr>
+              </a:solidFill>
+              <a:latin typeface="Calibri"/>
+              <a:ea typeface="+mn-ea"/>
+              <a:cs typeface="+mn-cs"/>
+            </a:rPr>
             <a:t>Cypher Fundamentals</a:t>
           </a:r>
         </a:p>
@@ -2678,14 +2720,55 @@
       </dgm:t>
     </dgm:pt>
     <dgm:pt modelId="{50E719AD-DD79-4EAB-881B-AE16111FEDA2}">
-      <dgm:prSet phldrT="[Text]" phldr="0"/>
-      <dgm:spPr/>
+      <dgm:prSet phldrT="[Text]" phldr="0" custT="1"/>
+      <dgm:spPr>
+        <a:solidFill>
+          <a:srgbClr val="92D050"/>
+        </a:solidFill>
+        <a:ln w="25400" cap="flat" cmpd="sng" algn="ctr">
+          <a:solidFill>
+            <a:srgbClr val="009999">
+              <a:shade val="80000"/>
+              <a:hueOff val="0"/>
+              <a:satOff val="0"/>
+              <a:lumOff val="0"/>
+              <a:alphaOff val="0"/>
+            </a:srgbClr>
+          </a:solidFill>
+          <a:miter lim="800000"/>
+        </a:ln>
+        <a:effectLst/>
+      </dgm:spPr>
       <dgm:t>
-        <a:bodyPr/>
+        <a:bodyPr spcFirstLastPara="0" vert="horz" wrap="square" lIns="87630" tIns="87630" rIns="87630" bIns="87630" numCol="1" spcCol="1270" anchor="ctr" anchorCtr="0"/>
         <a:lstStyle/>
         <a:p>
+          <a:pPr marL="0" lvl="0" indent="0" algn="ctr" defTabSz="1022350">
+            <a:lnSpc>
+              <a:spcPct val="90000"/>
+            </a:lnSpc>
+            <a:spcBef>
+              <a:spcPct val="0"/>
+            </a:spcBef>
+            <a:spcAft>
+              <a:spcPct val="35000"/>
+            </a:spcAft>
+            <a:buNone/>
+          </a:pPr>
           <a:r>
-            <a:rPr lang="en-US" dirty="0"/>
+            <a:rPr lang="en-US" sz="2300" kern="1200" dirty="0">
+              <a:solidFill>
+                <a:prstClr val="black">
+                  <a:hueOff val="0"/>
+                  <a:satOff val="0"/>
+                  <a:lumOff val="0"/>
+                  <a:alphaOff val="0"/>
+                </a:prstClr>
+              </a:solidFill>
+              <a:latin typeface="Calibri"/>
+              <a:ea typeface="+mn-ea"/>
+              <a:cs typeface="+mn-cs"/>
+            </a:rPr>
             <a:t>Graph Data Modeling Fundamentals</a:t>
           </a:r>
         </a:p>
@@ -2829,7 +2912,17 @@
           <dgm:bulletEnabled val="1"/>
         </dgm:presLayoutVars>
       </dgm:prSet>
-      <dgm:spPr/>
+      <dgm:spPr>
+        <a:xfrm>
+          <a:off x="263108" y="1524517"/>
+          <a:ext cx="2030722" cy="1218433"/>
+        </a:xfrm>
+        <a:prstGeom prst="roundRect">
+          <a:avLst>
+            <a:gd name="adj" fmla="val 10000"/>
+          </a:avLst>
+        </a:prstGeom>
+      </dgm:spPr>
     </dgm:pt>
     <dgm:pt modelId="{53249AFB-9052-4A0D-A443-E75596FDA5C4}" type="pres">
       <dgm:prSet presAssocID="{2E12CFEC-98D9-4549-9FB2-4C35C0E9C7CA}" presName="sibTrans" presStyleLbl="bgSibTrans2D1" presStyleIdx="1" presStyleCnt="4"/>
@@ -2849,7 +2942,17 @@
           <dgm:bulletEnabled val="1"/>
         </dgm:presLayoutVars>
       </dgm:prSet>
-      <dgm:spPr/>
+      <dgm:spPr>
+        <a:xfrm>
+          <a:off x="263108" y="3047559"/>
+          <a:ext cx="2030722" cy="1218433"/>
+        </a:xfrm>
+        <a:prstGeom prst="roundRect">
+          <a:avLst>
+            <a:gd name="adj" fmla="val 10000"/>
+          </a:avLst>
+        </a:prstGeom>
+      </dgm:spPr>
     </dgm:pt>
     <dgm:pt modelId="{122EEED7-CB62-47DF-B6B1-81D6B0DE0C51}" type="pres">
       <dgm:prSet presAssocID="{0EB1A070-1E66-42AB-8A59-8CB024FBE990}" presName="sibTrans" presStyleLbl="bgSibTrans2D1" presStyleIdx="2" presStyleCnt="4"/>
@@ -4841,17 +4944,22 @@
           </a:avLst>
         </a:prstGeom>
         <a:solidFill>
-          <a:srgbClr val="92D050"/>
+          <a:prstClr val="white">
+            <a:hueOff val="0"/>
+            <a:satOff val="0"/>
+            <a:lumOff val="0"/>
+            <a:alphaOff val="0"/>
+          </a:prstClr>
         </a:solidFill>
         <a:ln w="25400" cap="flat" cmpd="sng" algn="ctr">
           <a:solidFill>
-            <a:schemeClr val="accent1">
+            <a:srgbClr val="009999">
               <a:shade val="80000"/>
               <a:hueOff val="0"/>
               <a:satOff val="0"/>
               <a:lumOff val="0"/>
               <a:alphaOff val="0"/>
-            </a:schemeClr>
+            </a:srgbClr>
           </a:solidFill>
           <a:miter lim="800000"/>
         </a:ln>
@@ -4890,7 +4998,19 @@
             <a:buNone/>
           </a:pPr>
           <a:r>
-            <a:rPr lang="en-US" sz="2300" kern="1200" dirty="0"/>
+            <a:rPr lang="en-US" sz="2300" kern="1200" dirty="0">
+              <a:solidFill>
+                <a:prstClr val="black">
+                  <a:hueOff val="0"/>
+                  <a:satOff val="0"/>
+                  <a:lumOff val="0"/>
+                  <a:alphaOff val="0"/>
+                </a:prstClr>
+              </a:solidFill>
+              <a:latin typeface="Calibri"/>
+              <a:ea typeface="+mn-ea"/>
+              <a:cs typeface="+mn-cs"/>
+            </a:rPr>
             <a:t>Cypher Fundamentals</a:t>
           </a:r>
         </a:p>
@@ -4958,22 +5078,17 @@
           </a:avLst>
         </a:prstGeom>
         <a:solidFill>
-          <a:schemeClr val="lt1">
-            <a:hueOff val="0"/>
-            <a:satOff val="0"/>
-            <a:lumOff val="0"/>
-            <a:alphaOff val="0"/>
-          </a:schemeClr>
+          <a:srgbClr val="92D050"/>
         </a:solidFill>
         <a:ln w="25400" cap="flat" cmpd="sng" algn="ctr">
           <a:solidFill>
-            <a:schemeClr val="accent1">
+            <a:srgbClr val="009999">
               <a:shade val="80000"/>
               <a:hueOff val="0"/>
               <a:satOff val="0"/>
               <a:lumOff val="0"/>
               <a:alphaOff val="0"/>
-            </a:schemeClr>
+            </a:srgbClr>
           </a:solidFill>
           <a:miter lim="800000"/>
         </a:ln>
@@ -5012,7 +5127,19 @@
             <a:buNone/>
           </a:pPr>
           <a:r>
-            <a:rPr lang="en-US" sz="2300" kern="1200" dirty="0"/>
+            <a:rPr lang="en-US" sz="2300" kern="1200" dirty="0">
+              <a:solidFill>
+                <a:prstClr val="black">
+                  <a:hueOff val="0"/>
+                  <a:satOff val="0"/>
+                  <a:lumOff val="0"/>
+                  <a:alphaOff val="0"/>
+                </a:prstClr>
+              </a:solidFill>
+              <a:latin typeface="Calibri"/>
+              <a:ea typeface="+mn-ea"/>
+              <a:cs typeface="+mn-cs"/>
+            </a:rPr>
             <a:t>Graph Data Modeling Fundamentals</a:t>
           </a:r>
         </a:p>
@@ -17404,1584 +17531,6 @@
   <p:cSld>
     <p:spTree>
       <p:nvGrpSpPr>
-        <p:cNvPr id="1" name=""/>
-        <p:cNvGrpSpPr/>
-        <p:nvPr/>
-      </p:nvGrpSpPr>
-      <p:grpSpPr>
-        <a:xfrm>
-          <a:off x="0" y="0"/>
-          <a:ext cx="0" cy="0"/>
-          <a:chOff x="0" y="0"/>
-          <a:chExt cx="0" cy="0"/>
-        </a:xfrm>
-      </p:grpSpPr>
-      <p:sp>
-        <p:nvSpPr>
-          <p:cNvPr id="13" name="Title 12"/>
-          <p:cNvSpPr>
-            <a:spLocks noGrp="1"/>
-          </p:cNvSpPr>
-          <p:nvPr>
-            <p:ph type="title"/>
-          </p:nvPr>
-        </p:nvSpPr>
-        <p:spPr>
-          <a:xfrm>
-            <a:off x="3848448" y="789138"/>
-            <a:ext cx="7656163" cy="1223963"/>
-          </a:xfrm>
-        </p:spPr>
-        <p:txBody>
-          <a:bodyPr anchor="ctr">
-            <a:normAutofit/>
-          </a:bodyPr>
-          <a:lstStyle/>
-          <a:p>
-            <a:r>
-              <a:rPr lang="en-US" sz="4800" b="1" dirty="0"/>
-              <a:t>1. Getting Started</a:t>
-            </a:r>
-            <a:endParaRPr lang="en-US" sz="4400" dirty="0"/>
-          </a:p>
-        </p:txBody>
-      </p:sp>
-      <p:sp>
-        <p:nvSpPr>
-          <p:cNvPr id="2" name="Title 1">
-            <a:extLst>
-              <a:ext uri="{FF2B5EF4-FFF2-40B4-BE49-F238E27FC236}">
-                <a16:creationId xmlns:a16="http://schemas.microsoft.com/office/drawing/2014/main" id="{5EB7EDFF-4A46-6EBC-C77A-BDAF4A84A64B}"/>
-              </a:ext>
-            </a:extLst>
-          </p:cNvPr>
-          <p:cNvSpPr txBox="1">
-            <a:spLocks/>
-          </p:cNvSpPr>
-          <p:nvPr/>
-        </p:nvSpPr>
-        <p:spPr>
-          <a:xfrm>
-            <a:off x="836612" y="28876"/>
-            <a:ext cx="9982200" cy="863600"/>
-          </a:xfrm>
-          <a:prstGeom prst="rect">
-            <a:avLst/>
-          </a:prstGeom>
-        </p:spPr>
-        <p:txBody>
-          <a:bodyPr vert="horz" lIns="121899" tIns="60949" rIns="121899" bIns="60949" rtlCol="0" anchor="ctr">
-            <a:normAutofit fontScale="92500"/>
-          </a:bodyPr>
-          <a:lstStyle>
-            <a:lvl1pPr algn="l" defTabSz="1218987" rtl="0" eaLnBrk="1" latinLnBrk="0" hangingPunct="1">
-              <a:lnSpc>
-                <a:spcPct val="90000"/>
-              </a:lnSpc>
-              <a:spcBef>
-                <a:spcPct val="0"/>
-              </a:spcBef>
-              <a:buNone/>
-              <a:defRPr sz="3600" kern="1200">
-                <a:solidFill>
-                  <a:schemeClr val="tx1"/>
-                </a:solidFill>
-                <a:latin typeface="+mj-lt"/>
-                <a:ea typeface="+mj-ea"/>
-                <a:cs typeface="+mj-cs"/>
-              </a:defRPr>
-            </a:lvl1pPr>
-          </a:lstStyle>
-          <a:p>
-            <a:r>
-              <a:rPr lang="en-US" sz="5400" dirty="0"/>
-              <a:t>Graph Data Modeling Fundamentals</a:t>
-            </a:r>
-          </a:p>
-        </p:txBody>
-      </p:sp>
-      <p:sp>
-        <p:nvSpPr>
-          <p:cNvPr id="5" name="TextBox 4">
-            <a:extLst>
-              <a:ext uri="{FF2B5EF4-FFF2-40B4-BE49-F238E27FC236}">
-                <a16:creationId xmlns:a16="http://schemas.microsoft.com/office/drawing/2014/main" id="{02962BCD-774A-91A5-8365-94D2485BB04D}"/>
-              </a:ext>
-            </a:extLst>
-          </p:cNvPr>
-          <p:cNvSpPr txBox="1"/>
-          <p:nvPr/>
-        </p:nvSpPr>
-        <p:spPr>
-          <a:xfrm>
-            <a:off x="2299246" y="685800"/>
-            <a:ext cx="1329210" cy="1446550"/>
-          </a:xfrm>
-          <a:prstGeom prst="rect">
-            <a:avLst/>
-          </a:prstGeom>
-          <a:noFill/>
-        </p:spPr>
-        <p:txBody>
-          <a:bodyPr wrap="none" rtlCol="0" anchor="ctr">
-            <a:spAutoFit/>
-          </a:bodyPr>
-          <a:lstStyle/>
-          <a:p>
-            <a:pPr algn="ctr"/>
-            <a:r>
-              <a:rPr lang="en-US" sz="8800" b="1" dirty="0"/>
-              <a:t>01</a:t>
-            </a:r>
-          </a:p>
-        </p:txBody>
-      </p:sp>
-      <p:pic>
-        <p:nvPicPr>
-          <p:cNvPr id="6" name="Picture 5">
-            <a:extLst>
-              <a:ext uri="{FF2B5EF4-FFF2-40B4-BE49-F238E27FC236}">
-                <a16:creationId xmlns:a16="http://schemas.microsoft.com/office/drawing/2014/main" id="{D1D81DDD-A157-F41B-8137-75ED1539F0D2}"/>
-              </a:ext>
-            </a:extLst>
-          </p:cNvPr>
-          <p:cNvPicPr>
-            <a:picLocks noChangeAspect="1"/>
-          </p:cNvPicPr>
-          <p:nvPr/>
-        </p:nvPicPr>
-        <p:blipFill>
-          <a:blip r:embed="rId2"/>
-          <a:stretch>
-            <a:fillRect/>
-          </a:stretch>
-        </p:blipFill>
-        <p:spPr>
-          <a:xfrm>
-            <a:off x="0" y="789138"/>
-            <a:ext cx="2385815" cy="1239873"/>
-          </a:xfrm>
-          <a:prstGeom prst="rect">
-            <a:avLst/>
-          </a:prstGeom>
-          <a:ln>
-            <a:noFill/>
-          </a:ln>
-          <a:effectLst>
-            <a:softEdge rad="112500"/>
-          </a:effectLst>
-        </p:spPr>
-      </p:pic>
-      <p:pic>
-        <p:nvPicPr>
-          <p:cNvPr id="7" name="Picture 6">
-            <a:extLst>
-              <a:ext uri="{FF2B5EF4-FFF2-40B4-BE49-F238E27FC236}">
-                <a16:creationId xmlns:a16="http://schemas.microsoft.com/office/drawing/2014/main" id="{2C552ECE-62E8-AAB5-1CAE-C84A7F9BEF2E}"/>
-              </a:ext>
-            </a:extLst>
-          </p:cNvPr>
-          <p:cNvPicPr>
-            <a:picLocks noChangeAspect="1"/>
-          </p:cNvPicPr>
-          <p:nvPr/>
-        </p:nvPicPr>
-        <p:blipFill>
-          <a:blip r:embed="rId3">
-            <a:alphaModFix amt="85000"/>
-          </a:blip>
-          <a:stretch>
-            <a:fillRect/>
-          </a:stretch>
-        </p:blipFill>
-        <p:spPr>
-          <a:xfrm>
-            <a:off x="20727" y="1437092"/>
-            <a:ext cx="11104182" cy="4963708"/>
-          </a:xfrm>
-          <a:prstGeom prst="roundRect">
-            <a:avLst>
-              <a:gd name="adj" fmla="val 16667"/>
-            </a:avLst>
-          </a:prstGeom>
-          <a:ln>
-            <a:noFill/>
-          </a:ln>
-          <a:effectLst>
-            <a:outerShdw blurRad="152400" dist="12000" dir="900000" sy="98000" kx="110000" ky="200000" algn="tl" rotWithShape="0">
-              <a:srgbClr val="000000">
-                <a:alpha val="30000"/>
-              </a:srgbClr>
-            </a:outerShdw>
-          </a:effectLst>
-          <a:scene3d>
-            <a:camera prst="perspectiveRelaxed">
-              <a:rot lat="19800000" lon="1200000" rev="20820000"/>
-            </a:camera>
-            <a:lightRig rig="threePt" dir="t"/>
-          </a:scene3d>
-          <a:sp3d contourW="6350" prstMaterial="matte">
-            <a:bevelT w="101600" h="101600"/>
-            <a:contourClr>
-              <a:srgbClr val="969696"/>
-            </a:contourClr>
-          </a:sp3d>
-        </p:spPr>
-      </p:pic>
-      <p:sp>
-        <p:nvSpPr>
-          <p:cNvPr id="8" name="Oval 7">
-            <a:extLst>
-              <a:ext uri="{FF2B5EF4-FFF2-40B4-BE49-F238E27FC236}">
-                <a16:creationId xmlns:a16="http://schemas.microsoft.com/office/drawing/2014/main" id="{FC628511-F961-4EB7-F58C-E329F0AA8035}"/>
-              </a:ext>
-            </a:extLst>
-          </p:cNvPr>
-          <p:cNvSpPr/>
-          <p:nvPr/>
-        </p:nvSpPr>
-        <p:spPr>
-          <a:xfrm>
-            <a:off x="88973" y="5921006"/>
-            <a:ext cx="762000" cy="780607"/>
-          </a:xfrm>
-          <a:prstGeom prst="ellipse">
-            <a:avLst/>
-          </a:prstGeom>
-          <a:blipFill>
-            <a:blip r:embed="rId4"/>
-            <a:stretch>
-              <a:fillRect/>
-            </a:stretch>
-          </a:blipFill>
-        </p:spPr>
-        <p:style>
-          <a:lnRef idx="2">
-            <a:schemeClr val="accent1">
-              <a:shade val="50000"/>
-            </a:schemeClr>
-          </a:lnRef>
-          <a:fillRef idx="1">
-            <a:schemeClr val="accent1"/>
-          </a:fillRef>
-          <a:effectRef idx="0">
-            <a:schemeClr val="accent1"/>
-          </a:effectRef>
-          <a:fontRef idx="minor">
-            <a:schemeClr val="lt1"/>
-          </a:fontRef>
-        </p:style>
-        <p:txBody>
-          <a:bodyPr rtlCol="0" anchor="ctr"/>
-          <a:lstStyle/>
-          <a:p>
-            <a:pPr algn="ctr"/>
-            <a:endParaRPr lang="en-US" sz="2800"/>
-          </a:p>
-        </p:txBody>
-      </p:sp>
-    </p:spTree>
-    <p:extLst>
-      <p:ext uri="{BB962C8B-B14F-4D97-AF65-F5344CB8AC3E}">
-        <p14:creationId xmlns:p14="http://schemas.microsoft.com/office/powerpoint/2010/main" val="3529114326"/>
-      </p:ext>
-    </p:extLst>
-  </p:cSld>
-  <p:clrMapOvr>
-    <a:masterClrMapping/>
-  </p:clrMapOvr>
-  <mc:AlternateContent xmlns:mc="http://schemas.openxmlformats.org/markup-compatibility/2006" xmlns:p14="http://schemas.microsoft.com/office/powerpoint/2010/main">
-    <mc:Choice Requires="p14">
-      <p:transition spd="med" p14:dur="700">
-        <p:fade/>
-      </p:transition>
-    </mc:Choice>
-    <mc:Fallback xmlns="">
-      <p:transition spd="med">
-        <p:fade/>
-      </p:transition>
-    </mc:Fallback>
-  </mc:AlternateContent>
-</p:sld>
-</file>
-
-<file path=ppt/slides/slide3.xml><?xml version="1.0" encoding="utf-8"?>
-<p:sld xmlns:a="http://schemas.openxmlformats.org/drawingml/2006/main" xmlns:r="http://schemas.openxmlformats.org/officeDocument/2006/relationships" xmlns:p="http://schemas.openxmlformats.org/presentationml/2006/main">
-  <p:cSld>
-    <p:spTree>
-      <p:nvGrpSpPr>
-        <p:cNvPr id="1" name="">
-          <a:extLst>
-            <a:ext uri="{FF2B5EF4-FFF2-40B4-BE49-F238E27FC236}">
-              <a16:creationId xmlns:a16="http://schemas.microsoft.com/office/drawing/2014/main" id="{238F7F5F-C18C-6E97-3248-830E81D9F4BE}"/>
-            </a:ext>
-          </a:extLst>
-        </p:cNvPr>
-        <p:cNvGrpSpPr/>
-        <p:nvPr/>
-      </p:nvGrpSpPr>
-      <p:grpSpPr>
-        <a:xfrm>
-          <a:off x="0" y="0"/>
-          <a:ext cx="0" cy="0"/>
-          <a:chOff x="0" y="0"/>
-          <a:chExt cx="0" cy="0"/>
-        </a:xfrm>
-      </p:grpSpPr>
-      <p:sp>
-        <p:nvSpPr>
-          <p:cNvPr id="13" name="Title 12">
-            <a:extLst>
-              <a:ext uri="{FF2B5EF4-FFF2-40B4-BE49-F238E27FC236}">
-                <a16:creationId xmlns:a16="http://schemas.microsoft.com/office/drawing/2014/main" id="{F3F1AB66-9979-606A-1FB0-417591B2CACD}"/>
-              </a:ext>
-            </a:extLst>
-          </p:cNvPr>
-          <p:cNvSpPr>
-            <a:spLocks noGrp="1"/>
-          </p:cNvSpPr>
-          <p:nvPr>
-            <p:ph type="title"/>
-          </p:nvPr>
-        </p:nvSpPr>
-        <p:spPr>
-          <a:xfrm>
-            <a:off x="3848448" y="789138"/>
-            <a:ext cx="7656163" cy="1223963"/>
-          </a:xfrm>
-        </p:spPr>
-        <p:txBody>
-          <a:bodyPr anchor="ctr">
-            <a:normAutofit/>
-          </a:bodyPr>
-          <a:lstStyle/>
-          <a:p>
-            <a:r>
-              <a:rPr lang="en-US" sz="4800" b="1" dirty="0"/>
-              <a:t>2. Modeling Nodes (1)</a:t>
-            </a:r>
-            <a:endParaRPr lang="en-US" sz="4400" dirty="0"/>
-          </a:p>
-        </p:txBody>
-      </p:sp>
-      <p:sp>
-        <p:nvSpPr>
-          <p:cNvPr id="2" name="Title 1">
-            <a:extLst>
-              <a:ext uri="{FF2B5EF4-FFF2-40B4-BE49-F238E27FC236}">
-                <a16:creationId xmlns:a16="http://schemas.microsoft.com/office/drawing/2014/main" id="{E4769CD9-8809-6C26-19D1-411A4942D0F5}"/>
-              </a:ext>
-            </a:extLst>
-          </p:cNvPr>
-          <p:cNvSpPr txBox="1">
-            <a:spLocks/>
-          </p:cNvSpPr>
-          <p:nvPr/>
-        </p:nvSpPr>
-        <p:spPr>
-          <a:xfrm>
-            <a:off x="836612" y="28876"/>
-            <a:ext cx="9982200" cy="863600"/>
-          </a:xfrm>
-          <a:prstGeom prst="rect">
-            <a:avLst/>
-          </a:prstGeom>
-        </p:spPr>
-        <p:txBody>
-          <a:bodyPr vert="horz" lIns="121899" tIns="60949" rIns="121899" bIns="60949" rtlCol="0" anchor="ctr">
-            <a:normAutofit fontScale="92500"/>
-          </a:bodyPr>
-          <a:lstStyle>
-            <a:lvl1pPr algn="l" defTabSz="1218987" rtl="0" eaLnBrk="1" latinLnBrk="0" hangingPunct="1">
-              <a:lnSpc>
-                <a:spcPct val="90000"/>
-              </a:lnSpc>
-              <a:spcBef>
-                <a:spcPct val="0"/>
-              </a:spcBef>
-              <a:buNone/>
-              <a:defRPr sz="3600" kern="1200">
-                <a:solidFill>
-                  <a:schemeClr val="tx1"/>
-                </a:solidFill>
-                <a:latin typeface="+mj-lt"/>
-                <a:ea typeface="+mj-ea"/>
-                <a:cs typeface="+mj-cs"/>
-              </a:defRPr>
-            </a:lvl1pPr>
-          </a:lstStyle>
-          <a:p>
-            <a:r>
-              <a:rPr lang="en-US" sz="5400" dirty="0"/>
-              <a:t>Graph Data Modeling Fundamentals</a:t>
-            </a:r>
-          </a:p>
-        </p:txBody>
-      </p:sp>
-      <p:sp>
-        <p:nvSpPr>
-          <p:cNvPr id="5" name="TextBox 4">
-            <a:extLst>
-              <a:ext uri="{FF2B5EF4-FFF2-40B4-BE49-F238E27FC236}">
-                <a16:creationId xmlns:a16="http://schemas.microsoft.com/office/drawing/2014/main" id="{F611C513-1103-82C5-723C-13E6E5A392B0}"/>
-              </a:ext>
-            </a:extLst>
-          </p:cNvPr>
-          <p:cNvSpPr txBox="1"/>
-          <p:nvPr/>
-        </p:nvSpPr>
-        <p:spPr>
-          <a:xfrm>
-            <a:off x="2299246" y="685800"/>
-            <a:ext cx="1329210" cy="1446550"/>
-          </a:xfrm>
-          <a:prstGeom prst="rect">
-            <a:avLst/>
-          </a:prstGeom>
-          <a:noFill/>
-        </p:spPr>
-        <p:txBody>
-          <a:bodyPr wrap="none" rtlCol="0" anchor="ctr">
-            <a:spAutoFit/>
-          </a:bodyPr>
-          <a:lstStyle/>
-          <a:p>
-            <a:pPr algn="ctr"/>
-            <a:r>
-              <a:rPr lang="en-US" sz="8800" b="1" dirty="0"/>
-              <a:t>02</a:t>
-            </a:r>
-          </a:p>
-        </p:txBody>
-      </p:sp>
-      <p:pic>
-        <p:nvPicPr>
-          <p:cNvPr id="6" name="Picture 5">
-            <a:extLst>
-              <a:ext uri="{FF2B5EF4-FFF2-40B4-BE49-F238E27FC236}">
-                <a16:creationId xmlns:a16="http://schemas.microsoft.com/office/drawing/2014/main" id="{C6328A51-9D1F-EC08-5049-11B29AF8D180}"/>
-              </a:ext>
-            </a:extLst>
-          </p:cNvPr>
-          <p:cNvPicPr>
-            <a:picLocks noChangeAspect="1"/>
-          </p:cNvPicPr>
-          <p:nvPr/>
-        </p:nvPicPr>
-        <p:blipFill>
-          <a:blip r:embed="rId2"/>
-          <a:stretch>
-            <a:fillRect/>
-          </a:stretch>
-        </p:blipFill>
-        <p:spPr>
-          <a:xfrm>
-            <a:off x="0" y="789138"/>
-            <a:ext cx="2385815" cy="1239873"/>
-          </a:xfrm>
-          <a:prstGeom prst="rect">
-            <a:avLst/>
-          </a:prstGeom>
-          <a:ln>
-            <a:noFill/>
-          </a:ln>
-          <a:effectLst>
-            <a:softEdge rad="112500"/>
-          </a:effectLst>
-        </p:spPr>
-      </p:pic>
-      <p:pic>
-        <p:nvPicPr>
-          <p:cNvPr id="4" name="Picture 3">
-            <a:extLst>
-              <a:ext uri="{FF2B5EF4-FFF2-40B4-BE49-F238E27FC236}">
-                <a16:creationId xmlns:a16="http://schemas.microsoft.com/office/drawing/2014/main" id="{709034CD-C7EE-1D1B-9CC5-323D84A17E5C}"/>
-              </a:ext>
-            </a:extLst>
-          </p:cNvPr>
-          <p:cNvPicPr>
-            <a:picLocks noChangeAspect="1"/>
-          </p:cNvPicPr>
-          <p:nvPr/>
-        </p:nvPicPr>
-        <p:blipFill>
-          <a:blip r:embed="rId3">
-            <a:alphaModFix amt="85000"/>
-          </a:blip>
-          <a:stretch>
-            <a:fillRect/>
-          </a:stretch>
-        </p:blipFill>
-        <p:spPr>
-          <a:xfrm>
-            <a:off x="227012" y="1447800"/>
-            <a:ext cx="9982200" cy="4976881"/>
-          </a:xfrm>
-          <a:prstGeom prst="roundRect">
-            <a:avLst>
-              <a:gd name="adj" fmla="val 16667"/>
-            </a:avLst>
-          </a:prstGeom>
-          <a:ln>
-            <a:noFill/>
-          </a:ln>
-          <a:effectLst>
-            <a:outerShdw blurRad="152400" dist="12000" dir="900000" sy="98000" kx="110000" ky="200000" algn="tl" rotWithShape="0">
-              <a:srgbClr val="000000">
-                <a:alpha val="30000"/>
-              </a:srgbClr>
-            </a:outerShdw>
-          </a:effectLst>
-          <a:scene3d>
-            <a:camera prst="perspectiveRelaxed">
-              <a:rot lat="19800000" lon="1200000" rev="20820000"/>
-            </a:camera>
-            <a:lightRig rig="threePt" dir="t"/>
-          </a:scene3d>
-          <a:sp3d contourW="6350" prstMaterial="matte">
-            <a:bevelT w="101600" h="101600"/>
-            <a:contourClr>
-              <a:srgbClr val="969696"/>
-            </a:contourClr>
-          </a:sp3d>
-        </p:spPr>
-      </p:pic>
-      <p:sp>
-        <p:nvSpPr>
-          <p:cNvPr id="8" name="Oval 7">
-            <a:extLst>
-              <a:ext uri="{FF2B5EF4-FFF2-40B4-BE49-F238E27FC236}">
-                <a16:creationId xmlns:a16="http://schemas.microsoft.com/office/drawing/2014/main" id="{BB08EC06-7D1F-8855-EF26-92749938F1FA}"/>
-              </a:ext>
-            </a:extLst>
-          </p:cNvPr>
-          <p:cNvSpPr/>
-          <p:nvPr/>
-        </p:nvSpPr>
-        <p:spPr>
-          <a:xfrm>
-            <a:off x="88973" y="5921006"/>
-            <a:ext cx="762000" cy="780607"/>
-          </a:xfrm>
-          <a:prstGeom prst="ellipse">
-            <a:avLst/>
-          </a:prstGeom>
-          <a:blipFill>
-            <a:blip r:embed="rId4"/>
-            <a:stretch>
-              <a:fillRect/>
-            </a:stretch>
-          </a:blipFill>
-        </p:spPr>
-        <p:style>
-          <a:lnRef idx="2">
-            <a:schemeClr val="accent1">
-              <a:shade val="50000"/>
-            </a:schemeClr>
-          </a:lnRef>
-          <a:fillRef idx="1">
-            <a:schemeClr val="accent1"/>
-          </a:fillRef>
-          <a:effectRef idx="0">
-            <a:schemeClr val="accent1"/>
-          </a:effectRef>
-          <a:fontRef idx="minor">
-            <a:schemeClr val="lt1"/>
-          </a:fontRef>
-        </p:style>
-        <p:txBody>
-          <a:bodyPr rtlCol="0" anchor="ctr"/>
-          <a:lstStyle/>
-          <a:p>
-            <a:pPr algn="ctr"/>
-            <a:endParaRPr lang="en-US" sz="2800"/>
-          </a:p>
-        </p:txBody>
-      </p:sp>
-    </p:spTree>
-    <p:extLst>
-      <p:ext uri="{BB962C8B-B14F-4D97-AF65-F5344CB8AC3E}">
-        <p14:creationId xmlns:p14="http://schemas.microsoft.com/office/powerpoint/2010/main" val="2713068469"/>
-      </p:ext>
-    </p:extLst>
-  </p:cSld>
-  <p:clrMapOvr>
-    <a:masterClrMapping/>
-  </p:clrMapOvr>
-  <mc:AlternateContent xmlns:mc="http://schemas.openxmlformats.org/markup-compatibility/2006">
-    <mc:Choice xmlns:p14="http://schemas.microsoft.com/office/powerpoint/2010/main" Requires="p14">
-      <p:transition spd="med" p14:dur="700">
-        <p:fade/>
-      </p:transition>
-    </mc:Choice>
-    <mc:Fallback>
-      <p:transition spd="med">
-        <p:fade/>
-      </p:transition>
-    </mc:Fallback>
-  </mc:AlternateContent>
-</p:sld>
-</file>
-
-<file path=ppt/slides/slide4.xml><?xml version="1.0" encoding="utf-8"?>
-<p:sld xmlns:a="http://schemas.openxmlformats.org/drawingml/2006/main" xmlns:r="http://schemas.openxmlformats.org/officeDocument/2006/relationships" xmlns:p="http://schemas.openxmlformats.org/presentationml/2006/main">
-  <p:cSld>
-    <p:spTree>
-      <p:nvGrpSpPr>
-        <p:cNvPr id="1" name="">
-          <a:extLst>
-            <a:ext uri="{FF2B5EF4-FFF2-40B4-BE49-F238E27FC236}">
-              <a16:creationId xmlns:a16="http://schemas.microsoft.com/office/drawing/2014/main" id="{7216A932-9D3C-9048-D138-A7760E54CB08}"/>
-            </a:ext>
-          </a:extLst>
-        </p:cNvPr>
-        <p:cNvGrpSpPr/>
-        <p:nvPr/>
-      </p:nvGrpSpPr>
-      <p:grpSpPr>
-        <a:xfrm>
-          <a:off x="0" y="0"/>
-          <a:ext cx="0" cy="0"/>
-          <a:chOff x="0" y="0"/>
-          <a:chExt cx="0" cy="0"/>
-        </a:xfrm>
-      </p:grpSpPr>
-      <p:sp>
-        <p:nvSpPr>
-          <p:cNvPr id="13" name="Title 12">
-            <a:extLst>
-              <a:ext uri="{FF2B5EF4-FFF2-40B4-BE49-F238E27FC236}">
-                <a16:creationId xmlns:a16="http://schemas.microsoft.com/office/drawing/2014/main" id="{9C2C386B-23BC-F58F-8832-B91CCA474922}"/>
-              </a:ext>
-            </a:extLst>
-          </p:cNvPr>
-          <p:cNvSpPr>
-            <a:spLocks noGrp="1"/>
-          </p:cNvSpPr>
-          <p:nvPr>
-            <p:ph type="title"/>
-          </p:nvPr>
-        </p:nvSpPr>
-        <p:spPr>
-          <a:xfrm>
-            <a:off x="3848448" y="789138"/>
-            <a:ext cx="7656163" cy="1223963"/>
-          </a:xfrm>
-        </p:spPr>
-        <p:txBody>
-          <a:bodyPr anchor="ctr">
-            <a:normAutofit/>
-          </a:bodyPr>
-          <a:lstStyle/>
-          <a:p>
-            <a:r>
-              <a:rPr lang="en-US" sz="4800" b="1" dirty="0"/>
-              <a:t>2. Modeling Nodes (2)</a:t>
-            </a:r>
-            <a:endParaRPr lang="en-US" sz="4400" dirty="0"/>
-          </a:p>
-        </p:txBody>
-      </p:sp>
-      <p:sp>
-        <p:nvSpPr>
-          <p:cNvPr id="2" name="Title 1">
-            <a:extLst>
-              <a:ext uri="{FF2B5EF4-FFF2-40B4-BE49-F238E27FC236}">
-                <a16:creationId xmlns:a16="http://schemas.microsoft.com/office/drawing/2014/main" id="{F67E68A1-A35A-4DB1-5E85-0FF24E0780D3}"/>
-              </a:ext>
-            </a:extLst>
-          </p:cNvPr>
-          <p:cNvSpPr txBox="1">
-            <a:spLocks/>
-          </p:cNvSpPr>
-          <p:nvPr/>
-        </p:nvSpPr>
-        <p:spPr>
-          <a:xfrm>
-            <a:off x="836612" y="28876"/>
-            <a:ext cx="9982200" cy="863600"/>
-          </a:xfrm>
-          <a:prstGeom prst="rect">
-            <a:avLst/>
-          </a:prstGeom>
-        </p:spPr>
-        <p:txBody>
-          <a:bodyPr vert="horz" lIns="121899" tIns="60949" rIns="121899" bIns="60949" rtlCol="0" anchor="ctr">
-            <a:normAutofit fontScale="92500"/>
-          </a:bodyPr>
-          <a:lstStyle>
-            <a:lvl1pPr algn="l" defTabSz="1218987" rtl="0" eaLnBrk="1" latinLnBrk="0" hangingPunct="1">
-              <a:lnSpc>
-                <a:spcPct val="90000"/>
-              </a:lnSpc>
-              <a:spcBef>
-                <a:spcPct val="0"/>
-              </a:spcBef>
-              <a:buNone/>
-              <a:defRPr sz="3600" kern="1200">
-                <a:solidFill>
-                  <a:schemeClr val="tx1"/>
-                </a:solidFill>
-                <a:latin typeface="+mj-lt"/>
-                <a:ea typeface="+mj-ea"/>
-                <a:cs typeface="+mj-cs"/>
-              </a:defRPr>
-            </a:lvl1pPr>
-          </a:lstStyle>
-          <a:p>
-            <a:r>
-              <a:rPr lang="en-US" sz="5400" dirty="0"/>
-              <a:t>Graph Data Modeling Fundamentals</a:t>
-            </a:r>
-          </a:p>
-        </p:txBody>
-      </p:sp>
-      <p:sp>
-        <p:nvSpPr>
-          <p:cNvPr id="5" name="TextBox 4">
-            <a:extLst>
-              <a:ext uri="{FF2B5EF4-FFF2-40B4-BE49-F238E27FC236}">
-                <a16:creationId xmlns:a16="http://schemas.microsoft.com/office/drawing/2014/main" id="{8673500C-50EF-5CF8-D1A1-D89BACB21143}"/>
-              </a:ext>
-            </a:extLst>
-          </p:cNvPr>
-          <p:cNvSpPr txBox="1"/>
-          <p:nvPr/>
-        </p:nvSpPr>
-        <p:spPr>
-          <a:xfrm>
-            <a:off x="2299246" y="685800"/>
-            <a:ext cx="1329210" cy="1446550"/>
-          </a:xfrm>
-          <a:prstGeom prst="rect">
-            <a:avLst/>
-          </a:prstGeom>
-          <a:noFill/>
-        </p:spPr>
-        <p:txBody>
-          <a:bodyPr wrap="none" rtlCol="0" anchor="ctr">
-            <a:spAutoFit/>
-          </a:bodyPr>
-          <a:lstStyle/>
-          <a:p>
-            <a:pPr algn="ctr"/>
-            <a:r>
-              <a:rPr lang="en-US" sz="8800" b="1" dirty="0"/>
-              <a:t>03</a:t>
-            </a:r>
-          </a:p>
-        </p:txBody>
-      </p:sp>
-      <p:pic>
-        <p:nvPicPr>
-          <p:cNvPr id="6" name="Picture 5">
-            <a:extLst>
-              <a:ext uri="{FF2B5EF4-FFF2-40B4-BE49-F238E27FC236}">
-                <a16:creationId xmlns:a16="http://schemas.microsoft.com/office/drawing/2014/main" id="{4FCE13EE-BCF6-8D61-8DEA-B9D9C6FF9ECC}"/>
-              </a:ext>
-            </a:extLst>
-          </p:cNvPr>
-          <p:cNvPicPr>
-            <a:picLocks noChangeAspect="1"/>
-          </p:cNvPicPr>
-          <p:nvPr/>
-        </p:nvPicPr>
-        <p:blipFill>
-          <a:blip r:embed="rId2"/>
-          <a:stretch>
-            <a:fillRect/>
-          </a:stretch>
-        </p:blipFill>
-        <p:spPr>
-          <a:xfrm>
-            <a:off x="0" y="789138"/>
-            <a:ext cx="2385815" cy="1239873"/>
-          </a:xfrm>
-          <a:prstGeom prst="rect">
-            <a:avLst/>
-          </a:prstGeom>
-          <a:ln>
-            <a:noFill/>
-          </a:ln>
-          <a:effectLst>
-            <a:softEdge rad="112500"/>
-          </a:effectLst>
-        </p:spPr>
-      </p:pic>
-      <p:pic>
-        <p:nvPicPr>
-          <p:cNvPr id="7" name="Picture 6">
-            <a:extLst>
-              <a:ext uri="{FF2B5EF4-FFF2-40B4-BE49-F238E27FC236}">
-                <a16:creationId xmlns:a16="http://schemas.microsoft.com/office/drawing/2014/main" id="{BDF7F0B4-B3C9-45C7-7DA9-54719E29303C}"/>
-              </a:ext>
-            </a:extLst>
-          </p:cNvPr>
-          <p:cNvPicPr>
-            <a:picLocks noChangeAspect="1"/>
-          </p:cNvPicPr>
-          <p:nvPr/>
-        </p:nvPicPr>
-        <p:blipFill>
-          <a:blip r:embed="rId3">
-            <a:alphaModFix amt="85000"/>
-          </a:blip>
-          <a:stretch>
-            <a:fillRect/>
-          </a:stretch>
-        </p:blipFill>
-        <p:spPr>
-          <a:xfrm>
-            <a:off x="379412" y="1500076"/>
-            <a:ext cx="9982200" cy="4976846"/>
-          </a:xfrm>
-          <a:prstGeom prst="roundRect">
-            <a:avLst>
-              <a:gd name="adj" fmla="val 16667"/>
-            </a:avLst>
-          </a:prstGeom>
-          <a:ln>
-            <a:noFill/>
-          </a:ln>
-          <a:effectLst>
-            <a:outerShdw blurRad="152400" dist="12000" dir="900000" sy="98000" kx="110000" ky="200000" algn="tl" rotWithShape="0">
-              <a:srgbClr val="000000">
-                <a:alpha val="30000"/>
-              </a:srgbClr>
-            </a:outerShdw>
-          </a:effectLst>
-          <a:scene3d>
-            <a:camera prst="perspectiveRelaxed">
-              <a:rot lat="19800000" lon="1200000" rev="20820000"/>
-            </a:camera>
-            <a:lightRig rig="threePt" dir="t"/>
-          </a:scene3d>
-          <a:sp3d contourW="6350" prstMaterial="matte">
-            <a:bevelT w="101600" h="101600"/>
-            <a:contourClr>
-              <a:srgbClr val="969696"/>
-            </a:contourClr>
-          </a:sp3d>
-        </p:spPr>
-      </p:pic>
-      <p:sp>
-        <p:nvSpPr>
-          <p:cNvPr id="8" name="Oval 7">
-            <a:extLst>
-              <a:ext uri="{FF2B5EF4-FFF2-40B4-BE49-F238E27FC236}">
-                <a16:creationId xmlns:a16="http://schemas.microsoft.com/office/drawing/2014/main" id="{5565E0CA-5235-4A6C-5090-DE8DFD652E31}"/>
-              </a:ext>
-            </a:extLst>
-          </p:cNvPr>
-          <p:cNvSpPr/>
-          <p:nvPr/>
-        </p:nvSpPr>
-        <p:spPr>
-          <a:xfrm>
-            <a:off x="88973" y="5921006"/>
-            <a:ext cx="762000" cy="780607"/>
-          </a:xfrm>
-          <a:prstGeom prst="ellipse">
-            <a:avLst/>
-          </a:prstGeom>
-          <a:blipFill>
-            <a:blip r:embed="rId4"/>
-            <a:stretch>
-              <a:fillRect/>
-            </a:stretch>
-          </a:blipFill>
-        </p:spPr>
-        <p:style>
-          <a:lnRef idx="2">
-            <a:schemeClr val="accent1">
-              <a:shade val="50000"/>
-            </a:schemeClr>
-          </a:lnRef>
-          <a:fillRef idx="1">
-            <a:schemeClr val="accent1"/>
-          </a:fillRef>
-          <a:effectRef idx="0">
-            <a:schemeClr val="accent1"/>
-          </a:effectRef>
-          <a:fontRef idx="minor">
-            <a:schemeClr val="lt1"/>
-          </a:fontRef>
-        </p:style>
-        <p:txBody>
-          <a:bodyPr rtlCol="0" anchor="ctr"/>
-          <a:lstStyle/>
-          <a:p>
-            <a:pPr algn="ctr"/>
-            <a:endParaRPr lang="en-US" sz="2800"/>
-          </a:p>
-        </p:txBody>
-      </p:sp>
-    </p:spTree>
-    <p:extLst>
-      <p:ext uri="{BB962C8B-B14F-4D97-AF65-F5344CB8AC3E}">
-        <p14:creationId xmlns:p14="http://schemas.microsoft.com/office/powerpoint/2010/main" val="3127525573"/>
-      </p:ext>
-    </p:extLst>
-  </p:cSld>
-  <p:clrMapOvr>
-    <a:masterClrMapping/>
-  </p:clrMapOvr>
-  <mc:AlternateContent xmlns:mc="http://schemas.openxmlformats.org/markup-compatibility/2006">
-    <mc:Choice xmlns:p14="http://schemas.microsoft.com/office/powerpoint/2010/main" Requires="p14">
-      <p:transition spd="med" p14:dur="700">
-        <p:fade/>
-      </p:transition>
-    </mc:Choice>
-    <mc:Fallback>
-      <p:transition spd="med">
-        <p:fade/>
-      </p:transition>
-    </mc:Fallback>
-  </mc:AlternateContent>
-</p:sld>
-</file>
-
-<file path=ppt/slides/slide5.xml><?xml version="1.0" encoding="utf-8"?>
-<p:sld xmlns:a="http://schemas.openxmlformats.org/drawingml/2006/main" xmlns:r="http://schemas.openxmlformats.org/officeDocument/2006/relationships" xmlns:p="http://schemas.openxmlformats.org/presentationml/2006/main">
-  <p:cSld>
-    <p:spTree>
-      <p:nvGrpSpPr>
-        <p:cNvPr id="1" name="">
-          <a:extLst>
-            <a:ext uri="{FF2B5EF4-FFF2-40B4-BE49-F238E27FC236}">
-              <a16:creationId xmlns:a16="http://schemas.microsoft.com/office/drawing/2014/main" id="{55847390-3DF5-1FC5-B9AA-367A78AF3C02}"/>
-            </a:ext>
-          </a:extLst>
-        </p:cNvPr>
-        <p:cNvGrpSpPr/>
-        <p:nvPr/>
-      </p:nvGrpSpPr>
-      <p:grpSpPr>
-        <a:xfrm>
-          <a:off x="0" y="0"/>
-          <a:ext cx="0" cy="0"/>
-          <a:chOff x="0" y="0"/>
-          <a:chExt cx="0" cy="0"/>
-        </a:xfrm>
-      </p:grpSpPr>
-      <p:sp>
-        <p:nvSpPr>
-          <p:cNvPr id="13" name="Title 12">
-            <a:extLst>
-              <a:ext uri="{FF2B5EF4-FFF2-40B4-BE49-F238E27FC236}">
-                <a16:creationId xmlns:a16="http://schemas.microsoft.com/office/drawing/2014/main" id="{B8D11B1C-10D3-CB43-9EC7-1C58DFC90652}"/>
-              </a:ext>
-            </a:extLst>
-          </p:cNvPr>
-          <p:cNvSpPr>
-            <a:spLocks noGrp="1"/>
-          </p:cNvSpPr>
-          <p:nvPr>
-            <p:ph type="title"/>
-          </p:nvPr>
-        </p:nvSpPr>
-        <p:spPr>
-          <a:xfrm>
-            <a:off x="3848448" y="789138"/>
-            <a:ext cx="7656163" cy="1223963"/>
-          </a:xfrm>
-        </p:spPr>
-        <p:txBody>
-          <a:bodyPr anchor="ctr">
-            <a:normAutofit/>
-          </a:bodyPr>
-          <a:lstStyle/>
-          <a:p>
-            <a:r>
-              <a:rPr lang="en-US" sz="4800" b="1" dirty="0"/>
-              <a:t>3. Modeling Relationships (1)</a:t>
-            </a:r>
-            <a:endParaRPr lang="en-US" sz="4400" dirty="0"/>
-          </a:p>
-        </p:txBody>
-      </p:sp>
-      <p:sp>
-        <p:nvSpPr>
-          <p:cNvPr id="2" name="Title 1">
-            <a:extLst>
-              <a:ext uri="{FF2B5EF4-FFF2-40B4-BE49-F238E27FC236}">
-                <a16:creationId xmlns:a16="http://schemas.microsoft.com/office/drawing/2014/main" id="{1BFF9379-C4D9-45E6-0354-A415FA48B080}"/>
-              </a:ext>
-            </a:extLst>
-          </p:cNvPr>
-          <p:cNvSpPr txBox="1">
-            <a:spLocks/>
-          </p:cNvSpPr>
-          <p:nvPr/>
-        </p:nvSpPr>
-        <p:spPr>
-          <a:xfrm>
-            <a:off x="836612" y="28876"/>
-            <a:ext cx="9982200" cy="863600"/>
-          </a:xfrm>
-          <a:prstGeom prst="rect">
-            <a:avLst/>
-          </a:prstGeom>
-        </p:spPr>
-        <p:txBody>
-          <a:bodyPr vert="horz" lIns="121899" tIns="60949" rIns="121899" bIns="60949" rtlCol="0" anchor="ctr">
-            <a:normAutofit fontScale="92500"/>
-          </a:bodyPr>
-          <a:lstStyle>
-            <a:lvl1pPr algn="l" defTabSz="1218987" rtl="0" eaLnBrk="1" latinLnBrk="0" hangingPunct="1">
-              <a:lnSpc>
-                <a:spcPct val="90000"/>
-              </a:lnSpc>
-              <a:spcBef>
-                <a:spcPct val="0"/>
-              </a:spcBef>
-              <a:buNone/>
-              <a:defRPr sz="3600" kern="1200">
-                <a:solidFill>
-                  <a:schemeClr val="tx1"/>
-                </a:solidFill>
-                <a:latin typeface="+mj-lt"/>
-                <a:ea typeface="+mj-ea"/>
-                <a:cs typeface="+mj-cs"/>
-              </a:defRPr>
-            </a:lvl1pPr>
-          </a:lstStyle>
-          <a:p>
-            <a:r>
-              <a:rPr lang="en-US" sz="5400" dirty="0"/>
-              <a:t>Graph Data Modeling Fundamentals</a:t>
-            </a:r>
-          </a:p>
-        </p:txBody>
-      </p:sp>
-      <p:sp>
-        <p:nvSpPr>
-          <p:cNvPr id="5" name="TextBox 4">
-            <a:extLst>
-              <a:ext uri="{FF2B5EF4-FFF2-40B4-BE49-F238E27FC236}">
-                <a16:creationId xmlns:a16="http://schemas.microsoft.com/office/drawing/2014/main" id="{819B475D-1EBB-FA27-EA5D-39FF43EDBAD7}"/>
-              </a:ext>
-            </a:extLst>
-          </p:cNvPr>
-          <p:cNvSpPr txBox="1"/>
-          <p:nvPr/>
-        </p:nvSpPr>
-        <p:spPr>
-          <a:xfrm>
-            <a:off x="2299246" y="685800"/>
-            <a:ext cx="1329210" cy="1446550"/>
-          </a:xfrm>
-          <a:prstGeom prst="rect">
-            <a:avLst/>
-          </a:prstGeom>
-          <a:noFill/>
-        </p:spPr>
-        <p:txBody>
-          <a:bodyPr wrap="none" rtlCol="0" anchor="ctr">
-            <a:spAutoFit/>
-          </a:bodyPr>
-          <a:lstStyle/>
-          <a:p>
-            <a:pPr algn="ctr"/>
-            <a:r>
-              <a:rPr lang="en-US" sz="8800" b="1" dirty="0"/>
-              <a:t>04</a:t>
-            </a:r>
-          </a:p>
-        </p:txBody>
-      </p:sp>
-      <p:pic>
-        <p:nvPicPr>
-          <p:cNvPr id="6" name="Picture 5">
-            <a:extLst>
-              <a:ext uri="{FF2B5EF4-FFF2-40B4-BE49-F238E27FC236}">
-                <a16:creationId xmlns:a16="http://schemas.microsoft.com/office/drawing/2014/main" id="{05278ADE-20C6-A565-905B-C6CDAA7446EE}"/>
-              </a:ext>
-            </a:extLst>
-          </p:cNvPr>
-          <p:cNvPicPr>
-            <a:picLocks noChangeAspect="1"/>
-          </p:cNvPicPr>
-          <p:nvPr/>
-        </p:nvPicPr>
-        <p:blipFill>
-          <a:blip r:embed="rId2"/>
-          <a:stretch>
-            <a:fillRect/>
-          </a:stretch>
-        </p:blipFill>
-        <p:spPr>
-          <a:xfrm>
-            <a:off x="0" y="789138"/>
-            <a:ext cx="2385815" cy="1239873"/>
-          </a:xfrm>
-          <a:prstGeom prst="rect">
-            <a:avLst/>
-          </a:prstGeom>
-          <a:ln>
-            <a:noFill/>
-          </a:ln>
-          <a:effectLst>
-            <a:softEdge rad="112500"/>
-          </a:effectLst>
-        </p:spPr>
-      </p:pic>
-      <p:sp>
-        <p:nvSpPr>
-          <p:cNvPr id="8" name="Oval 7">
-            <a:extLst>
-              <a:ext uri="{FF2B5EF4-FFF2-40B4-BE49-F238E27FC236}">
-                <a16:creationId xmlns:a16="http://schemas.microsoft.com/office/drawing/2014/main" id="{67609889-0DBA-1B5F-895F-3C963C508DEE}"/>
-              </a:ext>
-            </a:extLst>
-          </p:cNvPr>
-          <p:cNvSpPr/>
-          <p:nvPr/>
-        </p:nvSpPr>
-        <p:spPr>
-          <a:xfrm>
-            <a:off x="88973" y="5921006"/>
-            <a:ext cx="762000" cy="780607"/>
-          </a:xfrm>
-          <a:prstGeom prst="ellipse">
-            <a:avLst/>
-          </a:prstGeom>
-          <a:blipFill>
-            <a:blip r:embed="rId3"/>
-            <a:stretch>
-              <a:fillRect/>
-            </a:stretch>
-          </a:blipFill>
-        </p:spPr>
-        <p:style>
-          <a:lnRef idx="2">
-            <a:schemeClr val="accent1">
-              <a:shade val="50000"/>
-            </a:schemeClr>
-          </a:lnRef>
-          <a:fillRef idx="1">
-            <a:schemeClr val="accent1"/>
-          </a:fillRef>
-          <a:effectRef idx="0">
-            <a:schemeClr val="accent1"/>
-          </a:effectRef>
-          <a:fontRef idx="minor">
-            <a:schemeClr val="lt1"/>
-          </a:fontRef>
-        </p:style>
-        <p:txBody>
-          <a:bodyPr rtlCol="0" anchor="ctr"/>
-          <a:lstStyle/>
-          <a:p>
-            <a:pPr algn="ctr"/>
-            <a:endParaRPr lang="en-US" sz="2800"/>
-          </a:p>
-        </p:txBody>
-      </p:sp>
-      <p:pic>
-        <p:nvPicPr>
-          <p:cNvPr id="4" name="Picture 3">
-            <a:extLst>
-              <a:ext uri="{FF2B5EF4-FFF2-40B4-BE49-F238E27FC236}">
-                <a16:creationId xmlns:a16="http://schemas.microsoft.com/office/drawing/2014/main" id="{100CFFC3-FF82-42B5-9CBD-3B4AD02C42B5}"/>
-              </a:ext>
-            </a:extLst>
-          </p:cNvPr>
-          <p:cNvPicPr>
-            <a:picLocks noChangeAspect="1"/>
-          </p:cNvPicPr>
-          <p:nvPr/>
-        </p:nvPicPr>
-        <p:blipFill>
-          <a:blip r:embed="rId4">
-            <a:alphaModFix amt="85000"/>
-          </a:blip>
-          <a:stretch>
-            <a:fillRect/>
-          </a:stretch>
-        </p:blipFill>
-        <p:spPr>
-          <a:xfrm>
-            <a:off x="-153988" y="1371600"/>
-            <a:ext cx="11277600" cy="5075748"/>
-          </a:xfrm>
-          <a:prstGeom prst="roundRect">
-            <a:avLst>
-              <a:gd name="adj" fmla="val 16667"/>
-            </a:avLst>
-          </a:prstGeom>
-          <a:ln>
-            <a:noFill/>
-          </a:ln>
-          <a:effectLst>
-            <a:outerShdw blurRad="152400" dist="12000" dir="900000" sy="98000" kx="110000" ky="200000" algn="tl" rotWithShape="0">
-              <a:srgbClr val="000000">
-                <a:alpha val="30000"/>
-              </a:srgbClr>
-            </a:outerShdw>
-          </a:effectLst>
-          <a:scene3d>
-            <a:camera prst="perspectiveRelaxed">
-              <a:rot lat="19800000" lon="1200000" rev="20820000"/>
-            </a:camera>
-            <a:lightRig rig="threePt" dir="t"/>
-          </a:scene3d>
-          <a:sp3d contourW="6350" prstMaterial="matte">
-            <a:bevelT w="101600" h="101600"/>
-            <a:contourClr>
-              <a:srgbClr val="969696"/>
-            </a:contourClr>
-          </a:sp3d>
-        </p:spPr>
-      </p:pic>
-    </p:spTree>
-    <p:extLst>
-      <p:ext uri="{BB962C8B-B14F-4D97-AF65-F5344CB8AC3E}">
-        <p14:creationId xmlns:p14="http://schemas.microsoft.com/office/powerpoint/2010/main" val="2416091192"/>
-      </p:ext>
-    </p:extLst>
-  </p:cSld>
-  <p:clrMapOvr>
-    <a:masterClrMapping/>
-  </p:clrMapOvr>
-  <mc:AlternateContent xmlns:mc="http://schemas.openxmlformats.org/markup-compatibility/2006">
-    <mc:Choice xmlns:p14="http://schemas.microsoft.com/office/powerpoint/2010/main" Requires="p14">
-      <p:transition spd="med" p14:dur="700">
-        <p:fade/>
-      </p:transition>
-    </mc:Choice>
-    <mc:Fallback>
-      <p:transition spd="med">
-        <p:fade/>
-      </p:transition>
-    </mc:Fallback>
-  </mc:AlternateContent>
-</p:sld>
-</file>
-
-<file path=ppt/slides/slide6.xml><?xml version="1.0" encoding="utf-8"?>
-<p:sld xmlns:a="http://schemas.openxmlformats.org/drawingml/2006/main" xmlns:r="http://schemas.openxmlformats.org/officeDocument/2006/relationships" xmlns:p="http://schemas.openxmlformats.org/presentationml/2006/main">
-  <p:cSld>
-    <p:spTree>
-      <p:nvGrpSpPr>
-        <p:cNvPr id="1" name="">
-          <a:extLst>
-            <a:ext uri="{FF2B5EF4-FFF2-40B4-BE49-F238E27FC236}">
-              <a16:creationId xmlns:a16="http://schemas.microsoft.com/office/drawing/2014/main" id="{B054C27C-0319-BF56-13DF-79C9AAF004F3}"/>
-            </a:ext>
-          </a:extLst>
-        </p:cNvPr>
-        <p:cNvGrpSpPr/>
-        <p:nvPr/>
-      </p:nvGrpSpPr>
-      <p:grpSpPr>
-        <a:xfrm>
-          <a:off x="0" y="0"/>
-          <a:ext cx="0" cy="0"/>
-          <a:chOff x="0" y="0"/>
-          <a:chExt cx="0" cy="0"/>
-        </a:xfrm>
-      </p:grpSpPr>
-      <p:sp>
-        <p:nvSpPr>
-          <p:cNvPr id="13" name="Title 12">
-            <a:extLst>
-              <a:ext uri="{FF2B5EF4-FFF2-40B4-BE49-F238E27FC236}">
-                <a16:creationId xmlns:a16="http://schemas.microsoft.com/office/drawing/2014/main" id="{BC815CB3-76C8-F38D-4EE1-DBCD5C91FC75}"/>
-              </a:ext>
-            </a:extLst>
-          </p:cNvPr>
-          <p:cNvSpPr>
-            <a:spLocks noGrp="1"/>
-          </p:cNvSpPr>
-          <p:nvPr>
-            <p:ph type="title"/>
-          </p:nvPr>
-        </p:nvSpPr>
-        <p:spPr>
-          <a:xfrm>
-            <a:off x="3848448" y="789138"/>
-            <a:ext cx="7656163" cy="1223963"/>
-          </a:xfrm>
-        </p:spPr>
-        <p:txBody>
-          <a:bodyPr anchor="ctr">
-            <a:normAutofit/>
-          </a:bodyPr>
-          <a:lstStyle/>
-          <a:p>
-            <a:r>
-              <a:rPr lang="en-US" sz="4800" b="1" dirty="0"/>
-              <a:t>3. Modeling Relationships (2)</a:t>
-            </a:r>
-            <a:endParaRPr lang="en-US" sz="4400" dirty="0"/>
-          </a:p>
-        </p:txBody>
-      </p:sp>
-      <p:sp>
-        <p:nvSpPr>
-          <p:cNvPr id="2" name="Title 1">
-            <a:extLst>
-              <a:ext uri="{FF2B5EF4-FFF2-40B4-BE49-F238E27FC236}">
-                <a16:creationId xmlns:a16="http://schemas.microsoft.com/office/drawing/2014/main" id="{4BA79D0C-DEA0-FAAC-093A-4FC5531F0F20}"/>
-              </a:ext>
-            </a:extLst>
-          </p:cNvPr>
-          <p:cNvSpPr txBox="1">
-            <a:spLocks/>
-          </p:cNvSpPr>
-          <p:nvPr/>
-        </p:nvSpPr>
-        <p:spPr>
-          <a:xfrm>
-            <a:off x="836612" y="28876"/>
-            <a:ext cx="9982200" cy="863600"/>
-          </a:xfrm>
-          <a:prstGeom prst="rect">
-            <a:avLst/>
-          </a:prstGeom>
-        </p:spPr>
-        <p:txBody>
-          <a:bodyPr vert="horz" lIns="121899" tIns="60949" rIns="121899" bIns="60949" rtlCol="0" anchor="ctr">
-            <a:normAutofit fontScale="92500"/>
-          </a:bodyPr>
-          <a:lstStyle>
-            <a:lvl1pPr algn="l" defTabSz="1218987" rtl="0" eaLnBrk="1" latinLnBrk="0" hangingPunct="1">
-              <a:lnSpc>
-                <a:spcPct val="90000"/>
-              </a:lnSpc>
-              <a:spcBef>
-                <a:spcPct val="0"/>
-              </a:spcBef>
-              <a:buNone/>
-              <a:defRPr sz="3600" kern="1200">
-                <a:solidFill>
-                  <a:schemeClr val="tx1"/>
-                </a:solidFill>
-                <a:latin typeface="+mj-lt"/>
-                <a:ea typeface="+mj-ea"/>
-                <a:cs typeface="+mj-cs"/>
-              </a:defRPr>
-            </a:lvl1pPr>
-          </a:lstStyle>
-          <a:p>
-            <a:r>
-              <a:rPr lang="en-US" sz="5400" dirty="0"/>
-              <a:t>Graph Data Modeling Fundamentals</a:t>
-            </a:r>
-          </a:p>
-        </p:txBody>
-      </p:sp>
-      <p:sp>
-        <p:nvSpPr>
-          <p:cNvPr id="5" name="TextBox 4">
-            <a:extLst>
-              <a:ext uri="{FF2B5EF4-FFF2-40B4-BE49-F238E27FC236}">
-                <a16:creationId xmlns:a16="http://schemas.microsoft.com/office/drawing/2014/main" id="{ABE6367C-B27A-A9A9-6426-D11E3F0BE229}"/>
-              </a:ext>
-            </a:extLst>
-          </p:cNvPr>
-          <p:cNvSpPr txBox="1"/>
-          <p:nvPr/>
-        </p:nvSpPr>
-        <p:spPr>
-          <a:xfrm>
-            <a:off x="2299246" y="685800"/>
-            <a:ext cx="1329210" cy="1446550"/>
-          </a:xfrm>
-          <a:prstGeom prst="rect">
-            <a:avLst/>
-          </a:prstGeom>
-          <a:noFill/>
-        </p:spPr>
-        <p:txBody>
-          <a:bodyPr wrap="none" rtlCol="0" anchor="ctr">
-            <a:spAutoFit/>
-          </a:bodyPr>
-          <a:lstStyle/>
-          <a:p>
-            <a:pPr algn="ctr"/>
-            <a:r>
-              <a:rPr lang="en-US" sz="8800" b="1" dirty="0"/>
-              <a:t>05</a:t>
-            </a:r>
-          </a:p>
-        </p:txBody>
-      </p:sp>
-      <p:pic>
-        <p:nvPicPr>
-          <p:cNvPr id="6" name="Picture 5">
-            <a:extLst>
-              <a:ext uri="{FF2B5EF4-FFF2-40B4-BE49-F238E27FC236}">
-                <a16:creationId xmlns:a16="http://schemas.microsoft.com/office/drawing/2014/main" id="{C2C0D57C-AFC3-833E-281B-91CF0DA74F87}"/>
-              </a:ext>
-            </a:extLst>
-          </p:cNvPr>
-          <p:cNvPicPr>
-            <a:picLocks noChangeAspect="1"/>
-          </p:cNvPicPr>
-          <p:nvPr/>
-        </p:nvPicPr>
-        <p:blipFill>
-          <a:blip r:embed="rId2"/>
-          <a:stretch>
-            <a:fillRect/>
-          </a:stretch>
-        </p:blipFill>
-        <p:spPr>
-          <a:xfrm>
-            <a:off x="0" y="789138"/>
-            <a:ext cx="2385815" cy="1239873"/>
-          </a:xfrm>
-          <a:prstGeom prst="rect">
-            <a:avLst/>
-          </a:prstGeom>
-          <a:ln>
-            <a:noFill/>
-          </a:ln>
-          <a:effectLst>
-            <a:softEdge rad="112500"/>
-          </a:effectLst>
-        </p:spPr>
-      </p:pic>
-      <p:sp>
-        <p:nvSpPr>
-          <p:cNvPr id="8" name="Oval 7">
-            <a:extLst>
-              <a:ext uri="{FF2B5EF4-FFF2-40B4-BE49-F238E27FC236}">
-                <a16:creationId xmlns:a16="http://schemas.microsoft.com/office/drawing/2014/main" id="{9FEE41D7-9DA1-8BD1-0430-B7509D77AD9E}"/>
-              </a:ext>
-            </a:extLst>
-          </p:cNvPr>
-          <p:cNvSpPr/>
-          <p:nvPr/>
-        </p:nvSpPr>
-        <p:spPr>
-          <a:xfrm>
-            <a:off x="88973" y="5921006"/>
-            <a:ext cx="762000" cy="780607"/>
-          </a:xfrm>
-          <a:prstGeom prst="ellipse">
-            <a:avLst/>
-          </a:prstGeom>
-          <a:blipFill>
-            <a:blip r:embed="rId3"/>
-            <a:stretch>
-              <a:fillRect/>
-            </a:stretch>
-          </a:blipFill>
-        </p:spPr>
-        <p:style>
-          <a:lnRef idx="2">
-            <a:schemeClr val="accent1">
-              <a:shade val="50000"/>
-            </a:schemeClr>
-          </a:lnRef>
-          <a:fillRef idx="1">
-            <a:schemeClr val="accent1"/>
-          </a:fillRef>
-          <a:effectRef idx="0">
-            <a:schemeClr val="accent1"/>
-          </a:effectRef>
-          <a:fontRef idx="minor">
-            <a:schemeClr val="lt1"/>
-          </a:fontRef>
-        </p:style>
-        <p:txBody>
-          <a:bodyPr rtlCol="0" anchor="ctr"/>
-          <a:lstStyle/>
-          <a:p>
-            <a:pPr algn="ctr"/>
-            <a:endParaRPr lang="en-US" sz="2800"/>
-          </a:p>
-        </p:txBody>
-      </p:sp>
-      <p:pic>
-        <p:nvPicPr>
-          <p:cNvPr id="7" name="Picture 6">
-            <a:extLst>
-              <a:ext uri="{FF2B5EF4-FFF2-40B4-BE49-F238E27FC236}">
-                <a16:creationId xmlns:a16="http://schemas.microsoft.com/office/drawing/2014/main" id="{A8557E18-E351-9F8F-005B-4120DA1FFCF1}"/>
-              </a:ext>
-            </a:extLst>
-          </p:cNvPr>
-          <p:cNvPicPr>
-            <a:picLocks noChangeAspect="1"/>
-          </p:cNvPicPr>
-          <p:nvPr/>
-        </p:nvPicPr>
-        <p:blipFill>
-          <a:blip r:embed="rId4">
-            <a:alphaModFix amt="85000"/>
-          </a:blip>
-          <a:stretch>
-            <a:fillRect/>
-          </a:stretch>
-        </p:blipFill>
-        <p:spPr>
-          <a:xfrm>
-            <a:off x="0" y="1409074"/>
-            <a:ext cx="11067532" cy="4999681"/>
-          </a:xfrm>
-          <a:prstGeom prst="roundRect">
-            <a:avLst>
-              <a:gd name="adj" fmla="val 16667"/>
-            </a:avLst>
-          </a:prstGeom>
-          <a:ln>
-            <a:noFill/>
-          </a:ln>
-          <a:effectLst>
-            <a:outerShdw blurRad="152400" dist="12000" dir="900000" sy="98000" kx="110000" ky="200000" algn="tl" rotWithShape="0">
-              <a:srgbClr val="000000">
-                <a:alpha val="30000"/>
-              </a:srgbClr>
-            </a:outerShdw>
-          </a:effectLst>
-          <a:scene3d>
-            <a:camera prst="perspectiveRelaxed">
-              <a:rot lat="19800000" lon="1200000" rev="20820000"/>
-            </a:camera>
-            <a:lightRig rig="threePt" dir="t"/>
-          </a:scene3d>
-          <a:sp3d contourW="6350" prstMaterial="matte">
-            <a:bevelT w="101600" h="101600"/>
-            <a:contourClr>
-              <a:srgbClr val="969696"/>
-            </a:contourClr>
-          </a:sp3d>
-        </p:spPr>
-      </p:pic>
-    </p:spTree>
-    <p:extLst>
-      <p:ext uri="{BB962C8B-B14F-4D97-AF65-F5344CB8AC3E}">
-        <p14:creationId xmlns:p14="http://schemas.microsoft.com/office/powerpoint/2010/main" val="2938528598"/>
-      </p:ext>
-    </p:extLst>
-  </p:cSld>
-  <p:clrMapOvr>
-    <a:masterClrMapping/>
-  </p:clrMapOvr>
-  <mc:AlternateContent xmlns:mc="http://schemas.openxmlformats.org/markup-compatibility/2006">
-    <mc:Choice xmlns:p14="http://schemas.microsoft.com/office/powerpoint/2010/main" Requires="p14">
-      <p:transition spd="med" p14:dur="700">
-        <p:fade/>
-      </p:transition>
-    </mc:Choice>
-    <mc:Fallback>
-      <p:transition spd="med">
-        <p:fade/>
-      </p:transition>
-    </mc:Fallback>
-  </mc:AlternateContent>
-</p:sld>
-</file>
-
-<file path=ppt/slides/slide7.xml><?xml version="1.0" encoding="utf-8"?>
-<p:sld xmlns:a="http://schemas.openxmlformats.org/drawingml/2006/main" xmlns:r="http://schemas.openxmlformats.org/officeDocument/2006/relationships" xmlns:p="http://schemas.openxmlformats.org/presentationml/2006/main">
-  <p:cSld>
-    <p:spTree>
-      <p:nvGrpSpPr>
         <p:cNvPr id="1" name="">
           <a:extLst>
             <a:ext uri="{FF2B5EF4-FFF2-40B4-BE49-F238E27FC236}">
@@ -19121,7 +17670,7 @@
             <a:pPr algn="ctr"/>
             <a:r>
               <a:rPr lang="en-US" sz="8800" b="1" dirty="0"/>
-              <a:t>09</a:t>
+              <a:t>99</a:t>
             </a:r>
           </a:p>
         </p:txBody>
@@ -19175,7 +17724,7 @@
           <p:nvPr>
             <p:extLst>
               <p:ext uri="{D42A27DB-BD31-4B8C-83A1-F6EECF244321}">
-                <p14:modId xmlns:p14="http://schemas.microsoft.com/office/powerpoint/2010/main" val="2934270300"/>
+                <p14:modId xmlns:p14="http://schemas.microsoft.com/office/powerpoint/2010/main" val="1157625545"/>
               </p:ext>
             </p:extLst>
           </p:nvPr>
@@ -19812,6 +18361,1584 @@
       <p:bldP spid="11" grpId="0" animBg="1"/>
     </p:bldLst>
   </p:timing>
+</p:sld>
+</file>
+
+<file path=ppt/slides/slide3.xml><?xml version="1.0" encoding="utf-8"?>
+<p:sld xmlns:a="http://schemas.openxmlformats.org/drawingml/2006/main" xmlns:r="http://schemas.openxmlformats.org/officeDocument/2006/relationships" xmlns:p="http://schemas.openxmlformats.org/presentationml/2006/main">
+  <p:cSld>
+    <p:spTree>
+      <p:nvGrpSpPr>
+        <p:cNvPr id="1" name=""/>
+        <p:cNvGrpSpPr/>
+        <p:nvPr/>
+      </p:nvGrpSpPr>
+      <p:grpSpPr>
+        <a:xfrm>
+          <a:off x="0" y="0"/>
+          <a:ext cx="0" cy="0"/>
+          <a:chOff x="0" y="0"/>
+          <a:chExt cx="0" cy="0"/>
+        </a:xfrm>
+      </p:grpSpPr>
+      <p:sp>
+        <p:nvSpPr>
+          <p:cNvPr id="13" name="Title 12"/>
+          <p:cNvSpPr>
+            <a:spLocks noGrp="1"/>
+          </p:cNvSpPr>
+          <p:nvPr>
+            <p:ph type="title"/>
+          </p:nvPr>
+        </p:nvSpPr>
+        <p:spPr>
+          <a:xfrm>
+            <a:off x="3848448" y="789138"/>
+            <a:ext cx="7656163" cy="1223963"/>
+          </a:xfrm>
+        </p:spPr>
+        <p:txBody>
+          <a:bodyPr anchor="ctr">
+            <a:normAutofit/>
+          </a:bodyPr>
+          <a:lstStyle/>
+          <a:p>
+            <a:r>
+              <a:rPr lang="en-US" sz="4800" b="1" dirty="0"/>
+              <a:t>1. Getting Started</a:t>
+            </a:r>
+            <a:endParaRPr lang="en-US" sz="4400" dirty="0"/>
+          </a:p>
+        </p:txBody>
+      </p:sp>
+      <p:sp>
+        <p:nvSpPr>
+          <p:cNvPr id="2" name="Title 1">
+            <a:extLst>
+              <a:ext uri="{FF2B5EF4-FFF2-40B4-BE49-F238E27FC236}">
+                <a16:creationId xmlns:a16="http://schemas.microsoft.com/office/drawing/2014/main" id="{5EB7EDFF-4A46-6EBC-C77A-BDAF4A84A64B}"/>
+              </a:ext>
+            </a:extLst>
+          </p:cNvPr>
+          <p:cNvSpPr txBox="1">
+            <a:spLocks/>
+          </p:cNvSpPr>
+          <p:nvPr/>
+        </p:nvSpPr>
+        <p:spPr>
+          <a:xfrm>
+            <a:off x="836612" y="28876"/>
+            <a:ext cx="9982200" cy="863600"/>
+          </a:xfrm>
+          <a:prstGeom prst="rect">
+            <a:avLst/>
+          </a:prstGeom>
+        </p:spPr>
+        <p:txBody>
+          <a:bodyPr vert="horz" lIns="121899" tIns="60949" rIns="121899" bIns="60949" rtlCol="0" anchor="ctr">
+            <a:normAutofit fontScale="92500"/>
+          </a:bodyPr>
+          <a:lstStyle>
+            <a:lvl1pPr algn="l" defTabSz="1218987" rtl="0" eaLnBrk="1" latinLnBrk="0" hangingPunct="1">
+              <a:lnSpc>
+                <a:spcPct val="90000"/>
+              </a:lnSpc>
+              <a:spcBef>
+                <a:spcPct val="0"/>
+              </a:spcBef>
+              <a:buNone/>
+              <a:defRPr sz="3600" kern="1200">
+                <a:solidFill>
+                  <a:schemeClr val="tx1"/>
+                </a:solidFill>
+                <a:latin typeface="+mj-lt"/>
+                <a:ea typeface="+mj-ea"/>
+                <a:cs typeface="+mj-cs"/>
+              </a:defRPr>
+            </a:lvl1pPr>
+          </a:lstStyle>
+          <a:p>
+            <a:r>
+              <a:rPr lang="en-US" sz="5400" dirty="0"/>
+              <a:t>Graph Data Modeling Fundamentals</a:t>
+            </a:r>
+          </a:p>
+        </p:txBody>
+      </p:sp>
+      <p:sp>
+        <p:nvSpPr>
+          <p:cNvPr id="5" name="TextBox 4">
+            <a:extLst>
+              <a:ext uri="{FF2B5EF4-FFF2-40B4-BE49-F238E27FC236}">
+                <a16:creationId xmlns:a16="http://schemas.microsoft.com/office/drawing/2014/main" id="{02962BCD-774A-91A5-8365-94D2485BB04D}"/>
+              </a:ext>
+            </a:extLst>
+          </p:cNvPr>
+          <p:cNvSpPr txBox="1"/>
+          <p:nvPr/>
+        </p:nvSpPr>
+        <p:spPr>
+          <a:xfrm>
+            <a:off x="2299246" y="685800"/>
+            <a:ext cx="1329210" cy="1446550"/>
+          </a:xfrm>
+          <a:prstGeom prst="rect">
+            <a:avLst/>
+          </a:prstGeom>
+          <a:noFill/>
+        </p:spPr>
+        <p:txBody>
+          <a:bodyPr wrap="none" rtlCol="0" anchor="ctr">
+            <a:spAutoFit/>
+          </a:bodyPr>
+          <a:lstStyle/>
+          <a:p>
+            <a:pPr algn="ctr"/>
+            <a:r>
+              <a:rPr lang="en-US" sz="8800" b="1" dirty="0"/>
+              <a:t>01</a:t>
+            </a:r>
+          </a:p>
+        </p:txBody>
+      </p:sp>
+      <p:pic>
+        <p:nvPicPr>
+          <p:cNvPr id="6" name="Picture 5">
+            <a:extLst>
+              <a:ext uri="{FF2B5EF4-FFF2-40B4-BE49-F238E27FC236}">
+                <a16:creationId xmlns:a16="http://schemas.microsoft.com/office/drawing/2014/main" id="{D1D81DDD-A157-F41B-8137-75ED1539F0D2}"/>
+              </a:ext>
+            </a:extLst>
+          </p:cNvPr>
+          <p:cNvPicPr>
+            <a:picLocks noChangeAspect="1"/>
+          </p:cNvPicPr>
+          <p:nvPr/>
+        </p:nvPicPr>
+        <p:blipFill>
+          <a:blip r:embed="rId2"/>
+          <a:stretch>
+            <a:fillRect/>
+          </a:stretch>
+        </p:blipFill>
+        <p:spPr>
+          <a:xfrm>
+            <a:off x="0" y="789138"/>
+            <a:ext cx="2385815" cy="1239873"/>
+          </a:xfrm>
+          <a:prstGeom prst="rect">
+            <a:avLst/>
+          </a:prstGeom>
+          <a:ln>
+            <a:noFill/>
+          </a:ln>
+          <a:effectLst>
+            <a:softEdge rad="112500"/>
+          </a:effectLst>
+        </p:spPr>
+      </p:pic>
+      <p:pic>
+        <p:nvPicPr>
+          <p:cNvPr id="7" name="Picture 6">
+            <a:extLst>
+              <a:ext uri="{FF2B5EF4-FFF2-40B4-BE49-F238E27FC236}">
+                <a16:creationId xmlns:a16="http://schemas.microsoft.com/office/drawing/2014/main" id="{2C552ECE-62E8-AAB5-1CAE-C84A7F9BEF2E}"/>
+              </a:ext>
+            </a:extLst>
+          </p:cNvPr>
+          <p:cNvPicPr>
+            <a:picLocks noChangeAspect="1"/>
+          </p:cNvPicPr>
+          <p:nvPr/>
+        </p:nvPicPr>
+        <p:blipFill>
+          <a:blip r:embed="rId3">
+            <a:alphaModFix amt="85000"/>
+          </a:blip>
+          <a:stretch>
+            <a:fillRect/>
+          </a:stretch>
+        </p:blipFill>
+        <p:spPr>
+          <a:xfrm>
+            <a:off x="20727" y="1437092"/>
+            <a:ext cx="11104182" cy="4963708"/>
+          </a:xfrm>
+          <a:prstGeom prst="roundRect">
+            <a:avLst>
+              <a:gd name="adj" fmla="val 16667"/>
+            </a:avLst>
+          </a:prstGeom>
+          <a:ln>
+            <a:noFill/>
+          </a:ln>
+          <a:effectLst>
+            <a:outerShdw blurRad="152400" dist="12000" dir="900000" sy="98000" kx="110000" ky="200000" algn="tl" rotWithShape="0">
+              <a:srgbClr val="000000">
+                <a:alpha val="30000"/>
+              </a:srgbClr>
+            </a:outerShdw>
+          </a:effectLst>
+          <a:scene3d>
+            <a:camera prst="perspectiveRelaxed">
+              <a:rot lat="19800000" lon="1200000" rev="20820000"/>
+            </a:camera>
+            <a:lightRig rig="threePt" dir="t"/>
+          </a:scene3d>
+          <a:sp3d contourW="6350" prstMaterial="matte">
+            <a:bevelT w="101600" h="101600"/>
+            <a:contourClr>
+              <a:srgbClr val="969696"/>
+            </a:contourClr>
+          </a:sp3d>
+        </p:spPr>
+      </p:pic>
+      <p:sp>
+        <p:nvSpPr>
+          <p:cNvPr id="8" name="Oval 7">
+            <a:extLst>
+              <a:ext uri="{FF2B5EF4-FFF2-40B4-BE49-F238E27FC236}">
+                <a16:creationId xmlns:a16="http://schemas.microsoft.com/office/drawing/2014/main" id="{FC628511-F961-4EB7-F58C-E329F0AA8035}"/>
+              </a:ext>
+            </a:extLst>
+          </p:cNvPr>
+          <p:cNvSpPr/>
+          <p:nvPr/>
+        </p:nvSpPr>
+        <p:spPr>
+          <a:xfrm>
+            <a:off x="88973" y="5921006"/>
+            <a:ext cx="762000" cy="780607"/>
+          </a:xfrm>
+          <a:prstGeom prst="ellipse">
+            <a:avLst/>
+          </a:prstGeom>
+          <a:blipFill>
+            <a:blip r:embed="rId4"/>
+            <a:stretch>
+              <a:fillRect/>
+            </a:stretch>
+          </a:blipFill>
+        </p:spPr>
+        <p:style>
+          <a:lnRef idx="2">
+            <a:schemeClr val="accent1">
+              <a:shade val="50000"/>
+            </a:schemeClr>
+          </a:lnRef>
+          <a:fillRef idx="1">
+            <a:schemeClr val="accent1"/>
+          </a:fillRef>
+          <a:effectRef idx="0">
+            <a:schemeClr val="accent1"/>
+          </a:effectRef>
+          <a:fontRef idx="minor">
+            <a:schemeClr val="lt1"/>
+          </a:fontRef>
+        </p:style>
+        <p:txBody>
+          <a:bodyPr rtlCol="0" anchor="ctr"/>
+          <a:lstStyle/>
+          <a:p>
+            <a:pPr algn="ctr"/>
+            <a:endParaRPr lang="en-US" sz="2800"/>
+          </a:p>
+        </p:txBody>
+      </p:sp>
+    </p:spTree>
+    <p:extLst>
+      <p:ext uri="{BB962C8B-B14F-4D97-AF65-F5344CB8AC3E}">
+        <p14:creationId xmlns:p14="http://schemas.microsoft.com/office/powerpoint/2010/main" val="3529114326"/>
+      </p:ext>
+    </p:extLst>
+  </p:cSld>
+  <p:clrMapOvr>
+    <a:masterClrMapping/>
+  </p:clrMapOvr>
+  <mc:AlternateContent xmlns:mc="http://schemas.openxmlformats.org/markup-compatibility/2006" xmlns:p14="http://schemas.microsoft.com/office/powerpoint/2010/main">
+    <mc:Choice Requires="p14">
+      <p:transition spd="med" p14:dur="700">
+        <p:fade/>
+      </p:transition>
+    </mc:Choice>
+    <mc:Fallback xmlns="">
+      <p:transition spd="med">
+        <p:fade/>
+      </p:transition>
+    </mc:Fallback>
+  </mc:AlternateContent>
+</p:sld>
+</file>
+
+<file path=ppt/slides/slide4.xml><?xml version="1.0" encoding="utf-8"?>
+<p:sld xmlns:a="http://schemas.openxmlformats.org/drawingml/2006/main" xmlns:r="http://schemas.openxmlformats.org/officeDocument/2006/relationships" xmlns:p="http://schemas.openxmlformats.org/presentationml/2006/main">
+  <p:cSld>
+    <p:spTree>
+      <p:nvGrpSpPr>
+        <p:cNvPr id="1" name="">
+          <a:extLst>
+            <a:ext uri="{FF2B5EF4-FFF2-40B4-BE49-F238E27FC236}">
+              <a16:creationId xmlns:a16="http://schemas.microsoft.com/office/drawing/2014/main" id="{238F7F5F-C18C-6E97-3248-830E81D9F4BE}"/>
+            </a:ext>
+          </a:extLst>
+        </p:cNvPr>
+        <p:cNvGrpSpPr/>
+        <p:nvPr/>
+      </p:nvGrpSpPr>
+      <p:grpSpPr>
+        <a:xfrm>
+          <a:off x="0" y="0"/>
+          <a:ext cx="0" cy="0"/>
+          <a:chOff x="0" y="0"/>
+          <a:chExt cx="0" cy="0"/>
+        </a:xfrm>
+      </p:grpSpPr>
+      <p:sp>
+        <p:nvSpPr>
+          <p:cNvPr id="13" name="Title 12">
+            <a:extLst>
+              <a:ext uri="{FF2B5EF4-FFF2-40B4-BE49-F238E27FC236}">
+                <a16:creationId xmlns:a16="http://schemas.microsoft.com/office/drawing/2014/main" id="{F3F1AB66-9979-606A-1FB0-417591B2CACD}"/>
+              </a:ext>
+            </a:extLst>
+          </p:cNvPr>
+          <p:cNvSpPr>
+            <a:spLocks noGrp="1"/>
+          </p:cNvSpPr>
+          <p:nvPr>
+            <p:ph type="title"/>
+          </p:nvPr>
+        </p:nvSpPr>
+        <p:spPr>
+          <a:xfrm>
+            <a:off x="3848448" y="789138"/>
+            <a:ext cx="7656163" cy="1223963"/>
+          </a:xfrm>
+        </p:spPr>
+        <p:txBody>
+          <a:bodyPr anchor="ctr">
+            <a:normAutofit/>
+          </a:bodyPr>
+          <a:lstStyle/>
+          <a:p>
+            <a:r>
+              <a:rPr lang="en-US" sz="4800" b="1" dirty="0"/>
+              <a:t>2. Modeling Nodes (1)</a:t>
+            </a:r>
+            <a:endParaRPr lang="en-US" sz="4400" dirty="0"/>
+          </a:p>
+        </p:txBody>
+      </p:sp>
+      <p:sp>
+        <p:nvSpPr>
+          <p:cNvPr id="2" name="Title 1">
+            <a:extLst>
+              <a:ext uri="{FF2B5EF4-FFF2-40B4-BE49-F238E27FC236}">
+                <a16:creationId xmlns:a16="http://schemas.microsoft.com/office/drawing/2014/main" id="{E4769CD9-8809-6C26-19D1-411A4942D0F5}"/>
+              </a:ext>
+            </a:extLst>
+          </p:cNvPr>
+          <p:cNvSpPr txBox="1">
+            <a:spLocks/>
+          </p:cNvSpPr>
+          <p:nvPr/>
+        </p:nvSpPr>
+        <p:spPr>
+          <a:xfrm>
+            <a:off x="836612" y="28876"/>
+            <a:ext cx="9982200" cy="863600"/>
+          </a:xfrm>
+          <a:prstGeom prst="rect">
+            <a:avLst/>
+          </a:prstGeom>
+        </p:spPr>
+        <p:txBody>
+          <a:bodyPr vert="horz" lIns="121899" tIns="60949" rIns="121899" bIns="60949" rtlCol="0" anchor="ctr">
+            <a:normAutofit fontScale="92500"/>
+          </a:bodyPr>
+          <a:lstStyle>
+            <a:lvl1pPr algn="l" defTabSz="1218987" rtl="0" eaLnBrk="1" latinLnBrk="0" hangingPunct="1">
+              <a:lnSpc>
+                <a:spcPct val="90000"/>
+              </a:lnSpc>
+              <a:spcBef>
+                <a:spcPct val="0"/>
+              </a:spcBef>
+              <a:buNone/>
+              <a:defRPr sz="3600" kern="1200">
+                <a:solidFill>
+                  <a:schemeClr val="tx1"/>
+                </a:solidFill>
+                <a:latin typeface="+mj-lt"/>
+                <a:ea typeface="+mj-ea"/>
+                <a:cs typeface="+mj-cs"/>
+              </a:defRPr>
+            </a:lvl1pPr>
+          </a:lstStyle>
+          <a:p>
+            <a:r>
+              <a:rPr lang="en-US" sz="5400" dirty="0"/>
+              <a:t>Graph Data Modeling Fundamentals</a:t>
+            </a:r>
+          </a:p>
+        </p:txBody>
+      </p:sp>
+      <p:sp>
+        <p:nvSpPr>
+          <p:cNvPr id="5" name="TextBox 4">
+            <a:extLst>
+              <a:ext uri="{FF2B5EF4-FFF2-40B4-BE49-F238E27FC236}">
+                <a16:creationId xmlns:a16="http://schemas.microsoft.com/office/drawing/2014/main" id="{F611C513-1103-82C5-723C-13E6E5A392B0}"/>
+              </a:ext>
+            </a:extLst>
+          </p:cNvPr>
+          <p:cNvSpPr txBox="1"/>
+          <p:nvPr/>
+        </p:nvSpPr>
+        <p:spPr>
+          <a:xfrm>
+            <a:off x="2299246" y="685800"/>
+            <a:ext cx="1329210" cy="1446550"/>
+          </a:xfrm>
+          <a:prstGeom prst="rect">
+            <a:avLst/>
+          </a:prstGeom>
+          <a:noFill/>
+        </p:spPr>
+        <p:txBody>
+          <a:bodyPr wrap="none" rtlCol="0" anchor="ctr">
+            <a:spAutoFit/>
+          </a:bodyPr>
+          <a:lstStyle/>
+          <a:p>
+            <a:pPr algn="ctr"/>
+            <a:r>
+              <a:rPr lang="en-US" sz="8800" b="1" dirty="0"/>
+              <a:t>02</a:t>
+            </a:r>
+          </a:p>
+        </p:txBody>
+      </p:sp>
+      <p:pic>
+        <p:nvPicPr>
+          <p:cNvPr id="6" name="Picture 5">
+            <a:extLst>
+              <a:ext uri="{FF2B5EF4-FFF2-40B4-BE49-F238E27FC236}">
+                <a16:creationId xmlns:a16="http://schemas.microsoft.com/office/drawing/2014/main" id="{C6328A51-9D1F-EC08-5049-11B29AF8D180}"/>
+              </a:ext>
+            </a:extLst>
+          </p:cNvPr>
+          <p:cNvPicPr>
+            <a:picLocks noChangeAspect="1"/>
+          </p:cNvPicPr>
+          <p:nvPr/>
+        </p:nvPicPr>
+        <p:blipFill>
+          <a:blip r:embed="rId2"/>
+          <a:stretch>
+            <a:fillRect/>
+          </a:stretch>
+        </p:blipFill>
+        <p:spPr>
+          <a:xfrm>
+            <a:off x="0" y="789138"/>
+            <a:ext cx="2385815" cy="1239873"/>
+          </a:xfrm>
+          <a:prstGeom prst="rect">
+            <a:avLst/>
+          </a:prstGeom>
+          <a:ln>
+            <a:noFill/>
+          </a:ln>
+          <a:effectLst>
+            <a:softEdge rad="112500"/>
+          </a:effectLst>
+        </p:spPr>
+      </p:pic>
+      <p:pic>
+        <p:nvPicPr>
+          <p:cNvPr id="4" name="Picture 3">
+            <a:extLst>
+              <a:ext uri="{FF2B5EF4-FFF2-40B4-BE49-F238E27FC236}">
+                <a16:creationId xmlns:a16="http://schemas.microsoft.com/office/drawing/2014/main" id="{709034CD-C7EE-1D1B-9CC5-323D84A17E5C}"/>
+              </a:ext>
+            </a:extLst>
+          </p:cNvPr>
+          <p:cNvPicPr>
+            <a:picLocks noChangeAspect="1"/>
+          </p:cNvPicPr>
+          <p:nvPr/>
+        </p:nvPicPr>
+        <p:blipFill>
+          <a:blip r:embed="rId3">
+            <a:alphaModFix amt="85000"/>
+          </a:blip>
+          <a:stretch>
+            <a:fillRect/>
+          </a:stretch>
+        </p:blipFill>
+        <p:spPr>
+          <a:xfrm>
+            <a:off x="227012" y="1447800"/>
+            <a:ext cx="9982200" cy="4976881"/>
+          </a:xfrm>
+          <a:prstGeom prst="roundRect">
+            <a:avLst>
+              <a:gd name="adj" fmla="val 16667"/>
+            </a:avLst>
+          </a:prstGeom>
+          <a:ln>
+            <a:noFill/>
+          </a:ln>
+          <a:effectLst>
+            <a:outerShdw blurRad="152400" dist="12000" dir="900000" sy="98000" kx="110000" ky="200000" algn="tl" rotWithShape="0">
+              <a:srgbClr val="000000">
+                <a:alpha val="30000"/>
+              </a:srgbClr>
+            </a:outerShdw>
+          </a:effectLst>
+          <a:scene3d>
+            <a:camera prst="perspectiveRelaxed">
+              <a:rot lat="19800000" lon="1200000" rev="20820000"/>
+            </a:camera>
+            <a:lightRig rig="threePt" dir="t"/>
+          </a:scene3d>
+          <a:sp3d contourW="6350" prstMaterial="matte">
+            <a:bevelT w="101600" h="101600"/>
+            <a:contourClr>
+              <a:srgbClr val="969696"/>
+            </a:contourClr>
+          </a:sp3d>
+        </p:spPr>
+      </p:pic>
+      <p:sp>
+        <p:nvSpPr>
+          <p:cNvPr id="8" name="Oval 7">
+            <a:extLst>
+              <a:ext uri="{FF2B5EF4-FFF2-40B4-BE49-F238E27FC236}">
+                <a16:creationId xmlns:a16="http://schemas.microsoft.com/office/drawing/2014/main" id="{BB08EC06-7D1F-8855-EF26-92749938F1FA}"/>
+              </a:ext>
+            </a:extLst>
+          </p:cNvPr>
+          <p:cNvSpPr/>
+          <p:nvPr/>
+        </p:nvSpPr>
+        <p:spPr>
+          <a:xfrm>
+            <a:off x="88973" y="5921006"/>
+            <a:ext cx="762000" cy="780607"/>
+          </a:xfrm>
+          <a:prstGeom prst="ellipse">
+            <a:avLst/>
+          </a:prstGeom>
+          <a:blipFill>
+            <a:blip r:embed="rId4"/>
+            <a:stretch>
+              <a:fillRect/>
+            </a:stretch>
+          </a:blipFill>
+        </p:spPr>
+        <p:style>
+          <a:lnRef idx="2">
+            <a:schemeClr val="accent1">
+              <a:shade val="50000"/>
+            </a:schemeClr>
+          </a:lnRef>
+          <a:fillRef idx="1">
+            <a:schemeClr val="accent1"/>
+          </a:fillRef>
+          <a:effectRef idx="0">
+            <a:schemeClr val="accent1"/>
+          </a:effectRef>
+          <a:fontRef idx="minor">
+            <a:schemeClr val="lt1"/>
+          </a:fontRef>
+        </p:style>
+        <p:txBody>
+          <a:bodyPr rtlCol="0" anchor="ctr"/>
+          <a:lstStyle/>
+          <a:p>
+            <a:pPr algn="ctr"/>
+            <a:endParaRPr lang="en-US" sz="2800"/>
+          </a:p>
+        </p:txBody>
+      </p:sp>
+    </p:spTree>
+    <p:extLst>
+      <p:ext uri="{BB962C8B-B14F-4D97-AF65-F5344CB8AC3E}">
+        <p14:creationId xmlns:p14="http://schemas.microsoft.com/office/powerpoint/2010/main" val="2713068469"/>
+      </p:ext>
+    </p:extLst>
+  </p:cSld>
+  <p:clrMapOvr>
+    <a:masterClrMapping/>
+  </p:clrMapOvr>
+  <mc:AlternateContent xmlns:mc="http://schemas.openxmlformats.org/markup-compatibility/2006" xmlns:p14="http://schemas.microsoft.com/office/powerpoint/2010/main">
+    <mc:Choice Requires="p14">
+      <p:transition spd="med" p14:dur="700">
+        <p:fade/>
+      </p:transition>
+    </mc:Choice>
+    <mc:Fallback xmlns="">
+      <p:transition spd="med">
+        <p:fade/>
+      </p:transition>
+    </mc:Fallback>
+  </mc:AlternateContent>
+</p:sld>
+</file>
+
+<file path=ppt/slides/slide5.xml><?xml version="1.0" encoding="utf-8"?>
+<p:sld xmlns:a="http://schemas.openxmlformats.org/drawingml/2006/main" xmlns:r="http://schemas.openxmlformats.org/officeDocument/2006/relationships" xmlns:p="http://schemas.openxmlformats.org/presentationml/2006/main">
+  <p:cSld>
+    <p:spTree>
+      <p:nvGrpSpPr>
+        <p:cNvPr id="1" name="">
+          <a:extLst>
+            <a:ext uri="{FF2B5EF4-FFF2-40B4-BE49-F238E27FC236}">
+              <a16:creationId xmlns:a16="http://schemas.microsoft.com/office/drawing/2014/main" id="{7216A932-9D3C-9048-D138-A7760E54CB08}"/>
+            </a:ext>
+          </a:extLst>
+        </p:cNvPr>
+        <p:cNvGrpSpPr/>
+        <p:nvPr/>
+      </p:nvGrpSpPr>
+      <p:grpSpPr>
+        <a:xfrm>
+          <a:off x="0" y="0"/>
+          <a:ext cx="0" cy="0"/>
+          <a:chOff x="0" y="0"/>
+          <a:chExt cx="0" cy="0"/>
+        </a:xfrm>
+      </p:grpSpPr>
+      <p:sp>
+        <p:nvSpPr>
+          <p:cNvPr id="13" name="Title 12">
+            <a:extLst>
+              <a:ext uri="{FF2B5EF4-FFF2-40B4-BE49-F238E27FC236}">
+                <a16:creationId xmlns:a16="http://schemas.microsoft.com/office/drawing/2014/main" id="{9C2C386B-23BC-F58F-8832-B91CCA474922}"/>
+              </a:ext>
+            </a:extLst>
+          </p:cNvPr>
+          <p:cNvSpPr>
+            <a:spLocks noGrp="1"/>
+          </p:cNvSpPr>
+          <p:nvPr>
+            <p:ph type="title"/>
+          </p:nvPr>
+        </p:nvSpPr>
+        <p:spPr>
+          <a:xfrm>
+            <a:off x="3848448" y="789138"/>
+            <a:ext cx="7656163" cy="1223963"/>
+          </a:xfrm>
+        </p:spPr>
+        <p:txBody>
+          <a:bodyPr anchor="ctr">
+            <a:normAutofit/>
+          </a:bodyPr>
+          <a:lstStyle/>
+          <a:p>
+            <a:r>
+              <a:rPr lang="en-US" sz="4800" b="1" dirty="0"/>
+              <a:t>2. Modeling Nodes (2)</a:t>
+            </a:r>
+            <a:endParaRPr lang="en-US" sz="4400" dirty="0"/>
+          </a:p>
+        </p:txBody>
+      </p:sp>
+      <p:sp>
+        <p:nvSpPr>
+          <p:cNvPr id="2" name="Title 1">
+            <a:extLst>
+              <a:ext uri="{FF2B5EF4-FFF2-40B4-BE49-F238E27FC236}">
+                <a16:creationId xmlns:a16="http://schemas.microsoft.com/office/drawing/2014/main" id="{F67E68A1-A35A-4DB1-5E85-0FF24E0780D3}"/>
+              </a:ext>
+            </a:extLst>
+          </p:cNvPr>
+          <p:cNvSpPr txBox="1">
+            <a:spLocks/>
+          </p:cNvSpPr>
+          <p:nvPr/>
+        </p:nvSpPr>
+        <p:spPr>
+          <a:xfrm>
+            <a:off x="836612" y="28876"/>
+            <a:ext cx="9982200" cy="863600"/>
+          </a:xfrm>
+          <a:prstGeom prst="rect">
+            <a:avLst/>
+          </a:prstGeom>
+        </p:spPr>
+        <p:txBody>
+          <a:bodyPr vert="horz" lIns="121899" tIns="60949" rIns="121899" bIns="60949" rtlCol="0" anchor="ctr">
+            <a:normAutofit fontScale="92500"/>
+          </a:bodyPr>
+          <a:lstStyle>
+            <a:lvl1pPr algn="l" defTabSz="1218987" rtl="0" eaLnBrk="1" latinLnBrk="0" hangingPunct="1">
+              <a:lnSpc>
+                <a:spcPct val="90000"/>
+              </a:lnSpc>
+              <a:spcBef>
+                <a:spcPct val="0"/>
+              </a:spcBef>
+              <a:buNone/>
+              <a:defRPr sz="3600" kern="1200">
+                <a:solidFill>
+                  <a:schemeClr val="tx1"/>
+                </a:solidFill>
+                <a:latin typeface="+mj-lt"/>
+                <a:ea typeface="+mj-ea"/>
+                <a:cs typeface="+mj-cs"/>
+              </a:defRPr>
+            </a:lvl1pPr>
+          </a:lstStyle>
+          <a:p>
+            <a:r>
+              <a:rPr lang="en-US" sz="5400" dirty="0"/>
+              <a:t>Graph Data Modeling Fundamentals</a:t>
+            </a:r>
+          </a:p>
+        </p:txBody>
+      </p:sp>
+      <p:sp>
+        <p:nvSpPr>
+          <p:cNvPr id="5" name="TextBox 4">
+            <a:extLst>
+              <a:ext uri="{FF2B5EF4-FFF2-40B4-BE49-F238E27FC236}">
+                <a16:creationId xmlns:a16="http://schemas.microsoft.com/office/drawing/2014/main" id="{8673500C-50EF-5CF8-D1A1-D89BACB21143}"/>
+              </a:ext>
+            </a:extLst>
+          </p:cNvPr>
+          <p:cNvSpPr txBox="1"/>
+          <p:nvPr/>
+        </p:nvSpPr>
+        <p:spPr>
+          <a:xfrm>
+            <a:off x="2299246" y="685800"/>
+            <a:ext cx="1329210" cy="1446550"/>
+          </a:xfrm>
+          <a:prstGeom prst="rect">
+            <a:avLst/>
+          </a:prstGeom>
+          <a:noFill/>
+        </p:spPr>
+        <p:txBody>
+          <a:bodyPr wrap="none" rtlCol="0" anchor="ctr">
+            <a:spAutoFit/>
+          </a:bodyPr>
+          <a:lstStyle/>
+          <a:p>
+            <a:pPr algn="ctr"/>
+            <a:r>
+              <a:rPr lang="en-US" sz="8800" b="1" dirty="0"/>
+              <a:t>03</a:t>
+            </a:r>
+          </a:p>
+        </p:txBody>
+      </p:sp>
+      <p:pic>
+        <p:nvPicPr>
+          <p:cNvPr id="6" name="Picture 5">
+            <a:extLst>
+              <a:ext uri="{FF2B5EF4-FFF2-40B4-BE49-F238E27FC236}">
+                <a16:creationId xmlns:a16="http://schemas.microsoft.com/office/drawing/2014/main" id="{4FCE13EE-BCF6-8D61-8DEA-B9D9C6FF9ECC}"/>
+              </a:ext>
+            </a:extLst>
+          </p:cNvPr>
+          <p:cNvPicPr>
+            <a:picLocks noChangeAspect="1"/>
+          </p:cNvPicPr>
+          <p:nvPr/>
+        </p:nvPicPr>
+        <p:blipFill>
+          <a:blip r:embed="rId2"/>
+          <a:stretch>
+            <a:fillRect/>
+          </a:stretch>
+        </p:blipFill>
+        <p:spPr>
+          <a:xfrm>
+            <a:off x="0" y="789138"/>
+            <a:ext cx="2385815" cy="1239873"/>
+          </a:xfrm>
+          <a:prstGeom prst="rect">
+            <a:avLst/>
+          </a:prstGeom>
+          <a:ln>
+            <a:noFill/>
+          </a:ln>
+          <a:effectLst>
+            <a:softEdge rad="112500"/>
+          </a:effectLst>
+        </p:spPr>
+      </p:pic>
+      <p:pic>
+        <p:nvPicPr>
+          <p:cNvPr id="7" name="Picture 6">
+            <a:extLst>
+              <a:ext uri="{FF2B5EF4-FFF2-40B4-BE49-F238E27FC236}">
+                <a16:creationId xmlns:a16="http://schemas.microsoft.com/office/drawing/2014/main" id="{BDF7F0B4-B3C9-45C7-7DA9-54719E29303C}"/>
+              </a:ext>
+            </a:extLst>
+          </p:cNvPr>
+          <p:cNvPicPr>
+            <a:picLocks noChangeAspect="1"/>
+          </p:cNvPicPr>
+          <p:nvPr/>
+        </p:nvPicPr>
+        <p:blipFill>
+          <a:blip r:embed="rId3">
+            <a:alphaModFix amt="85000"/>
+          </a:blip>
+          <a:stretch>
+            <a:fillRect/>
+          </a:stretch>
+        </p:blipFill>
+        <p:spPr>
+          <a:xfrm>
+            <a:off x="379412" y="1500076"/>
+            <a:ext cx="9982200" cy="4976846"/>
+          </a:xfrm>
+          <a:prstGeom prst="roundRect">
+            <a:avLst>
+              <a:gd name="adj" fmla="val 16667"/>
+            </a:avLst>
+          </a:prstGeom>
+          <a:ln>
+            <a:noFill/>
+          </a:ln>
+          <a:effectLst>
+            <a:outerShdw blurRad="152400" dist="12000" dir="900000" sy="98000" kx="110000" ky="200000" algn="tl" rotWithShape="0">
+              <a:srgbClr val="000000">
+                <a:alpha val="30000"/>
+              </a:srgbClr>
+            </a:outerShdw>
+          </a:effectLst>
+          <a:scene3d>
+            <a:camera prst="perspectiveRelaxed">
+              <a:rot lat="19800000" lon="1200000" rev="20820000"/>
+            </a:camera>
+            <a:lightRig rig="threePt" dir="t"/>
+          </a:scene3d>
+          <a:sp3d contourW="6350" prstMaterial="matte">
+            <a:bevelT w="101600" h="101600"/>
+            <a:contourClr>
+              <a:srgbClr val="969696"/>
+            </a:contourClr>
+          </a:sp3d>
+        </p:spPr>
+      </p:pic>
+      <p:sp>
+        <p:nvSpPr>
+          <p:cNvPr id="8" name="Oval 7">
+            <a:extLst>
+              <a:ext uri="{FF2B5EF4-FFF2-40B4-BE49-F238E27FC236}">
+                <a16:creationId xmlns:a16="http://schemas.microsoft.com/office/drawing/2014/main" id="{5565E0CA-5235-4A6C-5090-DE8DFD652E31}"/>
+              </a:ext>
+            </a:extLst>
+          </p:cNvPr>
+          <p:cNvSpPr/>
+          <p:nvPr/>
+        </p:nvSpPr>
+        <p:spPr>
+          <a:xfrm>
+            <a:off x="88973" y="5921006"/>
+            <a:ext cx="762000" cy="780607"/>
+          </a:xfrm>
+          <a:prstGeom prst="ellipse">
+            <a:avLst/>
+          </a:prstGeom>
+          <a:blipFill>
+            <a:blip r:embed="rId4"/>
+            <a:stretch>
+              <a:fillRect/>
+            </a:stretch>
+          </a:blipFill>
+        </p:spPr>
+        <p:style>
+          <a:lnRef idx="2">
+            <a:schemeClr val="accent1">
+              <a:shade val="50000"/>
+            </a:schemeClr>
+          </a:lnRef>
+          <a:fillRef idx="1">
+            <a:schemeClr val="accent1"/>
+          </a:fillRef>
+          <a:effectRef idx="0">
+            <a:schemeClr val="accent1"/>
+          </a:effectRef>
+          <a:fontRef idx="minor">
+            <a:schemeClr val="lt1"/>
+          </a:fontRef>
+        </p:style>
+        <p:txBody>
+          <a:bodyPr rtlCol="0" anchor="ctr"/>
+          <a:lstStyle/>
+          <a:p>
+            <a:pPr algn="ctr"/>
+            <a:endParaRPr lang="en-US" sz="2800"/>
+          </a:p>
+        </p:txBody>
+      </p:sp>
+    </p:spTree>
+    <p:extLst>
+      <p:ext uri="{BB962C8B-B14F-4D97-AF65-F5344CB8AC3E}">
+        <p14:creationId xmlns:p14="http://schemas.microsoft.com/office/powerpoint/2010/main" val="3127525573"/>
+      </p:ext>
+    </p:extLst>
+  </p:cSld>
+  <p:clrMapOvr>
+    <a:masterClrMapping/>
+  </p:clrMapOvr>
+  <mc:AlternateContent xmlns:mc="http://schemas.openxmlformats.org/markup-compatibility/2006" xmlns:p14="http://schemas.microsoft.com/office/powerpoint/2010/main">
+    <mc:Choice Requires="p14">
+      <p:transition spd="med" p14:dur="700">
+        <p:fade/>
+      </p:transition>
+    </mc:Choice>
+    <mc:Fallback xmlns="">
+      <p:transition spd="med">
+        <p:fade/>
+      </p:transition>
+    </mc:Fallback>
+  </mc:AlternateContent>
+</p:sld>
+</file>
+
+<file path=ppt/slides/slide6.xml><?xml version="1.0" encoding="utf-8"?>
+<p:sld xmlns:a="http://schemas.openxmlformats.org/drawingml/2006/main" xmlns:r="http://schemas.openxmlformats.org/officeDocument/2006/relationships" xmlns:p="http://schemas.openxmlformats.org/presentationml/2006/main">
+  <p:cSld>
+    <p:spTree>
+      <p:nvGrpSpPr>
+        <p:cNvPr id="1" name="">
+          <a:extLst>
+            <a:ext uri="{FF2B5EF4-FFF2-40B4-BE49-F238E27FC236}">
+              <a16:creationId xmlns:a16="http://schemas.microsoft.com/office/drawing/2014/main" id="{55847390-3DF5-1FC5-B9AA-367A78AF3C02}"/>
+            </a:ext>
+          </a:extLst>
+        </p:cNvPr>
+        <p:cNvGrpSpPr/>
+        <p:nvPr/>
+      </p:nvGrpSpPr>
+      <p:grpSpPr>
+        <a:xfrm>
+          <a:off x="0" y="0"/>
+          <a:ext cx="0" cy="0"/>
+          <a:chOff x="0" y="0"/>
+          <a:chExt cx="0" cy="0"/>
+        </a:xfrm>
+      </p:grpSpPr>
+      <p:sp>
+        <p:nvSpPr>
+          <p:cNvPr id="13" name="Title 12">
+            <a:extLst>
+              <a:ext uri="{FF2B5EF4-FFF2-40B4-BE49-F238E27FC236}">
+                <a16:creationId xmlns:a16="http://schemas.microsoft.com/office/drawing/2014/main" id="{B8D11B1C-10D3-CB43-9EC7-1C58DFC90652}"/>
+              </a:ext>
+            </a:extLst>
+          </p:cNvPr>
+          <p:cNvSpPr>
+            <a:spLocks noGrp="1"/>
+          </p:cNvSpPr>
+          <p:nvPr>
+            <p:ph type="title"/>
+          </p:nvPr>
+        </p:nvSpPr>
+        <p:spPr>
+          <a:xfrm>
+            <a:off x="3848448" y="789138"/>
+            <a:ext cx="7656163" cy="1223963"/>
+          </a:xfrm>
+        </p:spPr>
+        <p:txBody>
+          <a:bodyPr anchor="ctr">
+            <a:normAutofit/>
+          </a:bodyPr>
+          <a:lstStyle/>
+          <a:p>
+            <a:r>
+              <a:rPr lang="en-US" sz="4800" b="1" dirty="0"/>
+              <a:t>3. Modeling Relationships (1)</a:t>
+            </a:r>
+            <a:endParaRPr lang="en-US" sz="4400" dirty="0"/>
+          </a:p>
+        </p:txBody>
+      </p:sp>
+      <p:sp>
+        <p:nvSpPr>
+          <p:cNvPr id="2" name="Title 1">
+            <a:extLst>
+              <a:ext uri="{FF2B5EF4-FFF2-40B4-BE49-F238E27FC236}">
+                <a16:creationId xmlns:a16="http://schemas.microsoft.com/office/drawing/2014/main" id="{1BFF9379-C4D9-45E6-0354-A415FA48B080}"/>
+              </a:ext>
+            </a:extLst>
+          </p:cNvPr>
+          <p:cNvSpPr txBox="1">
+            <a:spLocks/>
+          </p:cNvSpPr>
+          <p:nvPr/>
+        </p:nvSpPr>
+        <p:spPr>
+          <a:xfrm>
+            <a:off x="836612" y="28876"/>
+            <a:ext cx="9982200" cy="863600"/>
+          </a:xfrm>
+          <a:prstGeom prst="rect">
+            <a:avLst/>
+          </a:prstGeom>
+        </p:spPr>
+        <p:txBody>
+          <a:bodyPr vert="horz" lIns="121899" tIns="60949" rIns="121899" bIns="60949" rtlCol="0" anchor="ctr">
+            <a:normAutofit fontScale="92500"/>
+          </a:bodyPr>
+          <a:lstStyle>
+            <a:lvl1pPr algn="l" defTabSz="1218987" rtl="0" eaLnBrk="1" latinLnBrk="0" hangingPunct="1">
+              <a:lnSpc>
+                <a:spcPct val="90000"/>
+              </a:lnSpc>
+              <a:spcBef>
+                <a:spcPct val="0"/>
+              </a:spcBef>
+              <a:buNone/>
+              <a:defRPr sz="3600" kern="1200">
+                <a:solidFill>
+                  <a:schemeClr val="tx1"/>
+                </a:solidFill>
+                <a:latin typeface="+mj-lt"/>
+                <a:ea typeface="+mj-ea"/>
+                <a:cs typeface="+mj-cs"/>
+              </a:defRPr>
+            </a:lvl1pPr>
+          </a:lstStyle>
+          <a:p>
+            <a:r>
+              <a:rPr lang="en-US" sz="5400" dirty="0"/>
+              <a:t>Graph Data Modeling Fundamentals</a:t>
+            </a:r>
+          </a:p>
+        </p:txBody>
+      </p:sp>
+      <p:sp>
+        <p:nvSpPr>
+          <p:cNvPr id="5" name="TextBox 4">
+            <a:extLst>
+              <a:ext uri="{FF2B5EF4-FFF2-40B4-BE49-F238E27FC236}">
+                <a16:creationId xmlns:a16="http://schemas.microsoft.com/office/drawing/2014/main" id="{819B475D-1EBB-FA27-EA5D-39FF43EDBAD7}"/>
+              </a:ext>
+            </a:extLst>
+          </p:cNvPr>
+          <p:cNvSpPr txBox="1"/>
+          <p:nvPr/>
+        </p:nvSpPr>
+        <p:spPr>
+          <a:xfrm>
+            <a:off x="2299246" y="685800"/>
+            <a:ext cx="1329210" cy="1446550"/>
+          </a:xfrm>
+          <a:prstGeom prst="rect">
+            <a:avLst/>
+          </a:prstGeom>
+          <a:noFill/>
+        </p:spPr>
+        <p:txBody>
+          <a:bodyPr wrap="none" rtlCol="0" anchor="ctr">
+            <a:spAutoFit/>
+          </a:bodyPr>
+          <a:lstStyle/>
+          <a:p>
+            <a:pPr algn="ctr"/>
+            <a:r>
+              <a:rPr lang="en-US" sz="8800" b="1" dirty="0"/>
+              <a:t>04</a:t>
+            </a:r>
+          </a:p>
+        </p:txBody>
+      </p:sp>
+      <p:pic>
+        <p:nvPicPr>
+          <p:cNvPr id="6" name="Picture 5">
+            <a:extLst>
+              <a:ext uri="{FF2B5EF4-FFF2-40B4-BE49-F238E27FC236}">
+                <a16:creationId xmlns:a16="http://schemas.microsoft.com/office/drawing/2014/main" id="{05278ADE-20C6-A565-905B-C6CDAA7446EE}"/>
+              </a:ext>
+            </a:extLst>
+          </p:cNvPr>
+          <p:cNvPicPr>
+            <a:picLocks noChangeAspect="1"/>
+          </p:cNvPicPr>
+          <p:nvPr/>
+        </p:nvPicPr>
+        <p:blipFill>
+          <a:blip r:embed="rId2"/>
+          <a:stretch>
+            <a:fillRect/>
+          </a:stretch>
+        </p:blipFill>
+        <p:spPr>
+          <a:xfrm>
+            <a:off x="0" y="789138"/>
+            <a:ext cx="2385815" cy="1239873"/>
+          </a:xfrm>
+          <a:prstGeom prst="rect">
+            <a:avLst/>
+          </a:prstGeom>
+          <a:ln>
+            <a:noFill/>
+          </a:ln>
+          <a:effectLst>
+            <a:softEdge rad="112500"/>
+          </a:effectLst>
+        </p:spPr>
+      </p:pic>
+      <p:sp>
+        <p:nvSpPr>
+          <p:cNvPr id="8" name="Oval 7">
+            <a:extLst>
+              <a:ext uri="{FF2B5EF4-FFF2-40B4-BE49-F238E27FC236}">
+                <a16:creationId xmlns:a16="http://schemas.microsoft.com/office/drawing/2014/main" id="{67609889-0DBA-1B5F-895F-3C963C508DEE}"/>
+              </a:ext>
+            </a:extLst>
+          </p:cNvPr>
+          <p:cNvSpPr/>
+          <p:nvPr/>
+        </p:nvSpPr>
+        <p:spPr>
+          <a:xfrm>
+            <a:off x="88973" y="5921006"/>
+            <a:ext cx="762000" cy="780607"/>
+          </a:xfrm>
+          <a:prstGeom prst="ellipse">
+            <a:avLst/>
+          </a:prstGeom>
+          <a:blipFill>
+            <a:blip r:embed="rId3"/>
+            <a:stretch>
+              <a:fillRect/>
+            </a:stretch>
+          </a:blipFill>
+        </p:spPr>
+        <p:style>
+          <a:lnRef idx="2">
+            <a:schemeClr val="accent1">
+              <a:shade val="50000"/>
+            </a:schemeClr>
+          </a:lnRef>
+          <a:fillRef idx="1">
+            <a:schemeClr val="accent1"/>
+          </a:fillRef>
+          <a:effectRef idx="0">
+            <a:schemeClr val="accent1"/>
+          </a:effectRef>
+          <a:fontRef idx="minor">
+            <a:schemeClr val="lt1"/>
+          </a:fontRef>
+        </p:style>
+        <p:txBody>
+          <a:bodyPr rtlCol="0" anchor="ctr"/>
+          <a:lstStyle/>
+          <a:p>
+            <a:pPr algn="ctr"/>
+            <a:endParaRPr lang="en-US" sz="2800"/>
+          </a:p>
+        </p:txBody>
+      </p:sp>
+      <p:pic>
+        <p:nvPicPr>
+          <p:cNvPr id="4" name="Picture 3">
+            <a:extLst>
+              <a:ext uri="{FF2B5EF4-FFF2-40B4-BE49-F238E27FC236}">
+                <a16:creationId xmlns:a16="http://schemas.microsoft.com/office/drawing/2014/main" id="{100CFFC3-FF82-42B5-9CBD-3B4AD02C42B5}"/>
+              </a:ext>
+            </a:extLst>
+          </p:cNvPr>
+          <p:cNvPicPr>
+            <a:picLocks noChangeAspect="1"/>
+          </p:cNvPicPr>
+          <p:nvPr/>
+        </p:nvPicPr>
+        <p:blipFill>
+          <a:blip r:embed="rId4">
+            <a:alphaModFix amt="85000"/>
+          </a:blip>
+          <a:stretch>
+            <a:fillRect/>
+          </a:stretch>
+        </p:blipFill>
+        <p:spPr>
+          <a:xfrm>
+            <a:off x="-153988" y="1371600"/>
+            <a:ext cx="11277600" cy="5075748"/>
+          </a:xfrm>
+          <a:prstGeom prst="roundRect">
+            <a:avLst>
+              <a:gd name="adj" fmla="val 16667"/>
+            </a:avLst>
+          </a:prstGeom>
+          <a:ln>
+            <a:noFill/>
+          </a:ln>
+          <a:effectLst>
+            <a:outerShdw blurRad="152400" dist="12000" dir="900000" sy="98000" kx="110000" ky="200000" algn="tl" rotWithShape="0">
+              <a:srgbClr val="000000">
+                <a:alpha val="30000"/>
+              </a:srgbClr>
+            </a:outerShdw>
+          </a:effectLst>
+          <a:scene3d>
+            <a:camera prst="perspectiveRelaxed">
+              <a:rot lat="19800000" lon="1200000" rev="20820000"/>
+            </a:camera>
+            <a:lightRig rig="threePt" dir="t"/>
+          </a:scene3d>
+          <a:sp3d contourW="6350" prstMaterial="matte">
+            <a:bevelT w="101600" h="101600"/>
+            <a:contourClr>
+              <a:srgbClr val="969696"/>
+            </a:contourClr>
+          </a:sp3d>
+        </p:spPr>
+      </p:pic>
+    </p:spTree>
+    <p:extLst>
+      <p:ext uri="{BB962C8B-B14F-4D97-AF65-F5344CB8AC3E}">
+        <p14:creationId xmlns:p14="http://schemas.microsoft.com/office/powerpoint/2010/main" val="2416091192"/>
+      </p:ext>
+    </p:extLst>
+  </p:cSld>
+  <p:clrMapOvr>
+    <a:masterClrMapping/>
+  </p:clrMapOvr>
+  <mc:AlternateContent xmlns:mc="http://schemas.openxmlformats.org/markup-compatibility/2006" xmlns:p14="http://schemas.microsoft.com/office/powerpoint/2010/main">
+    <mc:Choice Requires="p14">
+      <p:transition spd="med" p14:dur="700">
+        <p:fade/>
+      </p:transition>
+    </mc:Choice>
+    <mc:Fallback xmlns="">
+      <p:transition spd="med">
+        <p:fade/>
+      </p:transition>
+    </mc:Fallback>
+  </mc:AlternateContent>
+</p:sld>
+</file>
+
+<file path=ppt/slides/slide7.xml><?xml version="1.0" encoding="utf-8"?>
+<p:sld xmlns:a="http://schemas.openxmlformats.org/drawingml/2006/main" xmlns:r="http://schemas.openxmlformats.org/officeDocument/2006/relationships" xmlns:p="http://schemas.openxmlformats.org/presentationml/2006/main">
+  <p:cSld>
+    <p:spTree>
+      <p:nvGrpSpPr>
+        <p:cNvPr id="1" name="">
+          <a:extLst>
+            <a:ext uri="{FF2B5EF4-FFF2-40B4-BE49-F238E27FC236}">
+              <a16:creationId xmlns:a16="http://schemas.microsoft.com/office/drawing/2014/main" id="{B054C27C-0319-BF56-13DF-79C9AAF004F3}"/>
+            </a:ext>
+          </a:extLst>
+        </p:cNvPr>
+        <p:cNvGrpSpPr/>
+        <p:nvPr/>
+      </p:nvGrpSpPr>
+      <p:grpSpPr>
+        <a:xfrm>
+          <a:off x="0" y="0"/>
+          <a:ext cx="0" cy="0"/>
+          <a:chOff x="0" y="0"/>
+          <a:chExt cx="0" cy="0"/>
+        </a:xfrm>
+      </p:grpSpPr>
+      <p:sp>
+        <p:nvSpPr>
+          <p:cNvPr id="13" name="Title 12">
+            <a:extLst>
+              <a:ext uri="{FF2B5EF4-FFF2-40B4-BE49-F238E27FC236}">
+                <a16:creationId xmlns:a16="http://schemas.microsoft.com/office/drawing/2014/main" id="{BC815CB3-76C8-F38D-4EE1-DBCD5C91FC75}"/>
+              </a:ext>
+            </a:extLst>
+          </p:cNvPr>
+          <p:cNvSpPr>
+            <a:spLocks noGrp="1"/>
+          </p:cNvSpPr>
+          <p:nvPr>
+            <p:ph type="title"/>
+          </p:nvPr>
+        </p:nvSpPr>
+        <p:spPr>
+          <a:xfrm>
+            <a:off x="3848448" y="789138"/>
+            <a:ext cx="7656163" cy="1223963"/>
+          </a:xfrm>
+        </p:spPr>
+        <p:txBody>
+          <a:bodyPr anchor="ctr">
+            <a:normAutofit/>
+          </a:bodyPr>
+          <a:lstStyle/>
+          <a:p>
+            <a:r>
+              <a:rPr lang="en-US" sz="4800" b="1" dirty="0"/>
+              <a:t>3. Modeling Relationships (2)</a:t>
+            </a:r>
+            <a:endParaRPr lang="en-US" sz="4400" dirty="0"/>
+          </a:p>
+        </p:txBody>
+      </p:sp>
+      <p:sp>
+        <p:nvSpPr>
+          <p:cNvPr id="2" name="Title 1">
+            <a:extLst>
+              <a:ext uri="{FF2B5EF4-FFF2-40B4-BE49-F238E27FC236}">
+                <a16:creationId xmlns:a16="http://schemas.microsoft.com/office/drawing/2014/main" id="{4BA79D0C-DEA0-FAAC-093A-4FC5531F0F20}"/>
+              </a:ext>
+            </a:extLst>
+          </p:cNvPr>
+          <p:cNvSpPr txBox="1">
+            <a:spLocks/>
+          </p:cNvSpPr>
+          <p:nvPr/>
+        </p:nvSpPr>
+        <p:spPr>
+          <a:xfrm>
+            <a:off x="836612" y="28876"/>
+            <a:ext cx="9982200" cy="863600"/>
+          </a:xfrm>
+          <a:prstGeom prst="rect">
+            <a:avLst/>
+          </a:prstGeom>
+        </p:spPr>
+        <p:txBody>
+          <a:bodyPr vert="horz" lIns="121899" tIns="60949" rIns="121899" bIns="60949" rtlCol="0" anchor="ctr">
+            <a:normAutofit fontScale="92500"/>
+          </a:bodyPr>
+          <a:lstStyle>
+            <a:lvl1pPr algn="l" defTabSz="1218987" rtl="0" eaLnBrk="1" latinLnBrk="0" hangingPunct="1">
+              <a:lnSpc>
+                <a:spcPct val="90000"/>
+              </a:lnSpc>
+              <a:spcBef>
+                <a:spcPct val="0"/>
+              </a:spcBef>
+              <a:buNone/>
+              <a:defRPr sz="3600" kern="1200">
+                <a:solidFill>
+                  <a:schemeClr val="tx1"/>
+                </a:solidFill>
+                <a:latin typeface="+mj-lt"/>
+                <a:ea typeface="+mj-ea"/>
+                <a:cs typeface="+mj-cs"/>
+              </a:defRPr>
+            </a:lvl1pPr>
+          </a:lstStyle>
+          <a:p>
+            <a:r>
+              <a:rPr lang="en-US" sz="5400" dirty="0"/>
+              <a:t>Graph Data Modeling Fundamentals</a:t>
+            </a:r>
+          </a:p>
+        </p:txBody>
+      </p:sp>
+      <p:sp>
+        <p:nvSpPr>
+          <p:cNvPr id="5" name="TextBox 4">
+            <a:extLst>
+              <a:ext uri="{FF2B5EF4-FFF2-40B4-BE49-F238E27FC236}">
+                <a16:creationId xmlns:a16="http://schemas.microsoft.com/office/drawing/2014/main" id="{ABE6367C-B27A-A9A9-6426-D11E3F0BE229}"/>
+              </a:ext>
+            </a:extLst>
+          </p:cNvPr>
+          <p:cNvSpPr txBox="1"/>
+          <p:nvPr/>
+        </p:nvSpPr>
+        <p:spPr>
+          <a:xfrm>
+            <a:off x="2299246" y="685800"/>
+            <a:ext cx="1329210" cy="1446550"/>
+          </a:xfrm>
+          <a:prstGeom prst="rect">
+            <a:avLst/>
+          </a:prstGeom>
+          <a:noFill/>
+        </p:spPr>
+        <p:txBody>
+          <a:bodyPr wrap="none" rtlCol="0" anchor="ctr">
+            <a:spAutoFit/>
+          </a:bodyPr>
+          <a:lstStyle/>
+          <a:p>
+            <a:pPr algn="ctr"/>
+            <a:r>
+              <a:rPr lang="en-US" sz="8800" b="1" dirty="0"/>
+              <a:t>05</a:t>
+            </a:r>
+          </a:p>
+        </p:txBody>
+      </p:sp>
+      <p:pic>
+        <p:nvPicPr>
+          <p:cNvPr id="6" name="Picture 5">
+            <a:extLst>
+              <a:ext uri="{FF2B5EF4-FFF2-40B4-BE49-F238E27FC236}">
+                <a16:creationId xmlns:a16="http://schemas.microsoft.com/office/drawing/2014/main" id="{C2C0D57C-AFC3-833E-281B-91CF0DA74F87}"/>
+              </a:ext>
+            </a:extLst>
+          </p:cNvPr>
+          <p:cNvPicPr>
+            <a:picLocks noChangeAspect="1"/>
+          </p:cNvPicPr>
+          <p:nvPr/>
+        </p:nvPicPr>
+        <p:blipFill>
+          <a:blip r:embed="rId2"/>
+          <a:stretch>
+            <a:fillRect/>
+          </a:stretch>
+        </p:blipFill>
+        <p:spPr>
+          <a:xfrm>
+            <a:off x="0" y="789138"/>
+            <a:ext cx="2385815" cy="1239873"/>
+          </a:xfrm>
+          <a:prstGeom prst="rect">
+            <a:avLst/>
+          </a:prstGeom>
+          <a:ln>
+            <a:noFill/>
+          </a:ln>
+          <a:effectLst>
+            <a:softEdge rad="112500"/>
+          </a:effectLst>
+        </p:spPr>
+      </p:pic>
+      <p:sp>
+        <p:nvSpPr>
+          <p:cNvPr id="8" name="Oval 7">
+            <a:extLst>
+              <a:ext uri="{FF2B5EF4-FFF2-40B4-BE49-F238E27FC236}">
+                <a16:creationId xmlns:a16="http://schemas.microsoft.com/office/drawing/2014/main" id="{9FEE41D7-9DA1-8BD1-0430-B7509D77AD9E}"/>
+              </a:ext>
+            </a:extLst>
+          </p:cNvPr>
+          <p:cNvSpPr/>
+          <p:nvPr/>
+        </p:nvSpPr>
+        <p:spPr>
+          <a:xfrm>
+            <a:off x="88973" y="5921006"/>
+            <a:ext cx="762000" cy="780607"/>
+          </a:xfrm>
+          <a:prstGeom prst="ellipse">
+            <a:avLst/>
+          </a:prstGeom>
+          <a:blipFill>
+            <a:blip r:embed="rId3"/>
+            <a:stretch>
+              <a:fillRect/>
+            </a:stretch>
+          </a:blipFill>
+        </p:spPr>
+        <p:style>
+          <a:lnRef idx="2">
+            <a:schemeClr val="accent1">
+              <a:shade val="50000"/>
+            </a:schemeClr>
+          </a:lnRef>
+          <a:fillRef idx="1">
+            <a:schemeClr val="accent1"/>
+          </a:fillRef>
+          <a:effectRef idx="0">
+            <a:schemeClr val="accent1"/>
+          </a:effectRef>
+          <a:fontRef idx="minor">
+            <a:schemeClr val="lt1"/>
+          </a:fontRef>
+        </p:style>
+        <p:txBody>
+          <a:bodyPr rtlCol="0" anchor="ctr"/>
+          <a:lstStyle/>
+          <a:p>
+            <a:pPr algn="ctr"/>
+            <a:endParaRPr lang="en-US" sz="2800"/>
+          </a:p>
+        </p:txBody>
+      </p:sp>
+      <p:pic>
+        <p:nvPicPr>
+          <p:cNvPr id="7" name="Picture 6">
+            <a:extLst>
+              <a:ext uri="{FF2B5EF4-FFF2-40B4-BE49-F238E27FC236}">
+                <a16:creationId xmlns:a16="http://schemas.microsoft.com/office/drawing/2014/main" id="{A8557E18-E351-9F8F-005B-4120DA1FFCF1}"/>
+              </a:ext>
+            </a:extLst>
+          </p:cNvPr>
+          <p:cNvPicPr>
+            <a:picLocks noChangeAspect="1"/>
+          </p:cNvPicPr>
+          <p:nvPr/>
+        </p:nvPicPr>
+        <p:blipFill>
+          <a:blip r:embed="rId4">
+            <a:alphaModFix amt="85000"/>
+          </a:blip>
+          <a:stretch>
+            <a:fillRect/>
+          </a:stretch>
+        </p:blipFill>
+        <p:spPr>
+          <a:xfrm>
+            <a:off x="0" y="1409074"/>
+            <a:ext cx="11067532" cy="4999681"/>
+          </a:xfrm>
+          <a:prstGeom prst="roundRect">
+            <a:avLst>
+              <a:gd name="adj" fmla="val 16667"/>
+            </a:avLst>
+          </a:prstGeom>
+          <a:ln>
+            <a:noFill/>
+          </a:ln>
+          <a:effectLst>
+            <a:outerShdw blurRad="152400" dist="12000" dir="900000" sy="98000" kx="110000" ky="200000" algn="tl" rotWithShape="0">
+              <a:srgbClr val="000000">
+                <a:alpha val="30000"/>
+              </a:srgbClr>
+            </a:outerShdw>
+          </a:effectLst>
+          <a:scene3d>
+            <a:camera prst="perspectiveRelaxed">
+              <a:rot lat="19800000" lon="1200000" rev="20820000"/>
+            </a:camera>
+            <a:lightRig rig="threePt" dir="t"/>
+          </a:scene3d>
+          <a:sp3d contourW="6350" prstMaterial="matte">
+            <a:bevelT w="101600" h="101600"/>
+            <a:contourClr>
+              <a:srgbClr val="969696"/>
+            </a:contourClr>
+          </a:sp3d>
+        </p:spPr>
+      </p:pic>
+    </p:spTree>
+    <p:extLst>
+      <p:ext uri="{BB962C8B-B14F-4D97-AF65-F5344CB8AC3E}">
+        <p14:creationId xmlns:p14="http://schemas.microsoft.com/office/powerpoint/2010/main" val="2938528598"/>
+      </p:ext>
+    </p:extLst>
+  </p:cSld>
+  <p:clrMapOvr>
+    <a:masterClrMapping/>
+  </p:clrMapOvr>
+  <mc:AlternateContent xmlns:mc="http://schemas.openxmlformats.org/markup-compatibility/2006" xmlns:p14="http://schemas.microsoft.com/office/powerpoint/2010/main">
+    <mc:Choice Requires="p14">
+      <p:transition spd="med" p14:dur="700">
+        <p:fade/>
+      </p:transition>
+    </mc:Choice>
+    <mc:Fallback xmlns="">
+      <p:transition spd="med">
+        <p:fade/>
+      </p:transition>
+    </mc:Fallback>
+  </mc:AlternateContent>
 </p:sld>
 </file>
 
@@ -21011,151 +21138,6 @@
 </file>
 
 <file path=customXml/item1.xml><?xml version="1.0" encoding="utf-8"?>
-<?mso-contentType ?>
-<FormTemplates xmlns="http://schemas.microsoft.com/sharepoint/v3/contenttype/forms">
-  <Display>DocumentLibraryForm</Display>
-  <Edit>AssetEditForm</Edit>
-  <New>DocumentLibraryForm</New>
-</FormTemplates>
-</file>
-
-<file path=customXml/item2.xml><?xml version="1.0" encoding="utf-8"?>
-<p:properties xmlns:p="http://schemas.microsoft.com/office/2006/metadata/properties" xmlns:xsi="http://www.w3.org/2001/XMLSchema-instance" xmlns:pc="http://schemas.microsoft.com/office/infopath/2007/PartnerControls">
-  <documentManagement>
-    <LocPublishedLinkedAssetsLookup xmlns="4873beb7-5857-4685-be1f-d57550cc96cc" xsi:nil="true"/>
-    <ApprovalStatus xmlns="4873beb7-5857-4685-be1f-d57550cc96cc">InProgress</ApprovalStatus>
-    <MarketSpecific xmlns="4873beb7-5857-4685-be1f-d57550cc96cc">false</MarketSpecific>
-    <LocComments xmlns="4873beb7-5857-4685-be1f-d57550cc96cc" xsi:nil="true"/>
-    <LocLastLocAttemptVersionTypeLookup xmlns="4873beb7-5857-4685-be1f-d57550cc96cc" xsi:nil="true"/>
-    <DirectSourceMarket xmlns="4873beb7-5857-4685-be1f-d57550cc96cc" xsi:nil="true"/>
-    <ThumbnailAssetId xmlns="4873beb7-5857-4685-be1f-d57550cc96cc" xsi:nil="true"/>
-    <PrimaryImageGen xmlns="4873beb7-5857-4685-be1f-d57550cc96cc">false</PrimaryImageGen>
-    <LocNewPublishedVersionLookup xmlns="4873beb7-5857-4685-be1f-d57550cc96cc" xsi:nil="true"/>
-    <LegacyData xmlns="4873beb7-5857-4685-be1f-d57550cc96cc" xsi:nil="true"/>
-    <LocRecommendedHandoff xmlns="4873beb7-5857-4685-be1f-d57550cc96cc" xsi:nil="true"/>
-    <BusinessGroup xmlns="4873beb7-5857-4685-be1f-d57550cc96cc" xsi:nil="true"/>
-    <BlockPublish xmlns="4873beb7-5857-4685-be1f-d57550cc96cc">false</BlockPublish>
-    <TPFriendlyName xmlns="4873beb7-5857-4685-be1f-d57550cc96cc" xsi:nil="true"/>
-    <LocOverallPublishStatusLookup xmlns="4873beb7-5857-4685-be1f-d57550cc96cc" xsi:nil="true"/>
-    <NumericId xmlns="4873beb7-5857-4685-be1f-d57550cc96cc" xsi:nil="true"/>
-    <APEditor xmlns="4873beb7-5857-4685-be1f-d57550cc96cc">
-      <UserInfo>
-        <DisplayName/>
-        <AccountId xsi:nil="true"/>
-        <AccountType/>
-      </UserInfo>
-    </APEditor>
-    <SourceTitle xmlns="4873beb7-5857-4685-be1f-d57550cc96cc" xsi:nil="true"/>
-    <OpenTemplate xmlns="4873beb7-5857-4685-be1f-d57550cc96cc">true</OpenTemplate>
-    <LocOverallLocStatusLookup xmlns="4873beb7-5857-4685-be1f-d57550cc96cc" xsi:nil="true"/>
-    <UALocComments xmlns="4873beb7-5857-4685-be1f-d57550cc96cc" xsi:nil="true"/>
-    <ParentAssetId xmlns="4873beb7-5857-4685-be1f-d57550cc96cc" xsi:nil="true"/>
-    <IntlLangReviewDate xmlns="4873beb7-5857-4685-be1f-d57550cc96cc" xsi:nil="true"/>
-    <FeatureTagsTaxHTField0 xmlns="4873beb7-5857-4685-be1f-d57550cc96cc">
-      <Terms xmlns="http://schemas.microsoft.com/office/infopath/2007/PartnerControls"/>
-    </FeatureTagsTaxHTField0>
-    <PublishStatusLookup xmlns="4873beb7-5857-4685-be1f-d57550cc96cc">
-      <Value>1345093</Value>
-    </PublishStatusLookup>
-    <Providers xmlns="4873beb7-5857-4685-be1f-d57550cc96cc" xsi:nil="true"/>
-    <MachineTranslated xmlns="4873beb7-5857-4685-be1f-d57550cc96cc">false</MachineTranslated>
-    <OriginalSourceMarket xmlns="4873beb7-5857-4685-be1f-d57550cc96cc" xsi:nil="true"/>
-    <APDescription xmlns="4873beb7-5857-4685-be1f-d57550cc96cc">This simple template design works for technology and  businesses, but it's versatile enough to use in other contexts.  It features multiple slide layouts designed for widescreen (16x9 resolution) and includes a sample SmartArt list and chart that are easily editable.</APDescription>
-    <ClipArtFilename xmlns="4873beb7-5857-4685-be1f-d57550cc96cc" xsi:nil="true"/>
-    <ContentItem xmlns="4873beb7-5857-4685-be1f-d57550cc96cc" xsi:nil="true"/>
-    <TPInstallLocation xmlns="4873beb7-5857-4685-be1f-d57550cc96cc" xsi:nil="true"/>
-    <PublishTargets xmlns="4873beb7-5857-4685-be1f-d57550cc96cc">OfficeOnlineVNext</PublishTargets>
-    <TimesCloned xmlns="4873beb7-5857-4685-be1f-d57550cc96cc" xsi:nil="true"/>
-    <AssetStart xmlns="4873beb7-5857-4685-be1f-d57550cc96cc">2011-11-26T00:30:00+00:00</AssetStart>
-    <Provider xmlns="4873beb7-5857-4685-be1f-d57550cc96cc" xsi:nil="true"/>
-    <AcquiredFrom xmlns="4873beb7-5857-4685-be1f-d57550cc96cc">Internal MS</AcquiredFrom>
-    <FriendlyTitle xmlns="4873beb7-5857-4685-be1f-d57550cc96cc" xsi:nil="true"/>
-    <LastHandOff xmlns="4873beb7-5857-4685-be1f-d57550cc96cc" xsi:nil="true"/>
-    <TPClientViewer xmlns="4873beb7-5857-4685-be1f-d57550cc96cc" xsi:nil="true"/>
-    <TemplateStatus xmlns="4873beb7-5857-4685-be1f-d57550cc96cc">Complete</TemplateStatus>
-    <Downloads xmlns="4873beb7-5857-4685-be1f-d57550cc96cc">0</Downloads>
-    <OOCacheId xmlns="4873beb7-5857-4685-be1f-d57550cc96cc" xsi:nil="true"/>
-    <IsDeleted xmlns="4873beb7-5857-4685-be1f-d57550cc96cc">false</IsDeleted>
-    <LocPublishedDependentAssetsLookup xmlns="4873beb7-5857-4685-be1f-d57550cc96cc" xsi:nil="true"/>
-    <TPExecutable xmlns="4873beb7-5857-4685-be1f-d57550cc96cc" xsi:nil="true"/>
-    <EditorialTags xmlns="4873beb7-5857-4685-be1f-d57550cc96cc" xsi:nil="true"/>
-    <SubmitterId xmlns="4873beb7-5857-4685-be1f-d57550cc96cc" xsi:nil="true"/>
-    <ApprovalLog xmlns="4873beb7-5857-4685-be1f-d57550cc96cc" xsi:nil="true"/>
-    <AssetType xmlns="4873beb7-5857-4685-be1f-d57550cc96cc">TP</AssetType>
-    <BugNumber xmlns="4873beb7-5857-4685-be1f-d57550cc96cc" xsi:nil="true"/>
-    <CSXSubmissionDate xmlns="4873beb7-5857-4685-be1f-d57550cc96cc" xsi:nil="true"/>
-    <CSXUpdate xmlns="4873beb7-5857-4685-be1f-d57550cc96cc">false</CSXUpdate>
-    <Milestone xmlns="4873beb7-5857-4685-be1f-d57550cc96cc" xsi:nil="true"/>
-    <RecommendationsModifier xmlns="4873beb7-5857-4685-be1f-d57550cc96cc" xsi:nil="true"/>
-    <OriginAsset xmlns="4873beb7-5857-4685-be1f-d57550cc96cc" xsi:nil="true"/>
-    <TPComponent xmlns="4873beb7-5857-4685-be1f-d57550cc96cc" xsi:nil="true"/>
-    <AssetId xmlns="4873beb7-5857-4685-be1f-d57550cc96cc">TP102787989</AssetId>
-    <IntlLocPriority xmlns="4873beb7-5857-4685-be1f-d57550cc96cc" xsi:nil="true"/>
-    <PolicheckWords xmlns="4873beb7-5857-4685-be1f-d57550cc96cc" xsi:nil="true"/>
-    <TPLaunchHelpLink xmlns="4873beb7-5857-4685-be1f-d57550cc96cc" xsi:nil="true"/>
-    <TPApplication xmlns="4873beb7-5857-4685-be1f-d57550cc96cc" xsi:nil="true"/>
-    <CrawlForDependencies xmlns="4873beb7-5857-4685-be1f-d57550cc96cc">false</CrawlForDependencies>
-    <HandoffToMSDN xmlns="4873beb7-5857-4685-be1f-d57550cc96cc" xsi:nil="true"/>
-    <PlannedPubDate xmlns="4873beb7-5857-4685-be1f-d57550cc96cc" xsi:nil="true"/>
-    <IntlLangReviewer xmlns="4873beb7-5857-4685-be1f-d57550cc96cc" xsi:nil="true"/>
-    <TrustLevel xmlns="4873beb7-5857-4685-be1f-d57550cc96cc">1 Microsoft Managed Content</TrustLevel>
-    <LocLastLocAttemptVersionLookup xmlns="4873beb7-5857-4685-be1f-d57550cc96cc">694266</LocLastLocAttemptVersionLookup>
-    <LocProcessedForHandoffsLookup xmlns="4873beb7-5857-4685-be1f-d57550cc96cc" xsi:nil="true"/>
-    <IsSearchable xmlns="4873beb7-5857-4685-be1f-d57550cc96cc">true</IsSearchable>
-    <TemplateTemplateType xmlns="4873beb7-5857-4685-be1f-d57550cc96cc">PowerPoint Presentation Template</TemplateTemplateType>
-    <CampaignTagsTaxHTField0 xmlns="4873beb7-5857-4685-be1f-d57550cc96cc">
-      <Terms xmlns="http://schemas.microsoft.com/office/infopath/2007/PartnerControls"/>
-    </CampaignTagsTaxHTField0>
-    <TPNamespace xmlns="4873beb7-5857-4685-be1f-d57550cc96cc" xsi:nil="true"/>
-    <LocOverallPreviewStatusLookup xmlns="4873beb7-5857-4685-be1f-d57550cc96cc" xsi:nil="true"/>
-    <TaxCatchAll xmlns="4873beb7-5857-4685-be1f-d57550cc96cc"/>
-    <Markets xmlns="4873beb7-5857-4685-be1f-d57550cc96cc"/>
-    <UAProjectedTotalWords xmlns="4873beb7-5857-4685-be1f-d57550cc96cc" xsi:nil="true"/>
-    <IntlLangReview xmlns="4873beb7-5857-4685-be1f-d57550cc96cc" xsi:nil="true"/>
-    <OutputCachingOn xmlns="4873beb7-5857-4685-be1f-d57550cc96cc">false</OutputCachingOn>
-    <AverageRating xmlns="4873beb7-5857-4685-be1f-d57550cc96cc" xsi:nil="true"/>
-    <APAuthor xmlns="4873beb7-5857-4685-be1f-d57550cc96cc">
-      <UserInfo>
-        <DisplayName>REDMOND\kristaa</DisplayName>
-        <AccountId>136</AccountId>
-        <AccountType/>
-      </UserInfo>
-    </APAuthor>
-    <LocManualTestRequired xmlns="4873beb7-5857-4685-be1f-d57550cc96cc">false</LocManualTestRequired>
-    <TPCommandLine xmlns="4873beb7-5857-4685-be1f-d57550cc96cc" xsi:nil="true"/>
-    <TPAppVersion xmlns="4873beb7-5857-4685-be1f-d57550cc96cc" xsi:nil="true"/>
-    <EditorialStatus xmlns="4873beb7-5857-4685-be1f-d57550cc96cc">Complete</EditorialStatus>
-    <LastModifiedDateTime xmlns="4873beb7-5857-4685-be1f-d57550cc96cc" xsi:nil="true"/>
-    <ScenarioTagsTaxHTField0 xmlns="4873beb7-5857-4685-be1f-d57550cc96cc">
-      <Terms xmlns="http://schemas.microsoft.com/office/infopath/2007/PartnerControls"/>
-    </ScenarioTagsTaxHTField0>
-    <LocProcessedForMarketsLookup xmlns="4873beb7-5857-4685-be1f-d57550cc96cc" xsi:nil="true"/>
-    <TPLaunchHelpLinkType xmlns="4873beb7-5857-4685-be1f-d57550cc96cc">Template</TPLaunchHelpLinkType>
-    <OriginalRelease xmlns="4873beb7-5857-4685-be1f-d57550cc96cc">15</OriginalRelease>
-    <LocalizationTagsTaxHTField0 xmlns="4873beb7-5857-4685-be1f-d57550cc96cc">
-      <Terms xmlns="http://schemas.microsoft.com/office/infopath/2007/PartnerControls"/>
-    </LocalizationTagsTaxHTField0>
-    <UACurrentWords xmlns="4873beb7-5857-4685-be1f-d57550cc96cc" xsi:nil="true"/>
-    <ArtSampleDocs xmlns="4873beb7-5857-4685-be1f-d57550cc96cc" xsi:nil="true"/>
-    <UALocRecommendation xmlns="4873beb7-5857-4685-be1f-d57550cc96cc">Localize</UALocRecommendation>
-    <Manager xmlns="4873beb7-5857-4685-be1f-d57550cc96cc" xsi:nil="true"/>
-    <LocOverallHandbackStatusLookup xmlns="4873beb7-5857-4685-be1f-d57550cc96cc" xsi:nil="true"/>
-    <ShowIn xmlns="4873beb7-5857-4685-be1f-d57550cc96cc">Show everywhere</ShowIn>
-    <UANotes xmlns="4873beb7-5857-4685-be1f-d57550cc96cc" xsi:nil="true"/>
-    <InternalTagsTaxHTField0 xmlns="4873beb7-5857-4685-be1f-d57550cc96cc">
-      <Terms xmlns="http://schemas.microsoft.com/office/infopath/2007/PartnerControls"/>
-    </InternalTagsTaxHTField0>
-    <CSXHash xmlns="4873beb7-5857-4685-be1f-d57550cc96cc" xsi:nil="true"/>
-    <VoteCount xmlns="4873beb7-5857-4685-be1f-d57550cc96cc" xsi:nil="true"/>
-    <AssetExpire xmlns="4873beb7-5857-4685-be1f-d57550cc96cc">2029-05-12T07:00:00+00:00</AssetExpire>
-    <DSATActionTaken xmlns="4873beb7-5857-4685-be1f-d57550cc96cc" xsi:nil="true"/>
-    <CSXSubmissionMarket xmlns="4873beb7-5857-4685-be1f-d57550cc96cc" xsi:nil="true"/>
-    <LocMarketGroupTiers2 xmlns="4873beb7-5857-4685-be1f-d57550cc96cc" xsi:nil="true"/>
-  </documentManagement>
-</p:properties>
-</file>
-
-<file path=customXml/item3.xml><?xml version="1.0" encoding="utf-8"?>
 <ct:contentTypeSchema xmlns:ct="http://schemas.microsoft.com/office/2006/metadata/contentType" xmlns:ma="http://schemas.microsoft.com/office/2006/metadata/properties/metaAttributes" ct:_="" ma:_="" ma:contentTypeName="TemplateFile" ma:contentTypeID="0x0101006EDDDB5EE6D98C44930B742096920B300400F5B6D36B3EF94B4E9A635CDF2A18F5B8" ma:contentTypeVersion="72" ma:contentTypeDescription="Create a new document." ma:contentTypeScope="" ma:versionID="a23e56308344d904b51738559c3d67c9">
   <xsd:schema xmlns:xsd="http://www.w3.org/2001/XMLSchema" xmlns:xs="http://www.w3.org/2001/XMLSchema" xmlns:p="http://schemas.microsoft.com/office/2006/metadata/properties" xmlns:ns2="4873beb7-5857-4685-be1f-d57550cc96cc" targetNamespace="http://schemas.microsoft.com/office/2006/metadata/properties" ma:root="true" ma:fieldsID="cd0908cc4600e77bf5da051303e00c8d" ns2:_="">
     <xsd:import namespace="4873beb7-5857-4685-be1f-d57550cc96cc"/>
@@ -22195,10 +22177,165 @@
 </ct:contentTypeSchema>
 </file>
 
+<file path=customXml/item2.xml><?xml version="1.0" encoding="utf-8"?>
+<p:properties xmlns:p="http://schemas.microsoft.com/office/2006/metadata/properties" xmlns:xsi="http://www.w3.org/2001/XMLSchema-instance" xmlns:pc="http://schemas.microsoft.com/office/infopath/2007/PartnerControls">
+  <documentManagement>
+    <LocPublishedLinkedAssetsLookup xmlns="4873beb7-5857-4685-be1f-d57550cc96cc" xsi:nil="true"/>
+    <ApprovalStatus xmlns="4873beb7-5857-4685-be1f-d57550cc96cc">InProgress</ApprovalStatus>
+    <MarketSpecific xmlns="4873beb7-5857-4685-be1f-d57550cc96cc">false</MarketSpecific>
+    <LocComments xmlns="4873beb7-5857-4685-be1f-d57550cc96cc" xsi:nil="true"/>
+    <LocLastLocAttemptVersionTypeLookup xmlns="4873beb7-5857-4685-be1f-d57550cc96cc" xsi:nil="true"/>
+    <DirectSourceMarket xmlns="4873beb7-5857-4685-be1f-d57550cc96cc" xsi:nil="true"/>
+    <ThumbnailAssetId xmlns="4873beb7-5857-4685-be1f-d57550cc96cc" xsi:nil="true"/>
+    <PrimaryImageGen xmlns="4873beb7-5857-4685-be1f-d57550cc96cc">false</PrimaryImageGen>
+    <LocNewPublishedVersionLookup xmlns="4873beb7-5857-4685-be1f-d57550cc96cc" xsi:nil="true"/>
+    <LegacyData xmlns="4873beb7-5857-4685-be1f-d57550cc96cc" xsi:nil="true"/>
+    <LocRecommendedHandoff xmlns="4873beb7-5857-4685-be1f-d57550cc96cc" xsi:nil="true"/>
+    <BusinessGroup xmlns="4873beb7-5857-4685-be1f-d57550cc96cc" xsi:nil="true"/>
+    <BlockPublish xmlns="4873beb7-5857-4685-be1f-d57550cc96cc">false</BlockPublish>
+    <TPFriendlyName xmlns="4873beb7-5857-4685-be1f-d57550cc96cc" xsi:nil="true"/>
+    <LocOverallPublishStatusLookup xmlns="4873beb7-5857-4685-be1f-d57550cc96cc" xsi:nil="true"/>
+    <NumericId xmlns="4873beb7-5857-4685-be1f-d57550cc96cc" xsi:nil="true"/>
+    <APEditor xmlns="4873beb7-5857-4685-be1f-d57550cc96cc">
+      <UserInfo>
+        <DisplayName/>
+        <AccountId xsi:nil="true"/>
+        <AccountType/>
+      </UserInfo>
+    </APEditor>
+    <SourceTitle xmlns="4873beb7-5857-4685-be1f-d57550cc96cc" xsi:nil="true"/>
+    <OpenTemplate xmlns="4873beb7-5857-4685-be1f-d57550cc96cc">true</OpenTemplate>
+    <LocOverallLocStatusLookup xmlns="4873beb7-5857-4685-be1f-d57550cc96cc" xsi:nil="true"/>
+    <UALocComments xmlns="4873beb7-5857-4685-be1f-d57550cc96cc" xsi:nil="true"/>
+    <ParentAssetId xmlns="4873beb7-5857-4685-be1f-d57550cc96cc" xsi:nil="true"/>
+    <IntlLangReviewDate xmlns="4873beb7-5857-4685-be1f-d57550cc96cc" xsi:nil="true"/>
+    <FeatureTagsTaxHTField0 xmlns="4873beb7-5857-4685-be1f-d57550cc96cc">
+      <Terms xmlns="http://schemas.microsoft.com/office/infopath/2007/PartnerControls"/>
+    </FeatureTagsTaxHTField0>
+    <PublishStatusLookup xmlns="4873beb7-5857-4685-be1f-d57550cc96cc">
+      <Value>1345093</Value>
+    </PublishStatusLookup>
+    <Providers xmlns="4873beb7-5857-4685-be1f-d57550cc96cc" xsi:nil="true"/>
+    <MachineTranslated xmlns="4873beb7-5857-4685-be1f-d57550cc96cc">false</MachineTranslated>
+    <OriginalSourceMarket xmlns="4873beb7-5857-4685-be1f-d57550cc96cc" xsi:nil="true"/>
+    <APDescription xmlns="4873beb7-5857-4685-be1f-d57550cc96cc">This simple template design works for technology and  businesses, but it's versatile enough to use in other contexts.  It features multiple slide layouts designed for widescreen (16x9 resolution) and includes a sample SmartArt list and chart that are easily editable.</APDescription>
+    <ClipArtFilename xmlns="4873beb7-5857-4685-be1f-d57550cc96cc" xsi:nil="true"/>
+    <ContentItem xmlns="4873beb7-5857-4685-be1f-d57550cc96cc" xsi:nil="true"/>
+    <TPInstallLocation xmlns="4873beb7-5857-4685-be1f-d57550cc96cc" xsi:nil="true"/>
+    <PublishTargets xmlns="4873beb7-5857-4685-be1f-d57550cc96cc">OfficeOnlineVNext</PublishTargets>
+    <TimesCloned xmlns="4873beb7-5857-4685-be1f-d57550cc96cc" xsi:nil="true"/>
+    <AssetStart xmlns="4873beb7-5857-4685-be1f-d57550cc96cc">2011-11-26T00:30:00+00:00</AssetStart>
+    <Provider xmlns="4873beb7-5857-4685-be1f-d57550cc96cc" xsi:nil="true"/>
+    <AcquiredFrom xmlns="4873beb7-5857-4685-be1f-d57550cc96cc">Internal MS</AcquiredFrom>
+    <FriendlyTitle xmlns="4873beb7-5857-4685-be1f-d57550cc96cc" xsi:nil="true"/>
+    <LastHandOff xmlns="4873beb7-5857-4685-be1f-d57550cc96cc" xsi:nil="true"/>
+    <TPClientViewer xmlns="4873beb7-5857-4685-be1f-d57550cc96cc" xsi:nil="true"/>
+    <TemplateStatus xmlns="4873beb7-5857-4685-be1f-d57550cc96cc">Complete</TemplateStatus>
+    <Downloads xmlns="4873beb7-5857-4685-be1f-d57550cc96cc">0</Downloads>
+    <OOCacheId xmlns="4873beb7-5857-4685-be1f-d57550cc96cc" xsi:nil="true"/>
+    <IsDeleted xmlns="4873beb7-5857-4685-be1f-d57550cc96cc">false</IsDeleted>
+    <LocPublishedDependentAssetsLookup xmlns="4873beb7-5857-4685-be1f-d57550cc96cc" xsi:nil="true"/>
+    <TPExecutable xmlns="4873beb7-5857-4685-be1f-d57550cc96cc" xsi:nil="true"/>
+    <EditorialTags xmlns="4873beb7-5857-4685-be1f-d57550cc96cc" xsi:nil="true"/>
+    <SubmitterId xmlns="4873beb7-5857-4685-be1f-d57550cc96cc" xsi:nil="true"/>
+    <ApprovalLog xmlns="4873beb7-5857-4685-be1f-d57550cc96cc" xsi:nil="true"/>
+    <AssetType xmlns="4873beb7-5857-4685-be1f-d57550cc96cc">TP</AssetType>
+    <BugNumber xmlns="4873beb7-5857-4685-be1f-d57550cc96cc" xsi:nil="true"/>
+    <CSXSubmissionDate xmlns="4873beb7-5857-4685-be1f-d57550cc96cc" xsi:nil="true"/>
+    <CSXUpdate xmlns="4873beb7-5857-4685-be1f-d57550cc96cc">false</CSXUpdate>
+    <Milestone xmlns="4873beb7-5857-4685-be1f-d57550cc96cc" xsi:nil="true"/>
+    <RecommendationsModifier xmlns="4873beb7-5857-4685-be1f-d57550cc96cc" xsi:nil="true"/>
+    <OriginAsset xmlns="4873beb7-5857-4685-be1f-d57550cc96cc" xsi:nil="true"/>
+    <TPComponent xmlns="4873beb7-5857-4685-be1f-d57550cc96cc" xsi:nil="true"/>
+    <AssetId xmlns="4873beb7-5857-4685-be1f-d57550cc96cc">TP102787989</AssetId>
+    <IntlLocPriority xmlns="4873beb7-5857-4685-be1f-d57550cc96cc" xsi:nil="true"/>
+    <PolicheckWords xmlns="4873beb7-5857-4685-be1f-d57550cc96cc" xsi:nil="true"/>
+    <TPLaunchHelpLink xmlns="4873beb7-5857-4685-be1f-d57550cc96cc" xsi:nil="true"/>
+    <TPApplication xmlns="4873beb7-5857-4685-be1f-d57550cc96cc" xsi:nil="true"/>
+    <CrawlForDependencies xmlns="4873beb7-5857-4685-be1f-d57550cc96cc">false</CrawlForDependencies>
+    <HandoffToMSDN xmlns="4873beb7-5857-4685-be1f-d57550cc96cc" xsi:nil="true"/>
+    <PlannedPubDate xmlns="4873beb7-5857-4685-be1f-d57550cc96cc" xsi:nil="true"/>
+    <IntlLangReviewer xmlns="4873beb7-5857-4685-be1f-d57550cc96cc" xsi:nil="true"/>
+    <TrustLevel xmlns="4873beb7-5857-4685-be1f-d57550cc96cc">1 Microsoft Managed Content</TrustLevel>
+    <LocLastLocAttemptVersionLookup xmlns="4873beb7-5857-4685-be1f-d57550cc96cc">694266</LocLastLocAttemptVersionLookup>
+    <LocProcessedForHandoffsLookup xmlns="4873beb7-5857-4685-be1f-d57550cc96cc" xsi:nil="true"/>
+    <IsSearchable xmlns="4873beb7-5857-4685-be1f-d57550cc96cc">true</IsSearchable>
+    <TemplateTemplateType xmlns="4873beb7-5857-4685-be1f-d57550cc96cc">PowerPoint Presentation Template</TemplateTemplateType>
+    <CampaignTagsTaxHTField0 xmlns="4873beb7-5857-4685-be1f-d57550cc96cc">
+      <Terms xmlns="http://schemas.microsoft.com/office/infopath/2007/PartnerControls"/>
+    </CampaignTagsTaxHTField0>
+    <TPNamespace xmlns="4873beb7-5857-4685-be1f-d57550cc96cc" xsi:nil="true"/>
+    <LocOverallPreviewStatusLookup xmlns="4873beb7-5857-4685-be1f-d57550cc96cc" xsi:nil="true"/>
+    <TaxCatchAll xmlns="4873beb7-5857-4685-be1f-d57550cc96cc"/>
+    <Markets xmlns="4873beb7-5857-4685-be1f-d57550cc96cc"/>
+    <UAProjectedTotalWords xmlns="4873beb7-5857-4685-be1f-d57550cc96cc" xsi:nil="true"/>
+    <IntlLangReview xmlns="4873beb7-5857-4685-be1f-d57550cc96cc" xsi:nil="true"/>
+    <OutputCachingOn xmlns="4873beb7-5857-4685-be1f-d57550cc96cc">false</OutputCachingOn>
+    <AverageRating xmlns="4873beb7-5857-4685-be1f-d57550cc96cc" xsi:nil="true"/>
+    <APAuthor xmlns="4873beb7-5857-4685-be1f-d57550cc96cc">
+      <UserInfo>
+        <DisplayName>REDMOND\kristaa</DisplayName>
+        <AccountId>136</AccountId>
+        <AccountType/>
+      </UserInfo>
+    </APAuthor>
+    <LocManualTestRequired xmlns="4873beb7-5857-4685-be1f-d57550cc96cc">false</LocManualTestRequired>
+    <TPCommandLine xmlns="4873beb7-5857-4685-be1f-d57550cc96cc" xsi:nil="true"/>
+    <TPAppVersion xmlns="4873beb7-5857-4685-be1f-d57550cc96cc" xsi:nil="true"/>
+    <EditorialStatus xmlns="4873beb7-5857-4685-be1f-d57550cc96cc">Complete</EditorialStatus>
+    <LastModifiedDateTime xmlns="4873beb7-5857-4685-be1f-d57550cc96cc" xsi:nil="true"/>
+    <ScenarioTagsTaxHTField0 xmlns="4873beb7-5857-4685-be1f-d57550cc96cc">
+      <Terms xmlns="http://schemas.microsoft.com/office/infopath/2007/PartnerControls"/>
+    </ScenarioTagsTaxHTField0>
+    <LocProcessedForMarketsLookup xmlns="4873beb7-5857-4685-be1f-d57550cc96cc" xsi:nil="true"/>
+    <TPLaunchHelpLinkType xmlns="4873beb7-5857-4685-be1f-d57550cc96cc">Template</TPLaunchHelpLinkType>
+    <OriginalRelease xmlns="4873beb7-5857-4685-be1f-d57550cc96cc">15</OriginalRelease>
+    <LocalizationTagsTaxHTField0 xmlns="4873beb7-5857-4685-be1f-d57550cc96cc">
+      <Terms xmlns="http://schemas.microsoft.com/office/infopath/2007/PartnerControls"/>
+    </LocalizationTagsTaxHTField0>
+    <UACurrentWords xmlns="4873beb7-5857-4685-be1f-d57550cc96cc" xsi:nil="true"/>
+    <ArtSampleDocs xmlns="4873beb7-5857-4685-be1f-d57550cc96cc" xsi:nil="true"/>
+    <UALocRecommendation xmlns="4873beb7-5857-4685-be1f-d57550cc96cc">Localize</UALocRecommendation>
+    <Manager xmlns="4873beb7-5857-4685-be1f-d57550cc96cc" xsi:nil="true"/>
+    <LocOverallHandbackStatusLookup xmlns="4873beb7-5857-4685-be1f-d57550cc96cc" xsi:nil="true"/>
+    <ShowIn xmlns="4873beb7-5857-4685-be1f-d57550cc96cc">Show everywhere</ShowIn>
+    <UANotes xmlns="4873beb7-5857-4685-be1f-d57550cc96cc" xsi:nil="true"/>
+    <InternalTagsTaxHTField0 xmlns="4873beb7-5857-4685-be1f-d57550cc96cc">
+      <Terms xmlns="http://schemas.microsoft.com/office/infopath/2007/PartnerControls"/>
+    </InternalTagsTaxHTField0>
+    <CSXHash xmlns="4873beb7-5857-4685-be1f-d57550cc96cc" xsi:nil="true"/>
+    <VoteCount xmlns="4873beb7-5857-4685-be1f-d57550cc96cc" xsi:nil="true"/>
+    <AssetExpire xmlns="4873beb7-5857-4685-be1f-d57550cc96cc">2029-05-12T07:00:00+00:00</AssetExpire>
+    <DSATActionTaken xmlns="4873beb7-5857-4685-be1f-d57550cc96cc" xsi:nil="true"/>
+    <CSXSubmissionMarket xmlns="4873beb7-5857-4685-be1f-d57550cc96cc" xsi:nil="true"/>
+    <LocMarketGroupTiers2 xmlns="4873beb7-5857-4685-be1f-d57550cc96cc" xsi:nil="true"/>
+  </documentManagement>
+</p:properties>
+</file>
+
+<file path=customXml/item3.xml><?xml version="1.0" encoding="utf-8"?>
+<?mso-contentType ?>
+<FormTemplates xmlns="http://schemas.microsoft.com/sharepoint/v3/contenttype/forms">
+  <Display>DocumentLibraryForm</Display>
+  <Edit>AssetEditForm</Edit>
+  <New>DocumentLibraryForm</New>
+</FormTemplates>
+</file>
+
 <file path=customXml/itemProps1.xml><?xml version="1.0" encoding="utf-8"?>
-<ds:datastoreItem xmlns:ds="http://schemas.openxmlformats.org/officeDocument/2006/customXml" ds:itemID="{3836F65B-1B07-41EE-A0E8-BC6EF3855225}">
+<ds:datastoreItem xmlns:ds="http://schemas.openxmlformats.org/officeDocument/2006/customXml" ds:itemID="{A09BF4D4-EF60-4196-BFC3-9462D607978C}">
   <ds:schemaRefs>
-    <ds:schemaRef ds:uri="http://schemas.microsoft.com/sharepoint/v3/contenttype/forms"/>
+    <ds:schemaRef ds:uri="http://schemas.microsoft.com/office/2006/metadata/contentType"/>
+    <ds:schemaRef ds:uri="http://schemas.microsoft.com/office/2006/metadata/properties/metaAttributes"/>
+    <ds:schemaRef ds:uri="http://www.w3.org/2001/XMLSchema"/>
+    <ds:schemaRef ds:uri="http://schemas.microsoft.com/office/2006/metadata/properties"/>
+    <ds:schemaRef ds:uri="4873beb7-5857-4685-be1f-d57550cc96cc"/>
+    <ds:schemaRef ds:uri="http://schemas.microsoft.com/office/2006/documentManagement/types"/>
+    <ds:schemaRef ds:uri="http://schemas.microsoft.com/office/infopath/2007/PartnerControls"/>
+    <ds:schemaRef ds:uri="http://schemas.openxmlformats.org/package/2006/metadata/core-properties"/>
+    <ds:schemaRef ds:uri="http://purl.org/dc/elements/1.1/"/>
+    <ds:schemaRef ds:uri="http://purl.org/dc/terms/"/>
+    <ds:schemaRef ds:uri="http://schemas.microsoft.com/internal/obd"/>
   </ds:schemaRefs>
 </ds:datastoreItem>
 </file>
@@ -22220,19 +22357,9 @@
 </file>
 
 <file path=customXml/itemProps3.xml><?xml version="1.0" encoding="utf-8"?>
-<ds:datastoreItem xmlns:ds="http://schemas.openxmlformats.org/officeDocument/2006/customXml" ds:itemID="{A09BF4D4-EF60-4196-BFC3-9462D607978C}">
+<ds:datastoreItem xmlns:ds="http://schemas.openxmlformats.org/officeDocument/2006/customXml" ds:itemID="{3836F65B-1B07-41EE-A0E8-BC6EF3855225}">
   <ds:schemaRefs>
-    <ds:schemaRef ds:uri="http://schemas.microsoft.com/office/2006/metadata/contentType"/>
-    <ds:schemaRef ds:uri="http://schemas.microsoft.com/office/2006/metadata/properties/metaAttributes"/>
-    <ds:schemaRef ds:uri="http://www.w3.org/2001/XMLSchema"/>
-    <ds:schemaRef ds:uri="http://schemas.microsoft.com/office/2006/metadata/properties"/>
-    <ds:schemaRef ds:uri="4873beb7-5857-4685-be1f-d57550cc96cc"/>
-    <ds:schemaRef ds:uri="http://schemas.microsoft.com/office/2006/documentManagement/types"/>
-    <ds:schemaRef ds:uri="http://schemas.microsoft.com/office/infopath/2007/PartnerControls"/>
-    <ds:schemaRef ds:uri="http://schemas.openxmlformats.org/package/2006/metadata/core-properties"/>
-    <ds:schemaRef ds:uri="http://purl.org/dc/elements/1.1/"/>
-    <ds:schemaRef ds:uri="http://purl.org/dc/terms/"/>
-    <ds:schemaRef ds:uri="http://schemas.microsoft.com/internal/obd"/>
+    <ds:schemaRef ds:uri="http://schemas.microsoft.com/sharepoint/v3/contenttype/forms"/>
   </ds:schemaRefs>
 </ds:datastoreItem>
 </file>
--- a/neo4j/graph_data_modeling/Graph_Data_Modeling_Fundamentals.pptx
+++ b/neo4j/graph_data_modeling/Graph_Data_Modeling_Fundamentals.pptx
@@ -5,10 +5,10 @@
     <p:sldMasterId id="2147483660" r:id="rId4"/>
   </p:sldMasterIdLst>
   <p:notesMasterIdLst>
-    <p:notesMasterId r:id="rId13"/>
+    <p:notesMasterId r:id="rId14"/>
   </p:notesMasterIdLst>
   <p:handoutMasterIdLst>
-    <p:handoutMasterId r:id="rId14"/>
+    <p:handoutMasterId r:id="rId15"/>
   </p:handoutMasterIdLst>
   <p:sldIdLst>
     <p:sldId id="257" r:id="rId5"/>
@@ -19,6 +19,7 @@
     <p:sldId id="290" r:id="rId10"/>
     <p:sldId id="291" r:id="rId11"/>
     <p:sldId id="279" r:id="rId12"/>
+    <p:sldId id="292" r:id="rId13"/>
   </p:sldIdLst>
   <p:sldSz cx="12188825" cy="6858000"/>
   <p:notesSz cx="6858000" cy="9144000"/>
@@ -130,6 +131,7 @@
             <p14:sldId id="290"/>
             <p14:sldId id="291"/>
             <p14:sldId id="279"/>
+            <p14:sldId id="292"/>
           </p14:sldIdLst>
         </p14:section>
       </p14:sectionLst>
@@ -20187,6 +20189,98 @@
 </p:sld>
 </file>
 
+<file path=ppt/slides/slide9.xml><?xml version="1.0" encoding="utf-8"?>
+<p:sld xmlns:a="http://schemas.openxmlformats.org/drawingml/2006/main" xmlns:r="http://schemas.openxmlformats.org/officeDocument/2006/relationships" xmlns:p="http://schemas.openxmlformats.org/presentationml/2006/main">
+  <p:cSld>
+    <p:spTree>
+      <p:nvGrpSpPr>
+        <p:cNvPr id="1" name=""/>
+        <p:cNvGrpSpPr/>
+        <p:nvPr/>
+      </p:nvGrpSpPr>
+      <p:grpSpPr>
+        <a:xfrm>
+          <a:off x="0" y="0"/>
+          <a:ext cx="0" cy="0"/>
+          <a:chOff x="0" y="0"/>
+          <a:chExt cx="0" cy="0"/>
+        </a:xfrm>
+      </p:grpSpPr>
+      <p:sp>
+        <p:nvSpPr>
+          <p:cNvPr id="2" name="Title 1">
+            <a:extLst>
+              <a:ext uri="{FF2B5EF4-FFF2-40B4-BE49-F238E27FC236}">
+                <a16:creationId xmlns:a16="http://schemas.microsoft.com/office/drawing/2014/main" id="{942017C1-23F4-476C-5B2B-91D02CAA9D32}"/>
+              </a:ext>
+            </a:extLst>
+          </p:cNvPr>
+          <p:cNvSpPr>
+            <a:spLocks noGrp="1"/>
+          </p:cNvSpPr>
+          <p:nvPr>
+            <p:ph type="title"/>
+          </p:nvPr>
+        </p:nvSpPr>
+        <p:spPr/>
+        <p:txBody>
+          <a:bodyPr/>
+          <a:lstStyle/>
+          <a:p>
+            <a:endParaRPr lang="en-US"/>
+          </a:p>
+        </p:txBody>
+      </p:sp>
+      <p:sp>
+        <p:nvSpPr>
+          <p:cNvPr id="7" name="Content Placeholder 6">
+            <a:extLst>
+              <a:ext uri="{FF2B5EF4-FFF2-40B4-BE49-F238E27FC236}">
+                <a16:creationId xmlns:a16="http://schemas.microsoft.com/office/drawing/2014/main" id="{683C5C59-24FF-3D48-D56B-37BDD7300902}"/>
+              </a:ext>
+            </a:extLst>
+          </p:cNvPr>
+          <p:cNvSpPr>
+            <a:spLocks noGrp="1"/>
+          </p:cNvSpPr>
+          <p:nvPr>
+            <p:ph idx="1"/>
+          </p:nvPr>
+        </p:nvSpPr>
+        <p:spPr/>
+        <p:txBody>
+          <a:bodyPr/>
+          <a:lstStyle/>
+          <a:p>
+            <a:endParaRPr lang="en-US"/>
+          </a:p>
+        </p:txBody>
+      </p:sp>
+    </p:spTree>
+    <p:extLst>
+      <p:ext uri="{BB962C8B-B14F-4D97-AF65-F5344CB8AC3E}">
+        <p14:creationId xmlns:p14="http://schemas.microsoft.com/office/powerpoint/2010/main" val="2186598406"/>
+      </p:ext>
+    </p:extLst>
+  </p:cSld>
+  <p:clrMapOvr>
+    <a:masterClrMapping/>
+  </p:clrMapOvr>
+  <mc:AlternateContent xmlns:mc="http://schemas.openxmlformats.org/markup-compatibility/2006" xmlns:p14="http://schemas.microsoft.com/office/powerpoint/2010/main">
+    <mc:Choice Requires="p14">
+      <p:transition spd="med" p14:dur="700">
+        <p:fade/>
+      </p:transition>
+    </mc:Choice>
+    <mc:Fallback xmlns="">
+      <p:transition spd="med">
+        <p:fade/>
+      </p:transition>
+    </mc:Fallback>
+  </mc:AlternateContent>
+</p:sld>
+</file>
+
 <file path=ppt/theme/theme1.xml><?xml version="1.0" encoding="utf-8"?>
 <a:theme xmlns:a="http://schemas.openxmlformats.org/drawingml/2006/main" name="Tech 16x9">
   <a:themeElements>

--- a/neo4j/graph_data_modeling/Graph_Data_Modeling_Fundamentals.pptx
+++ b/neo4j/graph_data_modeling/Graph_Data_Modeling_Fundamentals.pptx
@@ -14,12 +14,12 @@
     <p:sldId id="257" r:id="rId5"/>
     <p:sldId id="287" r:id="rId6"/>
     <p:sldId id="268" r:id="rId7"/>
-    <p:sldId id="288" r:id="rId8"/>
-    <p:sldId id="289" r:id="rId9"/>
-    <p:sldId id="290" r:id="rId10"/>
-    <p:sldId id="291" r:id="rId11"/>
-    <p:sldId id="279" r:id="rId12"/>
-    <p:sldId id="292" r:id="rId13"/>
+    <p:sldId id="293" r:id="rId8"/>
+    <p:sldId id="288" r:id="rId9"/>
+    <p:sldId id="289" r:id="rId10"/>
+    <p:sldId id="290" r:id="rId11"/>
+    <p:sldId id="291" r:id="rId12"/>
+    <p:sldId id="279" r:id="rId13"/>
   </p:sldIdLst>
   <p:sldSz cx="12188825" cy="6858000"/>
   <p:notesSz cx="6858000" cy="9144000"/>
@@ -126,12 +126,12 @@
             <p14:sldId id="257"/>
             <p14:sldId id="287"/>
             <p14:sldId id="268"/>
+            <p14:sldId id="293"/>
             <p14:sldId id="288"/>
             <p14:sldId id="289"/>
             <p14:sldId id="290"/>
             <p14:sldId id="291"/>
             <p14:sldId id="279"/>
-            <p14:sldId id="292"/>
           </p14:sldIdLst>
         </p14:section>
       </p14:sectionLst>
@@ -18407,7 +18407,7 @@
           <a:p>
             <a:r>
               <a:rPr lang="en-US" sz="4800" b="1" dirty="0"/>
-              <a:t>1. Getting Started</a:t>
+              <a:t>1. Getting Started (1)</a:t>
             </a:r>
             <a:endParaRPr lang="en-US" sz="4400" dirty="0"/>
           </a:p>
@@ -18680,6 +18680,324 @@
         <p:cNvPr id="1" name="">
           <a:extLst>
             <a:ext uri="{FF2B5EF4-FFF2-40B4-BE49-F238E27FC236}">
+              <a16:creationId xmlns:a16="http://schemas.microsoft.com/office/drawing/2014/main" id="{33DFC312-8DCF-EABF-80B4-006C2C1D6A8C}"/>
+            </a:ext>
+          </a:extLst>
+        </p:cNvPr>
+        <p:cNvGrpSpPr/>
+        <p:nvPr/>
+      </p:nvGrpSpPr>
+      <p:grpSpPr>
+        <a:xfrm>
+          <a:off x="0" y="0"/>
+          <a:ext cx="0" cy="0"/>
+          <a:chOff x="0" y="0"/>
+          <a:chExt cx="0" cy="0"/>
+        </a:xfrm>
+      </p:grpSpPr>
+      <p:sp>
+        <p:nvSpPr>
+          <p:cNvPr id="13" name="Title 12">
+            <a:extLst>
+              <a:ext uri="{FF2B5EF4-FFF2-40B4-BE49-F238E27FC236}">
+                <a16:creationId xmlns:a16="http://schemas.microsoft.com/office/drawing/2014/main" id="{5A23DA7D-9DB4-B854-8F6E-84E91E545EAF}"/>
+              </a:ext>
+            </a:extLst>
+          </p:cNvPr>
+          <p:cNvSpPr>
+            <a:spLocks noGrp="1"/>
+          </p:cNvSpPr>
+          <p:nvPr>
+            <p:ph type="title"/>
+          </p:nvPr>
+        </p:nvSpPr>
+        <p:spPr>
+          <a:xfrm>
+            <a:off x="3848448" y="789138"/>
+            <a:ext cx="7656163" cy="1223963"/>
+          </a:xfrm>
+        </p:spPr>
+        <p:txBody>
+          <a:bodyPr anchor="ctr">
+            <a:normAutofit/>
+          </a:bodyPr>
+          <a:lstStyle/>
+          <a:p>
+            <a:r>
+              <a:rPr lang="en-US" sz="4800" b="1" dirty="0"/>
+              <a:t>1. Getting Started (2)</a:t>
+            </a:r>
+            <a:endParaRPr lang="en-US" sz="4400" dirty="0"/>
+          </a:p>
+        </p:txBody>
+      </p:sp>
+      <p:sp>
+        <p:nvSpPr>
+          <p:cNvPr id="2" name="Title 1">
+            <a:extLst>
+              <a:ext uri="{FF2B5EF4-FFF2-40B4-BE49-F238E27FC236}">
+                <a16:creationId xmlns:a16="http://schemas.microsoft.com/office/drawing/2014/main" id="{F61C0296-AB0B-CBF4-E9CC-318E88430316}"/>
+              </a:ext>
+            </a:extLst>
+          </p:cNvPr>
+          <p:cNvSpPr txBox="1">
+            <a:spLocks/>
+          </p:cNvSpPr>
+          <p:nvPr/>
+        </p:nvSpPr>
+        <p:spPr>
+          <a:xfrm>
+            <a:off x="836612" y="28876"/>
+            <a:ext cx="9982200" cy="863600"/>
+          </a:xfrm>
+          <a:prstGeom prst="rect">
+            <a:avLst/>
+          </a:prstGeom>
+        </p:spPr>
+        <p:txBody>
+          <a:bodyPr vert="horz" lIns="121899" tIns="60949" rIns="121899" bIns="60949" rtlCol="0" anchor="ctr">
+            <a:normAutofit fontScale="92500"/>
+          </a:bodyPr>
+          <a:lstStyle>
+            <a:lvl1pPr algn="l" defTabSz="1218987" rtl="0" eaLnBrk="1" latinLnBrk="0" hangingPunct="1">
+              <a:lnSpc>
+                <a:spcPct val="90000"/>
+              </a:lnSpc>
+              <a:spcBef>
+                <a:spcPct val="0"/>
+              </a:spcBef>
+              <a:buNone/>
+              <a:defRPr sz="3600" kern="1200">
+                <a:solidFill>
+                  <a:schemeClr val="tx1"/>
+                </a:solidFill>
+                <a:latin typeface="+mj-lt"/>
+                <a:ea typeface="+mj-ea"/>
+                <a:cs typeface="+mj-cs"/>
+              </a:defRPr>
+            </a:lvl1pPr>
+          </a:lstStyle>
+          <a:p>
+            <a:r>
+              <a:rPr lang="en-US" sz="5400" dirty="0"/>
+              <a:t>Graph Data Modeling Fundamentals</a:t>
+            </a:r>
+          </a:p>
+        </p:txBody>
+      </p:sp>
+      <p:sp>
+        <p:nvSpPr>
+          <p:cNvPr id="5" name="TextBox 4">
+            <a:extLst>
+              <a:ext uri="{FF2B5EF4-FFF2-40B4-BE49-F238E27FC236}">
+                <a16:creationId xmlns:a16="http://schemas.microsoft.com/office/drawing/2014/main" id="{5C198A45-0D08-7EDF-5539-085105B2D50E}"/>
+              </a:ext>
+            </a:extLst>
+          </p:cNvPr>
+          <p:cNvSpPr txBox="1"/>
+          <p:nvPr/>
+        </p:nvSpPr>
+        <p:spPr>
+          <a:xfrm>
+            <a:off x="2299246" y="685800"/>
+            <a:ext cx="1329210" cy="1446550"/>
+          </a:xfrm>
+          <a:prstGeom prst="rect">
+            <a:avLst/>
+          </a:prstGeom>
+          <a:noFill/>
+        </p:spPr>
+        <p:txBody>
+          <a:bodyPr wrap="none" rtlCol="0" anchor="ctr">
+            <a:spAutoFit/>
+          </a:bodyPr>
+          <a:lstStyle/>
+          <a:p>
+            <a:pPr algn="ctr"/>
+            <a:r>
+              <a:rPr lang="en-US" sz="8800" b="1" dirty="0"/>
+              <a:t>02</a:t>
+            </a:r>
+          </a:p>
+        </p:txBody>
+      </p:sp>
+      <p:pic>
+        <p:nvPicPr>
+          <p:cNvPr id="6" name="Picture 5">
+            <a:extLst>
+              <a:ext uri="{FF2B5EF4-FFF2-40B4-BE49-F238E27FC236}">
+                <a16:creationId xmlns:a16="http://schemas.microsoft.com/office/drawing/2014/main" id="{76A120F7-319B-C2D4-1319-1BE63ADF2CF8}"/>
+              </a:ext>
+            </a:extLst>
+          </p:cNvPr>
+          <p:cNvPicPr>
+            <a:picLocks noChangeAspect="1"/>
+          </p:cNvPicPr>
+          <p:nvPr/>
+        </p:nvPicPr>
+        <p:blipFill>
+          <a:blip r:embed="rId2"/>
+          <a:stretch>
+            <a:fillRect/>
+          </a:stretch>
+        </p:blipFill>
+        <p:spPr>
+          <a:xfrm>
+            <a:off x="0" y="789138"/>
+            <a:ext cx="2385815" cy="1239873"/>
+          </a:xfrm>
+          <a:prstGeom prst="rect">
+            <a:avLst/>
+          </a:prstGeom>
+          <a:ln>
+            <a:noFill/>
+          </a:ln>
+          <a:effectLst>
+            <a:softEdge rad="112500"/>
+          </a:effectLst>
+        </p:spPr>
+      </p:pic>
+      <p:pic>
+        <p:nvPicPr>
+          <p:cNvPr id="7" name="Picture 6">
+            <a:extLst>
+              <a:ext uri="{FF2B5EF4-FFF2-40B4-BE49-F238E27FC236}">
+                <a16:creationId xmlns:a16="http://schemas.microsoft.com/office/drawing/2014/main" id="{7DC27454-247E-48FB-6752-2D7167420C67}"/>
+              </a:ext>
+            </a:extLst>
+          </p:cNvPr>
+          <p:cNvPicPr>
+            <a:picLocks noChangeAspect="1"/>
+          </p:cNvPicPr>
+          <p:nvPr/>
+        </p:nvPicPr>
+        <p:blipFill>
+          <a:blip r:embed="rId3">
+            <a:alphaModFix amt="85000"/>
+          </a:blip>
+          <a:stretch>
+            <a:fillRect/>
+          </a:stretch>
+        </p:blipFill>
+        <p:spPr>
+          <a:xfrm>
+            <a:off x="20727" y="1437092"/>
+            <a:ext cx="11104182" cy="4963708"/>
+          </a:xfrm>
+          <a:prstGeom prst="roundRect">
+            <a:avLst>
+              <a:gd name="adj" fmla="val 16667"/>
+            </a:avLst>
+          </a:prstGeom>
+          <a:ln>
+            <a:noFill/>
+          </a:ln>
+          <a:effectLst>
+            <a:outerShdw blurRad="152400" dist="12000" dir="900000" sy="98000" kx="110000" ky="200000" algn="tl" rotWithShape="0">
+              <a:srgbClr val="000000">
+                <a:alpha val="30000"/>
+              </a:srgbClr>
+            </a:outerShdw>
+          </a:effectLst>
+          <a:scene3d>
+            <a:camera prst="perspectiveRelaxed">
+              <a:rot lat="19800000" lon="1200000" rev="20820000"/>
+            </a:camera>
+            <a:lightRig rig="threePt" dir="t"/>
+          </a:scene3d>
+          <a:sp3d contourW="6350" prstMaterial="matte">
+            <a:bevelT w="101600" h="101600"/>
+            <a:contourClr>
+              <a:srgbClr val="969696"/>
+            </a:contourClr>
+          </a:sp3d>
+        </p:spPr>
+      </p:pic>
+      <p:sp>
+        <p:nvSpPr>
+          <p:cNvPr id="8" name="Oval 7">
+            <a:extLst>
+              <a:ext uri="{FF2B5EF4-FFF2-40B4-BE49-F238E27FC236}">
+                <a16:creationId xmlns:a16="http://schemas.microsoft.com/office/drawing/2014/main" id="{14C17D7E-727E-3CCA-406F-079D57837631}"/>
+              </a:ext>
+            </a:extLst>
+          </p:cNvPr>
+          <p:cNvSpPr/>
+          <p:nvPr/>
+        </p:nvSpPr>
+        <p:spPr>
+          <a:xfrm>
+            <a:off x="88973" y="5921006"/>
+            <a:ext cx="762000" cy="780607"/>
+          </a:xfrm>
+          <a:prstGeom prst="ellipse">
+            <a:avLst/>
+          </a:prstGeom>
+          <a:blipFill>
+            <a:blip r:embed="rId4"/>
+            <a:stretch>
+              <a:fillRect/>
+            </a:stretch>
+          </a:blipFill>
+        </p:spPr>
+        <p:style>
+          <a:lnRef idx="2">
+            <a:schemeClr val="accent1">
+              <a:shade val="50000"/>
+            </a:schemeClr>
+          </a:lnRef>
+          <a:fillRef idx="1">
+            <a:schemeClr val="accent1"/>
+          </a:fillRef>
+          <a:effectRef idx="0">
+            <a:schemeClr val="accent1"/>
+          </a:effectRef>
+          <a:fontRef idx="minor">
+            <a:schemeClr val="lt1"/>
+          </a:fontRef>
+        </p:style>
+        <p:txBody>
+          <a:bodyPr rtlCol="0" anchor="ctr"/>
+          <a:lstStyle/>
+          <a:p>
+            <a:pPr algn="ctr"/>
+            <a:endParaRPr lang="en-US" sz="2800"/>
+          </a:p>
+        </p:txBody>
+      </p:sp>
+    </p:spTree>
+    <p:extLst>
+      <p:ext uri="{BB962C8B-B14F-4D97-AF65-F5344CB8AC3E}">
+        <p14:creationId xmlns:p14="http://schemas.microsoft.com/office/powerpoint/2010/main" val="606581576"/>
+      </p:ext>
+    </p:extLst>
+  </p:cSld>
+  <p:clrMapOvr>
+    <a:masterClrMapping/>
+  </p:clrMapOvr>
+  <mc:AlternateContent xmlns:mc="http://schemas.openxmlformats.org/markup-compatibility/2006" xmlns:p14="http://schemas.microsoft.com/office/powerpoint/2010/main">
+    <mc:Choice Requires="p14">
+      <p:transition spd="med" p14:dur="700">
+        <p:fade/>
+      </p:transition>
+    </mc:Choice>
+    <mc:Fallback xmlns="">
+      <p:transition spd="med">
+        <p:fade/>
+      </p:transition>
+    </mc:Fallback>
+  </mc:AlternateContent>
+</p:sld>
+</file>
+
+<file path=ppt/slides/slide5.xml><?xml version="1.0" encoding="utf-8"?>
+<p:sld xmlns:a="http://schemas.openxmlformats.org/drawingml/2006/main" xmlns:r="http://schemas.openxmlformats.org/officeDocument/2006/relationships" xmlns:p="http://schemas.openxmlformats.org/presentationml/2006/main">
+  <p:cSld>
+    <p:spTree>
+      <p:nvGrpSpPr>
+        <p:cNvPr id="1" name="">
+          <a:extLst>
+            <a:ext uri="{FF2B5EF4-FFF2-40B4-BE49-F238E27FC236}">
               <a16:creationId xmlns:a16="http://schemas.microsoft.com/office/drawing/2014/main" id="{238F7F5F-C18C-6E97-3248-830E81D9F4BE}"/>
             </a:ext>
           </a:extLst>
@@ -18816,7 +19134,7 @@
             <a:pPr algn="ctr"/>
             <a:r>
               <a:rPr lang="en-US" sz="8800" b="1" dirty="0"/>
-              <a:t>02</a:t>
+              <a:t>03</a:t>
             </a:r>
           </a:p>
         </p:txBody>
@@ -18990,7 +19308,7 @@
 </p:sld>
 </file>
 
-<file path=ppt/slides/slide5.xml><?xml version="1.0" encoding="utf-8"?>
+<file path=ppt/slides/slide6.xml><?xml version="1.0" encoding="utf-8"?>
 <p:sld xmlns:a="http://schemas.openxmlformats.org/drawingml/2006/main" xmlns:r="http://schemas.openxmlformats.org/officeDocument/2006/relationships" xmlns:p="http://schemas.openxmlformats.org/presentationml/2006/main">
   <p:cSld>
     <p:spTree>
@@ -19134,7 +19452,7 @@
             <a:pPr algn="ctr"/>
             <a:r>
               <a:rPr lang="en-US" sz="8800" b="1" dirty="0"/>
-              <a:t>03</a:t>
+              <a:t>04</a:t>
             </a:r>
           </a:p>
         </p:txBody>
@@ -19308,7 +19626,7 @@
 </p:sld>
 </file>
 
-<file path=ppt/slides/slide6.xml><?xml version="1.0" encoding="utf-8"?>
+<file path=ppt/slides/slide7.xml><?xml version="1.0" encoding="utf-8"?>
 <p:sld xmlns:a="http://schemas.openxmlformats.org/drawingml/2006/main" xmlns:r="http://schemas.openxmlformats.org/officeDocument/2006/relationships" xmlns:p="http://schemas.openxmlformats.org/presentationml/2006/main">
   <p:cSld>
     <p:spTree>
@@ -19452,7 +19770,7 @@
             <a:pPr algn="ctr"/>
             <a:r>
               <a:rPr lang="en-US" sz="8800" b="1" dirty="0"/>
-              <a:t>04</a:t>
+              <a:t>05</a:t>
             </a:r>
           </a:p>
         </p:txBody>
@@ -19626,7 +19944,7 @@
 </p:sld>
 </file>
 
-<file path=ppt/slides/slide7.xml><?xml version="1.0" encoding="utf-8"?>
+<file path=ppt/slides/slide8.xml><?xml version="1.0" encoding="utf-8"?>
 <p:sld xmlns:a="http://schemas.openxmlformats.org/drawingml/2006/main" xmlns:r="http://schemas.openxmlformats.org/officeDocument/2006/relationships" xmlns:p="http://schemas.openxmlformats.org/presentationml/2006/main">
   <p:cSld>
     <p:spTree>
@@ -19770,7 +20088,7 @@
             <a:pPr algn="ctr"/>
             <a:r>
               <a:rPr lang="en-US" sz="8800" b="1" dirty="0"/>
-              <a:t>05</a:t>
+              <a:t>06</a:t>
             </a:r>
           </a:p>
         </p:txBody>
@@ -19944,7 +20262,7 @@
 </p:sld>
 </file>
 
-<file path=ppt/slides/slide8.xml><?xml version="1.0" encoding="utf-8"?>
+<file path=ppt/slides/slide9.xml><?xml version="1.0" encoding="utf-8"?>
 <p:sld xmlns:a="http://schemas.openxmlformats.org/drawingml/2006/main" xmlns:r="http://schemas.openxmlformats.org/officeDocument/2006/relationships" xmlns:p="http://schemas.openxmlformats.org/presentationml/2006/main">
   <p:cSld>
     <p:spTree>
@@ -20168,98 +20486,6 @@
     <p:extLst>
       <p:ext uri="{BB962C8B-B14F-4D97-AF65-F5344CB8AC3E}">
         <p14:creationId xmlns:p14="http://schemas.microsoft.com/office/powerpoint/2010/main" val="2875955373"/>
-      </p:ext>
-    </p:extLst>
-  </p:cSld>
-  <p:clrMapOvr>
-    <a:masterClrMapping/>
-  </p:clrMapOvr>
-  <mc:AlternateContent xmlns:mc="http://schemas.openxmlformats.org/markup-compatibility/2006" xmlns:p14="http://schemas.microsoft.com/office/powerpoint/2010/main">
-    <mc:Choice Requires="p14">
-      <p:transition spd="med" p14:dur="700">
-        <p:fade/>
-      </p:transition>
-    </mc:Choice>
-    <mc:Fallback xmlns="">
-      <p:transition spd="med">
-        <p:fade/>
-      </p:transition>
-    </mc:Fallback>
-  </mc:AlternateContent>
-</p:sld>
-</file>
-
-<file path=ppt/slides/slide9.xml><?xml version="1.0" encoding="utf-8"?>
-<p:sld xmlns:a="http://schemas.openxmlformats.org/drawingml/2006/main" xmlns:r="http://schemas.openxmlformats.org/officeDocument/2006/relationships" xmlns:p="http://schemas.openxmlformats.org/presentationml/2006/main">
-  <p:cSld>
-    <p:spTree>
-      <p:nvGrpSpPr>
-        <p:cNvPr id="1" name=""/>
-        <p:cNvGrpSpPr/>
-        <p:nvPr/>
-      </p:nvGrpSpPr>
-      <p:grpSpPr>
-        <a:xfrm>
-          <a:off x="0" y="0"/>
-          <a:ext cx="0" cy="0"/>
-          <a:chOff x="0" y="0"/>
-          <a:chExt cx="0" cy="0"/>
-        </a:xfrm>
-      </p:grpSpPr>
-      <p:sp>
-        <p:nvSpPr>
-          <p:cNvPr id="2" name="Title 1">
-            <a:extLst>
-              <a:ext uri="{FF2B5EF4-FFF2-40B4-BE49-F238E27FC236}">
-                <a16:creationId xmlns:a16="http://schemas.microsoft.com/office/drawing/2014/main" id="{942017C1-23F4-476C-5B2B-91D02CAA9D32}"/>
-              </a:ext>
-            </a:extLst>
-          </p:cNvPr>
-          <p:cNvSpPr>
-            <a:spLocks noGrp="1"/>
-          </p:cNvSpPr>
-          <p:nvPr>
-            <p:ph type="title"/>
-          </p:nvPr>
-        </p:nvSpPr>
-        <p:spPr/>
-        <p:txBody>
-          <a:bodyPr/>
-          <a:lstStyle/>
-          <a:p>
-            <a:endParaRPr lang="en-US"/>
-          </a:p>
-        </p:txBody>
-      </p:sp>
-      <p:sp>
-        <p:nvSpPr>
-          <p:cNvPr id="7" name="Content Placeholder 6">
-            <a:extLst>
-              <a:ext uri="{FF2B5EF4-FFF2-40B4-BE49-F238E27FC236}">
-                <a16:creationId xmlns:a16="http://schemas.microsoft.com/office/drawing/2014/main" id="{683C5C59-24FF-3D48-D56B-37BDD7300902}"/>
-              </a:ext>
-            </a:extLst>
-          </p:cNvPr>
-          <p:cNvSpPr>
-            <a:spLocks noGrp="1"/>
-          </p:cNvSpPr>
-          <p:nvPr>
-            <p:ph idx="1"/>
-          </p:nvPr>
-        </p:nvSpPr>
-        <p:spPr/>
-        <p:txBody>
-          <a:bodyPr/>
-          <a:lstStyle/>
-          <a:p>
-            <a:endParaRPr lang="en-US"/>
-          </a:p>
-        </p:txBody>
-      </p:sp>
-    </p:spTree>
-    <p:extLst>
-      <p:ext uri="{BB962C8B-B14F-4D97-AF65-F5344CB8AC3E}">
-        <p14:creationId xmlns:p14="http://schemas.microsoft.com/office/powerpoint/2010/main" val="2186598406"/>
       </p:ext>
     </p:extLst>
   </p:cSld>

--- a/neo4j/graph_data_modeling/Graph_Data_Modeling_Fundamentals.pptx
+++ b/neo4j/graph_data_modeling/Graph_Data_Modeling_Fundamentals.pptx
@@ -5,21 +5,23 @@
     <p:sldMasterId id="2147483660" r:id="rId4"/>
   </p:sldMasterIdLst>
   <p:notesMasterIdLst>
-    <p:notesMasterId r:id="rId14"/>
+    <p:notesMasterId r:id="rId16"/>
   </p:notesMasterIdLst>
   <p:handoutMasterIdLst>
-    <p:handoutMasterId r:id="rId15"/>
+    <p:handoutMasterId r:id="rId17"/>
   </p:handoutMasterIdLst>
   <p:sldIdLst>
     <p:sldId id="257" r:id="rId5"/>
-    <p:sldId id="287" r:id="rId6"/>
-    <p:sldId id="268" r:id="rId7"/>
-    <p:sldId id="293" r:id="rId8"/>
-    <p:sldId id="288" r:id="rId9"/>
-    <p:sldId id="289" r:id="rId10"/>
-    <p:sldId id="290" r:id="rId11"/>
-    <p:sldId id="291" r:id="rId12"/>
-    <p:sldId id="279" r:id="rId13"/>
+    <p:sldId id="268" r:id="rId6"/>
+    <p:sldId id="293" r:id="rId7"/>
+    <p:sldId id="288" r:id="rId8"/>
+    <p:sldId id="289" r:id="rId9"/>
+    <p:sldId id="290" r:id="rId10"/>
+    <p:sldId id="291" r:id="rId11"/>
+    <p:sldId id="294" r:id="rId12"/>
+    <p:sldId id="295" r:id="rId13"/>
+    <p:sldId id="287" r:id="rId14"/>
+    <p:sldId id="279" r:id="rId15"/>
   </p:sldIdLst>
   <p:sldSz cx="12188825" cy="6858000"/>
   <p:notesSz cx="6858000" cy="9144000"/>
@@ -124,13 +126,15 @@
         <p14:section name="Default Section" id="{74B64F96-3A70-48EF-BE71-A71B452493F5}">
           <p14:sldIdLst>
             <p14:sldId id="257"/>
-            <p14:sldId id="287"/>
             <p14:sldId id="268"/>
             <p14:sldId id="293"/>
             <p14:sldId id="288"/>
             <p14:sldId id="289"/>
             <p14:sldId id="290"/>
             <p14:sldId id="291"/>
+            <p14:sldId id="294"/>
+            <p14:sldId id="295"/>
+            <p14:sldId id="287"/>
             <p14:sldId id="279"/>
           </p14:sldIdLst>
         </p14:section>
@@ -17528,7 +17532,7 @@
 </p:sld>
 </file>
 
-<file path=ppt/slides/slide2.xml><?xml version="1.0" encoding="utf-8"?>
+<file path=ppt/slides/slide10.xml><?xml version="1.0" encoding="utf-8"?>
 <p:sld xmlns:a="http://schemas.openxmlformats.org/drawingml/2006/main" xmlns:r="http://schemas.openxmlformats.org/officeDocument/2006/relationships" xmlns:p="http://schemas.openxmlformats.org/presentationml/2006/main">
   <p:cSld>
     <p:spTree>
@@ -18366,7 +18370,252 @@
 </p:sld>
 </file>
 
-<file path=ppt/slides/slide3.xml><?xml version="1.0" encoding="utf-8"?>
+<file path=ppt/slides/slide11.xml><?xml version="1.0" encoding="utf-8"?>
+<p:sld xmlns:a="http://schemas.openxmlformats.org/drawingml/2006/main" xmlns:r="http://schemas.openxmlformats.org/officeDocument/2006/relationships" xmlns:p="http://schemas.openxmlformats.org/presentationml/2006/main">
+  <p:cSld>
+    <p:spTree>
+      <p:nvGrpSpPr>
+        <p:cNvPr id="1" name="">
+          <a:extLst>
+            <a:ext uri="{FF2B5EF4-FFF2-40B4-BE49-F238E27FC236}">
+              <a16:creationId xmlns:a16="http://schemas.microsoft.com/office/drawing/2014/main" id="{2C813049-BE84-D61C-7138-478E0760B18B}"/>
+            </a:ext>
+          </a:extLst>
+        </p:cNvPr>
+        <p:cNvGrpSpPr/>
+        <p:nvPr/>
+      </p:nvGrpSpPr>
+      <p:grpSpPr>
+        <a:xfrm>
+          <a:off x="0" y="0"/>
+          <a:ext cx="0" cy="0"/>
+          <a:chOff x="0" y="0"/>
+          <a:chExt cx="0" cy="0"/>
+        </a:xfrm>
+      </p:grpSpPr>
+      <p:pic>
+        <p:nvPicPr>
+          <p:cNvPr id="8" name="Picture 7">
+            <a:extLst>
+              <a:ext uri="{FF2B5EF4-FFF2-40B4-BE49-F238E27FC236}">
+                <a16:creationId xmlns:a16="http://schemas.microsoft.com/office/drawing/2014/main" id="{7EDFB113-E0A4-39A9-5C69-51EE2918CF92}"/>
+              </a:ext>
+            </a:extLst>
+          </p:cNvPr>
+          <p:cNvPicPr>
+            <a:picLocks noChangeAspect="1"/>
+          </p:cNvPicPr>
+          <p:nvPr/>
+        </p:nvPicPr>
+        <p:blipFill>
+          <a:blip r:embed="rId2"/>
+          <a:stretch>
+            <a:fillRect/>
+          </a:stretch>
+        </p:blipFill>
+        <p:spPr>
+          <a:xfrm>
+            <a:off x="1298737" y="0"/>
+            <a:ext cx="9591350" cy="6858000"/>
+          </a:xfrm>
+          <a:prstGeom prst="rect">
+            <a:avLst/>
+          </a:prstGeom>
+        </p:spPr>
+      </p:pic>
+      <p:pic>
+        <p:nvPicPr>
+          <p:cNvPr id="2" name="Picture 1">
+            <a:extLst>
+              <a:ext uri="{FF2B5EF4-FFF2-40B4-BE49-F238E27FC236}">
+                <a16:creationId xmlns:a16="http://schemas.microsoft.com/office/drawing/2014/main" id="{863218D7-D487-6691-9397-7E16FC9FD09F}"/>
+              </a:ext>
+            </a:extLst>
+          </p:cNvPr>
+          <p:cNvPicPr>
+            <a:picLocks noChangeAspect="1"/>
+          </p:cNvPicPr>
+          <p:nvPr/>
+        </p:nvPicPr>
+        <p:blipFill>
+          <a:blip r:embed="rId3"/>
+          <a:stretch>
+            <a:fillRect/>
+          </a:stretch>
+        </p:blipFill>
+        <p:spPr>
+          <a:xfrm>
+            <a:off x="1955725" y="3000153"/>
+            <a:ext cx="2067584" cy="2133600"/>
+          </a:xfrm>
+          <a:prstGeom prst="rect">
+            <a:avLst/>
+          </a:prstGeom>
+          <a:ln>
+            <a:noFill/>
+          </a:ln>
+          <a:effectLst>
+            <a:softEdge rad="112500"/>
+          </a:effectLst>
+        </p:spPr>
+      </p:pic>
+      <p:pic>
+        <p:nvPicPr>
+          <p:cNvPr id="6" name="Picture 5">
+            <a:extLst>
+              <a:ext uri="{FF2B5EF4-FFF2-40B4-BE49-F238E27FC236}">
+                <a16:creationId xmlns:a16="http://schemas.microsoft.com/office/drawing/2014/main" id="{FA330DFE-3FD8-DE95-8B1D-93B72E4A1233}"/>
+              </a:ext>
+            </a:extLst>
+          </p:cNvPr>
+          <p:cNvPicPr>
+            <a:picLocks noChangeAspect="1"/>
+          </p:cNvPicPr>
+          <p:nvPr/>
+        </p:nvPicPr>
+        <p:blipFill>
+          <a:blip r:embed="rId4"/>
+          <a:stretch>
+            <a:fillRect/>
+          </a:stretch>
+        </p:blipFill>
+        <p:spPr>
+          <a:xfrm>
+            <a:off x="4260880" y="723900"/>
+            <a:ext cx="4519497" cy="5410200"/>
+          </a:xfrm>
+          <a:prstGeom prst="roundRect">
+            <a:avLst>
+              <a:gd name="adj" fmla="val 8594"/>
+            </a:avLst>
+          </a:prstGeom>
+          <a:solidFill>
+            <a:srgbClr val="FFFFFF">
+              <a:shade val="85000"/>
+            </a:srgbClr>
+          </a:solidFill>
+          <a:ln>
+            <a:noFill/>
+          </a:ln>
+          <a:effectLst>
+            <a:reflection blurRad="12700" stA="38000" endPos="28000" dist="5000" dir="5400000" sy="-100000" algn="bl" rotWithShape="0"/>
+          </a:effectLst>
+        </p:spPr>
+      </p:pic>
+      <p:pic>
+        <p:nvPicPr>
+          <p:cNvPr id="10" name="Picture 9">
+            <a:extLst>
+              <a:ext uri="{FF2B5EF4-FFF2-40B4-BE49-F238E27FC236}">
+                <a16:creationId xmlns:a16="http://schemas.microsoft.com/office/drawing/2014/main" id="{D2E0F092-D808-374D-7E6A-D6B50F468019}"/>
+              </a:ext>
+            </a:extLst>
+          </p:cNvPr>
+          <p:cNvPicPr>
+            <a:picLocks noChangeAspect="1"/>
+          </p:cNvPicPr>
+          <p:nvPr/>
+        </p:nvPicPr>
+        <p:blipFill>
+          <a:blip r:embed="rId5"/>
+          <a:stretch>
+            <a:fillRect/>
+          </a:stretch>
+        </p:blipFill>
+        <p:spPr>
+          <a:xfrm>
+            <a:off x="1955725" y="399607"/>
+            <a:ext cx="3079171" cy="1600200"/>
+          </a:xfrm>
+          <a:prstGeom prst="rect">
+            <a:avLst/>
+          </a:prstGeom>
+          <a:ln>
+            <a:noFill/>
+          </a:ln>
+          <a:effectLst>
+            <a:softEdge rad="112500"/>
+          </a:effectLst>
+        </p:spPr>
+      </p:pic>
+      <p:sp>
+        <p:nvSpPr>
+          <p:cNvPr id="5" name="Oval 4">
+            <a:extLst>
+              <a:ext uri="{FF2B5EF4-FFF2-40B4-BE49-F238E27FC236}">
+                <a16:creationId xmlns:a16="http://schemas.microsoft.com/office/drawing/2014/main" id="{83B41526-F60D-F4C4-1F7B-4DEC0E91F8AA}"/>
+              </a:ext>
+            </a:extLst>
+          </p:cNvPr>
+          <p:cNvSpPr/>
+          <p:nvPr/>
+        </p:nvSpPr>
+        <p:spPr>
+          <a:xfrm>
+            <a:off x="8456612" y="1999807"/>
+            <a:ext cx="2285999" cy="2362200"/>
+          </a:xfrm>
+          <a:prstGeom prst="ellipse">
+            <a:avLst/>
+          </a:prstGeom>
+          <a:blipFill>
+            <a:blip r:embed="rId6"/>
+            <a:stretch>
+              <a:fillRect/>
+            </a:stretch>
+          </a:blipFill>
+        </p:spPr>
+        <p:style>
+          <a:lnRef idx="2">
+            <a:schemeClr val="accent1">
+              <a:shade val="50000"/>
+            </a:schemeClr>
+          </a:lnRef>
+          <a:fillRef idx="1">
+            <a:schemeClr val="accent1"/>
+          </a:fillRef>
+          <a:effectRef idx="0">
+            <a:schemeClr val="accent1"/>
+          </a:effectRef>
+          <a:fontRef idx="minor">
+            <a:schemeClr val="lt1"/>
+          </a:fontRef>
+        </p:style>
+        <p:txBody>
+          <a:bodyPr rtlCol="0" anchor="ctr"/>
+          <a:lstStyle/>
+          <a:p>
+            <a:pPr algn="ctr"/>
+            <a:endParaRPr lang="en-US" sz="2800"/>
+          </a:p>
+        </p:txBody>
+      </p:sp>
+    </p:spTree>
+    <p:extLst>
+      <p:ext uri="{BB962C8B-B14F-4D97-AF65-F5344CB8AC3E}">
+        <p14:creationId xmlns:p14="http://schemas.microsoft.com/office/powerpoint/2010/main" val="2875955373"/>
+      </p:ext>
+    </p:extLst>
+  </p:cSld>
+  <p:clrMapOvr>
+    <a:masterClrMapping/>
+  </p:clrMapOvr>
+  <mc:AlternateContent xmlns:mc="http://schemas.openxmlformats.org/markup-compatibility/2006" xmlns:p14="http://schemas.microsoft.com/office/powerpoint/2010/main">
+    <mc:Choice Requires="p14">
+      <p:transition spd="med" p14:dur="700">
+        <p:fade/>
+      </p:transition>
+    </mc:Choice>
+    <mc:Fallback xmlns="">
+      <p:transition spd="med">
+        <p:fade/>
+      </p:transition>
+    </mc:Fallback>
+  </mc:AlternateContent>
+</p:sld>
+</file>
+
+<file path=ppt/slides/slide2.xml><?xml version="1.0" encoding="utf-8"?>
 <p:sld xmlns:a="http://schemas.openxmlformats.org/drawingml/2006/main" xmlns:r="http://schemas.openxmlformats.org/officeDocument/2006/relationships" xmlns:p="http://schemas.openxmlformats.org/presentationml/2006/main">
   <p:cSld>
     <p:spTree>
@@ -18672,7 +18921,7 @@
 </p:sld>
 </file>
 
-<file path=ppt/slides/slide4.xml><?xml version="1.0" encoding="utf-8"?>
+<file path=ppt/slides/slide3.xml><?xml version="1.0" encoding="utf-8"?>
 <p:sld xmlns:a="http://schemas.openxmlformats.org/drawingml/2006/main" xmlns:r="http://schemas.openxmlformats.org/officeDocument/2006/relationships" xmlns:p="http://schemas.openxmlformats.org/presentationml/2006/main">
   <p:cSld>
     <p:spTree>
@@ -18990,7 +19239,7 @@
 </p:sld>
 </file>
 
-<file path=ppt/slides/slide5.xml><?xml version="1.0" encoding="utf-8"?>
+<file path=ppt/slides/slide4.xml><?xml version="1.0" encoding="utf-8"?>
 <p:sld xmlns:a="http://schemas.openxmlformats.org/drawingml/2006/main" xmlns:r="http://schemas.openxmlformats.org/officeDocument/2006/relationships" xmlns:p="http://schemas.openxmlformats.org/presentationml/2006/main">
   <p:cSld>
     <p:spTree>
@@ -19308,7 +19557,7 @@
 </p:sld>
 </file>
 
-<file path=ppt/slides/slide6.xml><?xml version="1.0" encoding="utf-8"?>
+<file path=ppt/slides/slide5.xml><?xml version="1.0" encoding="utf-8"?>
 <p:sld xmlns:a="http://schemas.openxmlformats.org/drawingml/2006/main" xmlns:r="http://schemas.openxmlformats.org/officeDocument/2006/relationships" xmlns:p="http://schemas.openxmlformats.org/presentationml/2006/main">
   <p:cSld>
     <p:spTree>
@@ -19626,7 +19875,7 @@
 </p:sld>
 </file>
 
-<file path=ppt/slides/slide7.xml><?xml version="1.0" encoding="utf-8"?>
+<file path=ppt/slides/slide6.xml><?xml version="1.0" encoding="utf-8"?>
 <p:sld xmlns:a="http://schemas.openxmlformats.org/drawingml/2006/main" xmlns:r="http://schemas.openxmlformats.org/officeDocument/2006/relationships" xmlns:p="http://schemas.openxmlformats.org/presentationml/2006/main">
   <p:cSld>
     <p:spTree>
@@ -19944,7 +20193,7 @@
 </p:sld>
 </file>
 
-<file path=ppt/slides/slide8.xml><?xml version="1.0" encoding="utf-8"?>
+<file path=ppt/slides/slide7.xml><?xml version="1.0" encoding="utf-8"?>
 <p:sld xmlns:a="http://schemas.openxmlformats.org/drawingml/2006/main" xmlns:r="http://schemas.openxmlformats.org/officeDocument/2006/relationships" xmlns:p="http://schemas.openxmlformats.org/presentationml/2006/main">
   <p:cSld>
     <p:spTree>
@@ -20262,7 +20511,7 @@
 </p:sld>
 </file>
 
-<file path=ppt/slides/slide9.xml><?xml version="1.0" encoding="utf-8"?>
+<file path=ppt/slides/slide8.xml><?xml version="1.0" encoding="utf-8"?>
 <p:sld xmlns:a="http://schemas.openxmlformats.org/drawingml/2006/main" xmlns:r="http://schemas.openxmlformats.org/officeDocument/2006/relationships" xmlns:p="http://schemas.openxmlformats.org/presentationml/2006/main">
   <p:cSld>
     <p:spTree>
@@ -20270,7 +20519,7 @@
         <p:cNvPr id="1" name="">
           <a:extLst>
             <a:ext uri="{FF2B5EF4-FFF2-40B4-BE49-F238E27FC236}">
-              <a16:creationId xmlns:a16="http://schemas.microsoft.com/office/drawing/2014/main" id="{2C813049-BE84-D61C-7138-478E0760B18B}"/>
+              <a16:creationId xmlns:a16="http://schemas.microsoft.com/office/drawing/2014/main" id="{0152AE73-9F0A-4D78-5258-C6BB90326C6D}"/>
             </a:ext>
           </a:extLst>
         </p:cNvPr>
@@ -20285,12 +20534,138 @@
           <a:chExt cx="0" cy="0"/>
         </a:xfrm>
       </p:grpSpPr>
+      <p:sp>
+        <p:nvSpPr>
+          <p:cNvPr id="13" name="Title 12">
+            <a:extLst>
+              <a:ext uri="{FF2B5EF4-FFF2-40B4-BE49-F238E27FC236}">
+                <a16:creationId xmlns:a16="http://schemas.microsoft.com/office/drawing/2014/main" id="{6DFD5638-3954-F75E-77AE-0D2EEEF1DB82}"/>
+              </a:ext>
+            </a:extLst>
+          </p:cNvPr>
+          <p:cNvSpPr>
+            <a:spLocks noGrp="1"/>
+          </p:cNvSpPr>
+          <p:nvPr>
+            <p:ph type="title"/>
+          </p:nvPr>
+        </p:nvSpPr>
+        <p:spPr>
+          <a:xfrm>
+            <a:off x="3848448" y="789138"/>
+            <a:ext cx="7656163" cy="1223963"/>
+          </a:xfrm>
+        </p:spPr>
+        <p:txBody>
+          <a:bodyPr anchor="ctr">
+            <a:normAutofit/>
+          </a:bodyPr>
+          <a:lstStyle/>
+          <a:p>
+            <a:r>
+              <a:rPr lang="en-US" sz="4800" b="1" dirty="0"/>
+              <a:t>3. Modeling Relationships (3)</a:t>
+            </a:r>
+            <a:endParaRPr lang="en-US" sz="4400" dirty="0"/>
+          </a:p>
+        </p:txBody>
+      </p:sp>
+      <p:sp>
+        <p:nvSpPr>
+          <p:cNvPr id="2" name="Title 1">
+            <a:extLst>
+              <a:ext uri="{FF2B5EF4-FFF2-40B4-BE49-F238E27FC236}">
+                <a16:creationId xmlns:a16="http://schemas.microsoft.com/office/drawing/2014/main" id="{7DE1E9CE-D68B-F167-99AC-3F301A3CE9A9}"/>
+              </a:ext>
+            </a:extLst>
+          </p:cNvPr>
+          <p:cNvSpPr txBox="1">
+            <a:spLocks/>
+          </p:cNvSpPr>
+          <p:nvPr/>
+        </p:nvSpPr>
+        <p:spPr>
+          <a:xfrm>
+            <a:off x="836612" y="28876"/>
+            <a:ext cx="9982200" cy="863600"/>
+          </a:xfrm>
+          <a:prstGeom prst="rect">
+            <a:avLst/>
+          </a:prstGeom>
+        </p:spPr>
+        <p:txBody>
+          <a:bodyPr vert="horz" lIns="121899" tIns="60949" rIns="121899" bIns="60949" rtlCol="0" anchor="ctr">
+            <a:normAutofit fontScale="92500"/>
+          </a:bodyPr>
+          <a:lstStyle>
+            <a:lvl1pPr algn="l" defTabSz="1218987" rtl="0" eaLnBrk="1" latinLnBrk="0" hangingPunct="1">
+              <a:lnSpc>
+                <a:spcPct val="90000"/>
+              </a:lnSpc>
+              <a:spcBef>
+                <a:spcPct val="0"/>
+              </a:spcBef>
+              <a:buNone/>
+              <a:defRPr sz="3600" kern="1200">
+                <a:solidFill>
+                  <a:schemeClr val="tx1"/>
+                </a:solidFill>
+                <a:latin typeface="+mj-lt"/>
+                <a:ea typeface="+mj-ea"/>
+                <a:cs typeface="+mj-cs"/>
+              </a:defRPr>
+            </a:lvl1pPr>
+          </a:lstStyle>
+          <a:p>
+            <a:r>
+              <a:rPr lang="en-US" sz="5400" dirty="0"/>
+              <a:t>Graph Data Modeling Fundamentals</a:t>
+            </a:r>
+          </a:p>
+        </p:txBody>
+      </p:sp>
+      <p:sp>
+        <p:nvSpPr>
+          <p:cNvPr id="5" name="TextBox 4">
+            <a:extLst>
+              <a:ext uri="{FF2B5EF4-FFF2-40B4-BE49-F238E27FC236}">
+                <a16:creationId xmlns:a16="http://schemas.microsoft.com/office/drawing/2014/main" id="{4FA2612D-9FE5-4C4F-BD80-EBBCF20E77FA}"/>
+              </a:ext>
+            </a:extLst>
+          </p:cNvPr>
+          <p:cNvSpPr txBox="1"/>
+          <p:nvPr/>
+        </p:nvSpPr>
+        <p:spPr>
+          <a:xfrm>
+            <a:off x="2299246" y="685800"/>
+            <a:ext cx="1329210" cy="1446550"/>
+          </a:xfrm>
+          <a:prstGeom prst="rect">
+            <a:avLst/>
+          </a:prstGeom>
+          <a:noFill/>
+        </p:spPr>
+        <p:txBody>
+          <a:bodyPr wrap="none" rtlCol="0" anchor="ctr">
+            <a:spAutoFit/>
+          </a:bodyPr>
+          <a:lstStyle/>
+          <a:p>
+            <a:pPr algn="ctr"/>
+            <a:r>
+              <a:rPr lang="en-US" sz="8800" b="1" dirty="0"/>
+              <a:t>07</a:t>
+            </a:r>
+          </a:p>
+        </p:txBody>
+      </p:sp>
       <p:pic>
         <p:nvPicPr>
-          <p:cNvPr id="8" name="Picture 7">
+          <p:cNvPr id="6" name="Picture 5">
             <a:extLst>
               <a:ext uri="{FF2B5EF4-FFF2-40B4-BE49-F238E27FC236}">
-                <a16:creationId xmlns:a16="http://schemas.microsoft.com/office/drawing/2014/main" id="{7EDFB113-E0A4-39A9-5C69-51EE2918CF92}"/>
+                <a16:creationId xmlns:a16="http://schemas.microsoft.com/office/drawing/2014/main" id="{F7CFA8B3-F702-FC1F-C5A8-EA41BF56B57D}"/>
               </a:ext>
             </a:extLst>
           </p:cNvPr>
@@ -20307,117 +20682,8 @@
         </p:blipFill>
         <p:spPr>
           <a:xfrm>
-            <a:off x="1298737" y="0"/>
-            <a:ext cx="9591350" cy="6858000"/>
-          </a:xfrm>
-          <a:prstGeom prst="rect">
-            <a:avLst/>
-          </a:prstGeom>
-        </p:spPr>
-      </p:pic>
-      <p:pic>
-        <p:nvPicPr>
-          <p:cNvPr id="2" name="Picture 1">
-            <a:extLst>
-              <a:ext uri="{FF2B5EF4-FFF2-40B4-BE49-F238E27FC236}">
-                <a16:creationId xmlns:a16="http://schemas.microsoft.com/office/drawing/2014/main" id="{863218D7-D487-6691-9397-7E16FC9FD09F}"/>
-              </a:ext>
-            </a:extLst>
-          </p:cNvPr>
-          <p:cNvPicPr>
-            <a:picLocks noChangeAspect="1"/>
-          </p:cNvPicPr>
-          <p:nvPr/>
-        </p:nvPicPr>
-        <p:blipFill>
-          <a:blip r:embed="rId3"/>
-          <a:stretch>
-            <a:fillRect/>
-          </a:stretch>
-        </p:blipFill>
-        <p:spPr>
-          <a:xfrm>
-            <a:off x="1955725" y="3000153"/>
-            <a:ext cx="2067584" cy="2133600"/>
-          </a:xfrm>
-          <a:prstGeom prst="rect">
-            <a:avLst/>
-          </a:prstGeom>
-          <a:ln>
-            <a:noFill/>
-          </a:ln>
-          <a:effectLst>
-            <a:softEdge rad="112500"/>
-          </a:effectLst>
-        </p:spPr>
-      </p:pic>
-      <p:pic>
-        <p:nvPicPr>
-          <p:cNvPr id="6" name="Picture 5">
-            <a:extLst>
-              <a:ext uri="{FF2B5EF4-FFF2-40B4-BE49-F238E27FC236}">
-                <a16:creationId xmlns:a16="http://schemas.microsoft.com/office/drawing/2014/main" id="{FA330DFE-3FD8-DE95-8B1D-93B72E4A1233}"/>
-              </a:ext>
-            </a:extLst>
-          </p:cNvPr>
-          <p:cNvPicPr>
-            <a:picLocks noChangeAspect="1"/>
-          </p:cNvPicPr>
-          <p:nvPr/>
-        </p:nvPicPr>
-        <p:blipFill>
-          <a:blip r:embed="rId4"/>
-          <a:stretch>
-            <a:fillRect/>
-          </a:stretch>
-        </p:blipFill>
-        <p:spPr>
-          <a:xfrm>
-            <a:off x="4260880" y="723900"/>
-            <a:ext cx="4519497" cy="5410200"/>
-          </a:xfrm>
-          <a:prstGeom prst="roundRect">
-            <a:avLst>
-              <a:gd name="adj" fmla="val 8594"/>
-            </a:avLst>
-          </a:prstGeom>
-          <a:solidFill>
-            <a:srgbClr val="FFFFFF">
-              <a:shade val="85000"/>
-            </a:srgbClr>
-          </a:solidFill>
-          <a:ln>
-            <a:noFill/>
-          </a:ln>
-          <a:effectLst>
-            <a:reflection blurRad="12700" stA="38000" endPos="28000" dist="5000" dir="5400000" sy="-100000" algn="bl" rotWithShape="0"/>
-          </a:effectLst>
-        </p:spPr>
-      </p:pic>
-      <p:pic>
-        <p:nvPicPr>
-          <p:cNvPr id="10" name="Picture 9">
-            <a:extLst>
-              <a:ext uri="{FF2B5EF4-FFF2-40B4-BE49-F238E27FC236}">
-                <a16:creationId xmlns:a16="http://schemas.microsoft.com/office/drawing/2014/main" id="{D2E0F092-D808-374D-7E6A-D6B50F468019}"/>
-              </a:ext>
-            </a:extLst>
-          </p:cNvPr>
-          <p:cNvPicPr>
-            <a:picLocks noChangeAspect="1"/>
-          </p:cNvPicPr>
-          <p:nvPr/>
-        </p:nvPicPr>
-        <p:blipFill>
-          <a:blip r:embed="rId5"/>
-          <a:stretch>
-            <a:fillRect/>
-          </a:stretch>
-        </p:blipFill>
-        <p:spPr>
-          <a:xfrm>
-            <a:off x="1955725" y="399607"/>
-            <a:ext cx="3079171" cy="1600200"/>
+            <a:off x="0" y="789138"/>
+            <a:ext cx="2385815" cy="1239873"/>
           </a:xfrm>
           <a:prstGeom prst="rect">
             <a:avLst/>
@@ -20432,10 +20698,10 @@
       </p:pic>
       <p:sp>
         <p:nvSpPr>
-          <p:cNvPr id="5" name="Oval 4">
+          <p:cNvPr id="8" name="Oval 7">
             <a:extLst>
               <a:ext uri="{FF2B5EF4-FFF2-40B4-BE49-F238E27FC236}">
-                <a16:creationId xmlns:a16="http://schemas.microsoft.com/office/drawing/2014/main" id="{83B41526-F60D-F4C4-1F7B-4DEC0E91F8AA}"/>
+                <a16:creationId xmlns:a16="http://schemas.microsoft.com/office/drawing/2014/main" id="{6B4FB207-F852-AB13-11D9-18F6E1206F97}"/>
               </a:ext>
             </a:extLst>
           </p:cNvPr>
@@ -20444,14 +20710,14 @@
         </p:nvSpPr>
         <p:spPr>
           <a:xfrm>
-            <a:off x="8456612" y="1999807"/>
-            <a:ext cx="2285999" cy="2362200"/>
+            <a:off x="88973" y="5921006"/>
+            <a:ext cx="762000" cy="780607"/>
           </a:xfrm>
           <a:prstGeom prst="ellipse">
             <a:avLst/>
           </a:prstGeom>
           <a:blipFill>
-            <a:blip r:embed="rId6"/>
+            <a:blip r:embed="rId3"/>
             <a:stretch>
               <a:fillRect/>
             </a:stretch>
@@ -20482,23 +20748,397 @@
           </a:p>
         </p:txBody>
       </p:sp>
+      <p:pic>
+        <p:nvPicPr>
+          <p:cNvPr id="4" name="Picture 3">
+            <a:extLst>
+              <a:ext uri="{FF2B5EF4-FFF2-40B4-BE49-F238E27FC236}">
+                <a16:creationId xmlns:a16="http://schemas.microsoft.com/office/drawing/2014/main" id="{86E595EE-7AEF-35D6-1C71-5783027D99CC}"/>
+              </a:ext>
+            </a:extLst>
+          </p:cNvPr>
+          <p:cNvPicPr>
+            <a:picLocks noChangeAspect="1"/>
+          </p:cNvPicPr>
+          <p:nvPr/>
+        </p:nvPicPr>
+        <p:blipFill>
+          <a:blip r:embed="rId4">
+            <a:alphaModFix amt="85000"/>
+          </a:blip>
+          <a:stretch>
+            <a:fillRect/>
+          </a:stretch>
+        </p:blipFill>
+        <p:spPr>
+          <a:xfrm>
+            <a:off x="1" y="1428311"/>
+            <a:ext cx="10514012" cy="4759540"/>
+          </a:xfrm>
+          <a:prstGeom prst="roundRect">
+            <a:avLst>
+              <a:gd name="adj" fmla="val 16667"/>
+            </a:avLst>
+          </a:prstGeom>
+          <a:ln>
+            <a:noFill/>
+          </a:ln>
+          <a:effectLst>
+            <a:outerShdw blurRad="152400" dist="12000" dir="900000" sy="98000" kx="110000" ky="200000" algn="tl" rotWithShape="0">
+              <a:srgbClr val="000000">
+                <a:alpha val="30000"/>
+              </a:srgbClr>
+            </a:outerShdw>
+          </a:effectLst>
+          <a:scene3d>
+            <a:camera prst="perspectiveRelaxed">
+              <a:rot lat="19800000" lon="1200000" rev="20820000"/>
+            </a:camera>
+            <a:lightRig rig="threePt" dir="t"/>
+          </a:scene3d>
+          <a:sp3d contourW="6350" prstMaterial="matte">
+            <a:bevelT w="101600" h="101600"/>
+            <a:contourClr>
+              <a:srgbClr val="969696"/>
+            </a:contourClr>
+          </a:sp3d>
+        </p:spPr>
+      </p:pic>
     </p:spTree>
     <p:extLst>
       <p:ext uri="{BB962C8B-B14F-4D97-AF65-F5344CB8AC3E}">
-        <p14:creationId xmlns:p14="http://schemas.microsoft.com/office/powerpoint/2010/main" val="2875955373"/>
+        <p14:creationId xmlns:p14="http://schemas.microsoft.com/office/powerpoint/2010/main" val="2764981095"/>
       </p:ext>
     </p:extLst>
   </p:cSld>
   <p:clrMapOvr>
     <a:masterClrMapping/>
   </p:clrMapOvr>
-  <mc:AlternateContent xmlns:mc="http://schemas.openxmlformats.org/markup-compatibility/2006" xmlns:p14="http://schemas.microsoft.com/office/powerpoint/2010/main">
-    <mc:Choice Requires="p14">
+  <mc:AlternateContent xmlns:mc="http://schemas.openxmlformats.org/markup-compatibility/2006">
+    <mc:Choice xmlns:p14="http://schemas.microsoft.com/office/powerpoint/2010/main" Requires="p14">
       <p:transition spd="med" p14:dur="700">
         <p:fade/>
       </p:transition>
     </mc:Choice>
-    <mc:Fallback xmlns="">
+    <mc:Fallback>
+      <p:transition spd="med">
+        <p:fade/>
+      </p:transition>
+    </mc:Fallback>
+  </mc:AlternateContent>
+</p:sld>
+</file>
+
+<file path=ppt/slides/slide9.xml><?xml version="1.0" encoding="utf-8"?>
+<p:sld xmlns:a="http://schemas.openxmlformats.org/drawingml/2006/main" xmlns:r="http://schemas.openxmlformats.org/officeDocument/2006/relationships" xmlns:p="http://schemas.openxmlformats.org/presentationml/2006/main">
+  <p:cSld>
+    <p:spTree>
+      <p:nvGrpSpPr>
+        <p:cNvPr id="1" name="">
+          <a:extLst>
+            <a:ext uri="{FF2B5EF4-FFF2-40B4-BE49-F238E27FC236}">
+              <a16:creationId xmlns:a16="http://schemas.microsoft.com/office/drawing/2014/main" id="{9753A442-BB08-273E-4622-94F4EB195DD3}"/>
+            </a:ext>
+          </a:extLst>
+        </p:cNvPr>
+        <p:cNvGrpSpPr/>
+        <p:nvPr/>
+      </p:nvGrpSpPr>
+      <p:grpSpPr>
+        <a:xfrm>
+          <a:off x="0" y="0"/>
+          <a:ext cx="0" cy="0"/>
+          <a:chOff x="0" y="0"/>
+          <a:chExt cx="0" cy="0"/>
+        </a:xfrm>
+      </p:grpSpPr>
+      <p:sp>
+        <p:nvSpPr>
+          <p:cNvPr id="13" name="Title 12">
+            <a:extLst>
+              <a:ext uri="{FF2B5EF4-FFF2-40B4-BE49-F238E27FC236}">
+                <a16:creationId xmlns:a16="http://schemas.microsoft.com/office/drawing/2014/main" id="{C96B3D96-D990-7ADF-74C3-BF8EAF13C7D9}"/>
+              </a:ext>
+            </a:extLst>
+          </p:cNvPr>
+          <p:cNvSpPr>
+            <a:spLocks noGrp="1"/>
+          </p:cNvSpPr>
+          <p:nvPr>
+            <p:ph type="title"/>
+          </p:nvPr>
+        </p:nvSpPr>
+        <p:spPr>
+          <a:xfrm>
+            <a:off x="3848448" y="789138"/>
+            <a:ext cx="7656163" cy="1223963"/>
+          </a:xfrm>
+        </p:spPr>
+        <p:txBody>
+          <a:bodyPr anchor="ctr">
+            <a:normAutofit/>
+          </a:bodyPr>
+          <a:lstStyle/>
+          <a:p>
+            <a:r>
+              <a:rPr lang="en-US" sz="4800" b="1" dirty="0"/>
+              <a:t>3. Modeling Relationships (4)</a:t>
+            </a:r>
+            <a:endParaRPr lang="en-US" sz="4400" dirty="0"/>
+          </a:p>
+        </p:txBody>
+      </p:sp>
+      <p:sp>
+        <p:nvSpPr>
+          <p:cNvPr id="2" name="Title 1">
+            <a:extLst>
+              <a:ext uri="{FF2B5EF4-FFF2-40B4-BE49-F238E27FC236}">
+                <a16:creationId xmlns:a16="http://schemas.microsoft.com/office/drawing/2014/main" id="{47671EFE-A768-C1FD-A656-714DF3793E17}"/>
+              </a:ext>
+            </a:extLst>
+          </p:cNvPr>
+          <p:cNvSpPr txBox="1">
+            <a:spLocks/>
+          </p:cNvSpPr>
+          <p:nvPr/>
+        </p:nvSpPr>
+        <p:spPr>
+          <a:xfrm>
+            <a:off x="836612" y="28876"/>
+            <a:ext cx="9982200" cy="863600"/>
+          </a:xfrm>
+          <a:prstGeom prst="rect">
+            <a:avLst/>
+          </a:prstGeom>
+        </p:spPr>
+        <p:txBody>
+          <a:bodyPr vert="horz" lIns="121899" tIns="60949" rIns="121899" bIns="60949" rtlCol="0" anchor="ctr">
+            <a:normAutofit fontScale="92500"/>
+          </a:bodyPr>
+          <a:lstStyle>
+            <a:lvl1pPr algn="l" defTabSz="1218987" rtl="0" eaLnBrk="1" latinLnBrk="0" hangingPunct="1">
+              <a:lnSpc>
+                <a:spcPct val="90000"/>
+              </a:lnSpc>
+              <a:spcBef>
+                <a:spcPct val="0"/>
+              </a:spcBef>
+              <a:buNone/>
+              <a:defRPr sz="3600" kern="1200">
+                <a:solidFill>
+                  <a:schemeClr val="tx1"/>
+                </a:solidFill>
+                <a:latin typeface="+mj-lt"/>
+                <a:ea typeface="+mj-ea"/>
+                <a:cs typeface="+mj-cs"/>
+              </a:defRPr>
+            </a:lvl1pPr>
+          </a:lstStyle>
+          <a:p>
+            <a:r>
+              <a:rPr lang="en-US" sz="5400" dirty="0"/>
+              <a:t>Graph Data Modeling Fundamentals</a:t>
+            </a:r>
+          </a:p>
+        </p:txBody>
+      </p:sp>
+      <p:sp>
+        <p:nvSpPr>
+          <p:cNvPr id="5" name="TextBox 4">
+            <a:extLst>
+              <a:ext uri="{FF2B5EF4-FFF2-40B4-BE49-F238E27FC236}">
+                <a16:creationId xmlns:a16="http://schemas.microsoft.com/office/drawing/2014/main" id="{4CB95DF3-90A4-AEA3-EBFA-CDCEC1C87369}"/>
+              </a:ext>
+            </a:extLst>
+          </p:cNvPr>
+          <p:cNvSpPr txBox="1"/>
+          <p:nvPr/>
+        </p:nvSpPr>
+        <p:spPr>
+          <a:xfrm>
+            <a:off x="2299246" y="685800"/>
+            <a:ext cx="1329210" cy="1446550"/>
+          </a:xfrm>
+          <a:prstGeom prst="rect">
+            <a:avLst/>
+          </a:prstGeom>
+          <a:noFill/>
+        </p:spPr>
+        <p:txBody>
+          <a:bodyPr wrap="none" rtlCol="0" anchor="ctr">
+            <a:spAutoFit/>
+          </a:bodyPr>
+          <a:lstStyle/>
+          <a:p>
+            <a:pPr algn="ctr"/>
+            <a:r>
+              <a:rPr lang="en-US" sz="8800" b="1" dirty="0"/>
+              <a:t>08</a:t>
+            </a:r>
+          </a:p>
+        </p:txBody>
+      </p:sp>
+      <p:pic>
+        <p:nvPicPr>
+          <p:cNvPr id="6" name="Picture 5">
+            <a:extLst>
+              <a:ext uri="{FF2B5EF4-FFF2-40B4-BE49-F238E27FC236}">
+                <a16:creationId xmlns:a16="http://schemas.microsoft.com/office/drawing/2014/main" id="{E457C124-27CD-3898-65B7-B57D9B61E0DA}"/>
+              </a:ext>
+            </a:extLst>
+          </p:cNvPr>
+          <p:cNvPicPr>
+            <a:picLocks noChangeAspect="1"/>
+          </p:cNvPicPr>
+          <p:nvPr/>
+        </p:nvPicPr>
+        <p:blipFill>
+          <a:blip r:embed="rId2"/>
+          <a:stretch>
+            <a:fillRect/>
+          </a:stretch>
+        </p:blipFill>
+        <p:spPr>
+          <a:xfrm>
+            <a:off x="0" y="789138"/>
+            <a:ext cx="2385815" cy="1239873"/>
+          </a:xfrm>
+          <a:prstGeom prst="rect">
+            <a:avLst/>
+          </a:prstGeom>
+          <a:ln>
+            <a:noFill/>
+          </a:ln>
+          <a:effectLst>
+            <a:softEdge rad="112500"/>
+          </a:effectLst>
+        </p:spPr>
+      </p:pic>
+      <p:sp>
+        <p:nvSpPr>
+          <p:cNvPr id="8" name="Oval 7">
+            <a:extLst>
+              <a:ext uri="{FF2B5EF4-FFF2-40B4-BE49-F238E27FC236}">
+                <a16:creationId xmlns:a16="http://schemas.microsoft.com/office/drawing/2014/main" id="{F66E893E-C2AE-1D07-5A61-93501F398D25}"/>
+              </a:ext>
+            </a:extLst>
+          </p:cNvPr>
+          <p:cNvSpPr/>
+          <p:nvPr/>
+        </p:nvSpPr>
+        <p:spPr>
+          <a:xfrm>
+            <a:off x="88973" y="5921006"/>
+            <a:ext cx="762000" cy="780607"/>
+          </a:xfrm>
+          <a:prstGeom prst="ellipse">
+            <a:avLst/>
+          </a:prstGeom>
+          <a:blipFill>
+            <a:blip r:embed="rId3"/>
+            <a:stretch>
+              <a:fillRect/>
+            </a:stretch>
+          </a:blipFill>
+        </p:spPr>
+        <p:style>
+          <a:lnRef idx="2">
+            <a:schemeClr val="accent1">
+              <a:shade val="50000"/>
+            </a:schemeClr>
+          </a:lnRef>
+          <a:fillRef idx="1">
+            <a:schemeClr val="accent1"/>
+          </a:fillRef>
+          <a:effectRef idx="0">
+            <a:schemeClr val="accent1"/>
+          </a:effectRef>
+          <a:fontRef idx="minor">
+            <a:schemeClr val="lt1"/>
+          </a:fontRef>
+        </p:style>
+        <p:txBody>
+          <a:bodyPr rtlCol="0" anchor="ctr"/>
+          <a:lstStyle/>
+          <a:p>
+            <a:pPr algn="ctr"/>
+            <a:endParaRPr lang="en-US" sz="2800"/>
+          </a:p>
+        </p:txBody>
+      </p:sp>
+      <p:pic>
+        <p:nvPicPr>
+          <p:cNvPr id="7" name="Picture 6">
+            <a:extLst>
+              <a:ext uri="{FF2B5EF4-FFF2-40B4-BE49-F238E27FC236}">
+                <a16:creationId xmlns:a16="http://schemas.microsoft.com/office/drawing/2014/main" id="{50EF3B5B-E9EF-A016-1A19-F13C1515C319}"/>
+              </a:ext>
+            </a:extLst>
+          </p:cNvPr>
+          <p:cNvPicPr>
+            <a:picLocks noChangeAspect="1"/>
+          </p:cNvPicPr>
+          <p:nvPr/>
+        </p:nvPicPr>
+        <p:blipFill>
+          <a:blip r:embed="rId4">
+            <a:alphaModFix amt="85000"/>
+          </a:blip>
+          <a:stretch>
+            <a:fillRect/>
+          </a:stretch>
+        </p:blipFill>
+        <p:spPr>
+          <a:xfrm>
+            <a:off x="64124" y="1396306"/>
+            <a:ext cx="11047412" cy="4982641"/>
+          </a:xfrm>
+          <a:prstGeom prst="roundRect">
+            <a:avLst>
+              <a:gd name="adj" fmla="val 16667"/>
+            </a:avLst>
+          </a:prstGeom>
+          <a:ln>
+            <a:noFill/>
+          </a:ln>
+          <a:effectLst>
+            <a:outerShdw blurRad="152400" dist="12000" dir="900000" sy="98000" kx="110000" ky="200000" algn="tl" rotWithShape="0">
+              <a:srgbClr val="000000">
+                <a:alpha val="30000"/>
+              </a:srgbClr>
+            </a:outerShdw>
+          </a:effectLst>
+          <a:scene3d>
+            <a:camera prst="perspectiveRelaxed">
+              <a:rot lat="19800000" lon="1200000" rev="20820000"/>
+            </a:camera>
+            <a:lightRig rig="threePt" dir="t"/>
+          </a:scene3d>
+          <a:sp3d contourW="6350" prstMaterial="matte">
+            <a:bevelT w="101600" h="101600"/>
+            <a:contourClr>
+              <a:srgbClr val="969696"/>
+            </a:contourClr>
+          </a:sp3d>
+        </p:spPr>
+      </p:pic>
+    </p:spTree>
+    <p:extLst>
+      <p:ext uri="{BB962C8B-B14F-4D97-AF65-F5344CB8AC3E}">
+        <p14:creationId xmlns:p14="http://schemas.microsoft.com/office/powerpoint/2010/main" val="2383209090"/>
+      </p:ext>
+    </p:extLst>
+  </p:cSld>
+  <p:clrMapOvr>
+    <a:masterClrMapping/>
+  </p:clrMapOvr>
+  <mc:AlternateContent xmlns:mc="http://schemas.openxmlformats.org/markup-compatibility/2006">
+    <mc:Choice xmlns:p14="http://schemas.microsoft.com/office/powerpoint/2010/main" Requires="p14">
+      <p:transition spd="med" p14:dur="700">
+        <p:fade/>
+      </p:transition>
+    </mc:Choice>
+    <mc:Fallback>
       <p:transition spd="med">
         <p:fade/>
       </p:transition>

--- a/neo4j/graph_data_modeling/Graph_Data_Modeling_Fundamentals.pptx
+++ b/neo4j/graph_data_modeling/Graph_Data_Modeling_Fundamentals.pptx
@@ -5,10 +5,10 @@
     <p:sldMasterId id="2147483660" r:id="rId4"/>
   </p:sldMasterIdLst>
   <p:notesMasterIdLst>
-    <p:notesMasterId r:id="rId16"/>
+    <p:notesMasterId r:id="rId17"/>
   </p:notesMasterIdLst>
   <p:handoutMasterIdLst>
-    <p:handoutMasterId r:id="rId17"/>
+    <p:handoutMasterId r:id="rId18"/>
   </p:handoutMasterIdLst>
   <p:sldIdLst>
     <p:sldId id="257" r:id="rId5"/>
@@ -20,8 +20,9 @@
     <p:sldId id="291" r:id="rId11"/>
     <p:sldId id="294" r:id="rId12"/>
     <p:sldId id="295" r:id="rId13"/>
-    <p:sldId id="287" r:id="rId14"/>
-    <p:sldId id="279" r:id="rId15"/>
+    <p:sldId id="296" r:id="rId14"/>
+    <p:sldId id="287" r:id="rId15"/>
+    <p:sldId id="279" r:id="rId16"/>
   </p:sldIdLst>
   <p:sldSz cx="12188825" cy="6858000"/>
   <p:notesSz cx="6858000" cy="9144000"/>
@@ -134,6 +135,7 @@
             <p14:sldId id="291"/>
             <p14:sldId id="294"/>
             <p14:sldId id="295"/>
+            <p14:sldId id="296"/>
             <p14:sldId id="287"/>
             <p14:sldId id="279"/>
           </p14:sldIdLst>
@@ -17540,6 +17542,328 @@
         <p:cNvPr id="1" name="">
           <a:extLst>
             <a:ext uri="{FF2B5EF4-FFF2-40B4-BE49-F238E27FC236}">
+              <a16:creationId xmlns:a16="http://schemas.microsoft.com/office/drawing/2014/main" id="{22EFCF39-9DF0-9621-A6D6-8D27F25A3D9C}"/>
+            </a:ext>
+          </a:extLst>
+        </p:cNvPr>
+        <p:cNvGrpSpPr/>
+        <p:nvPr/>
+      </p:nvGrpSpPr>
+      <p:grpSpPr>
+        <a:xfrm>
+          <a:off x="0" y="0"/>
+          <a:ext cx="0" cy="0"/>
+          <a:chOff x="0" y="0"/>
+          <a:chExt cx="0" cy="0"/>
+        </a:xfrm>
+      </p:grpSpPr>
+      <p:sp>
+        <p:nvSpPr>
+          <p:cNvPr id="13" name="Title 12">
+            <a:extLst>
+              <a:ext uri="{FF2B5EF4-FFF2-40B4-BE49-F238E27FC236}">
+                <a16:creationId xmlns:a16="http://schemas.microsoft.com/office/drawing/2014/main" id="{B1D94BFB-26FF-F706-1ED2-F3910E762F54}"/>
+              </a:ext>
+            </a:extLst>
+          </p:cNvPr>
+          <p:cNvSpPr>
+            <a:spLocks noGrp="1"/>
+          </p:cNvSpPr>
+          <p:nvPr>
+            <p:ph type="title"/>
+          </p:nvPr>
+        </p:nvSpPr>
+        <p:spPr>
+          <a:xfrm>
+            <a:off x="3848448" y="789138"/>
+            <a:ext cx="7656163" cy="1223963"/>
+          </a:xfrm>
+        </p:spPr>
+        <p:txBody>
+          <a:bodyPr anchor="ctr">
+            <a:normAutofit/>
+          </a:bodyPr>
+          <a:lstStyle/>
+          <a:p>
+            <a:r>
+              <a:rPr lang="en-US" sz="4800" b="1" dirty="0"/>
+              <a:t>4. </a:t>
+            </a:r>
+            <a:r>
+              <a:rPr lang="en-US" altLang="zh-CN" sz="4800" b="1" dirty="0"/>
+              <a:t>Testing the Graph Model</a:t>
+            </a:r>
+            <a:endParaRPr lang="en-US" sz="4400" dirty="0"/>
+          </a:p>
+        </p:txBody>
+      </p:sp>
+      <p:sp>
+        <p:nvSpPr>
+          <p:cNvPr id="2" name="Title 1">
+            <a:extLst>
+              <a:ext uri="{FF2B5EF4-FFF2-40B4-BE49-F238E27FC236}">
+                <a16:creationId xmlns:a16="http://schemas.microsoft.com/office/drawing/2014/main" id="{B7EA510D-BA92-3E57-B70D-FC2053BD516F}"/>
+              </a:ext>
+            </a:extLst>
+          </p:cNvPr>
+          <p:cNvSpPr txBox="1">
+            <a:spLocks/>
+          </p:cNvSpPr>
+          <p:nvPr/>
+        </p:nvSpPr>
+        <p:spPr>
+          <a:xfrm>
+            <a:off x="836612" y="28876"/>
+            <a:ext cx="9982200" cy="863600"/>
+          </a:xfrm>
+          <a:prstGeom prst="rect">
+            <a:avLst/>
+          </a:prstGeom>
+        </p:spPr>
+        <p:txBody>
+          <a:bodyPr vert="horz" lIns="121899" tIns="60949" rIns="121899" bIns="60949" rtlCol="0" anchor="ctr">
+            <a:normAutofit fontScale="92500"/>
+          </a:bodyPr>
+          <a:lstStyle>
+            <a:lvl1pPr algn="l" defTabSz="1218987" rtl="0" eaLnBrk="1" latinLnBrk="0" hangingPunct="1">
+              <a:lnSpc>
+                <a:spcPct val="90000"/>
+              </a:lnSpc>
+              <a:spcBef>
+                <a:spcPct val="0"/>
+              </a:spcBef>
+              <a:buNone/>
+              <a:defRPr sz="3600" kern="1200">
+                <a:solidFill>
+                  <a:schemeClr val="tx1"/>
+                </a:solidFill>
+                <a:latin typeface="+mj-lt"/>
+                <a:ea typeface="+mj-ea"/>
+                <a:cs typeface="+mj-cs"/>
+              </a:defRPr>
+            </a:lvl1pPr>
+          </a:lstStyle>
+          <a:p>
+            <a:r>
+              <a:rPr lang="en-US" sz="5400" dirty="0"/>
+              <a:t>Graph Data Modeling Fundamentals</a:t>
+            </a:r>
+          </a:p>
+        </p:txBody>
+      </p:sp>
+      <p:sp>
+        <p:nvSpPr>
+          <p:cNvPr id="5" name="TextBox 4">
+            <a:extLst>
+              <a:ext uri="{FF2B5EF4-FFF2-40B4-BE49-F238E27FC236}">
+                <a16:creationId xmlns:a16="http://schemas.microsoft.com/office/drawing/2014/main" id="{37EB3D5F-B290-8B1E-C526-37DF5A641873}"/>
+              </a:ext>
+            </a:extLst>
+          </p:cNvPr>
+          <p:cNvSpPr txBox="1"/>
+          <p:nvPr/>
+        </p:nvSpPr>
+        <p:spPr>
+          <a:xfrm>
+            <a:off x="2299246" y="685800"/>
+            <a:ext cx="1329210" cy="1446550"/>
+          </a:xfrm>
+          <a:prstGeom prst="rect">
+            <a:avLst/>
+          </a:prstGeom>
+          <a:noFill/>
+        </p:spPr>
+        <p:txBody>
+          <a:bodyPr wrap="none" rtlCol="0" anchor="ctr">
+            <a:spAutoFit/>
+          </a:bodyPr>
+          <a:lstStyle/>
+          <a:p>
+            <a:pPr algn="ctr"/>
+            <a:r>
+              <a:rPr lang="en-US" sz="8800" b="1" dirty="0"/>
+              <a:t>09</a:t>
+            </a:r>
+          </a:p>
+        </p:txBody>
+      </p:sp>
+      <p:pic>
+        <p:nvPicPr>
+          <p:cNvPr id="6" name="Picture 5">
+            <a:extLst>
+              <a:ext uri="{FF2B5EF4-FFF2-40B4-BE49-F238E27FC236}">
+                <a16:creationId xmlns:a16="http://schemas.microsoft.com/office/drawing/2014/main" id="{42F66F7E-A168-34D4-4737-4FB3966B3979}"/>
+              </a:ext>
+            </a:extLst>
+          </p:cNvPr>
+          <p:cNvPicPr>
+            <a:picLocks noChangeAspect="1"/>
+          </p:cNvPicPr>
+          <p:nvPr/>
+        </p:nvPicPr>
+        <p:blipFill>
+          <a:blip r:embed="rId2"/>
+          <a:stretch>
+            <a:fillRect/>
+          </a:stretch>
+        </p:blipFill>
+        <p:spPr>
+          <a:xfrm>
+            <a:off x="0" y="789138"/>
+            <a:ext cx="2385815" cy="1239873"/>
+          </a:xfrm>
+          <a:prstGeom prst="rect">
+            <a:avLst/>
+          </a:prstGeom>
+          <a:ln>
+            <a:noFill/>
+          </a:ln>
+          <a:effectLst>
+            <a:softEdge rad="112500"/>
+          </a:effectLst>
+        </p:spPr>
+      </p:pic>
+      <p:sp>
+        <p:nvSpPr>
+          <p:cNvPr id="8" name="Oval 7">
+            <a:extLst>
+              <a:ext uri="{FF2B5EF4-FFF2-40B4-BE49-F238E27FC236}">
+                <a16:creationId xmlns:a16="http://schemas.microsoft.com/office/drawing/2014/main" id="{F5C0DA2E-CEA4-0638-C395-2C48C85F1635}"/>
+              </a:ext>
+            </a:extLst>
+          </p:cNvPr>
+          <p:cNvSpPr/>
+          <p:nvPr/>
+        </p:nvSpPr>
+        <p:spPr>
+          <a:xfrm>
+            <a:off x="88973" y="5921006"/>
+            <a:ext cx="762000" cy="780607"/>
+          </a:xfrm>
+          <a:prstGeom prst="ellipse">
+            <a:avLst/>
+          </a:prstGeom>
+          <a:blipFill>
+            <a:blip r:embed="rId3"/>
+            <a:stretch>
+              <a:fillRect/>
+            </a:stretch>
+          </a:blipFill>
+        </p:spPr>
+        <p:style>
+          <a:lnRef idx="2">
+            <a:schemeClr val="accent1">
+              <a:shade val="50000"/>
+            </a:schemeClr>
+          </a:lnRef>
+          <a:fillRef idx="1">
+            <a:schemeClr val="accent1"/>
+          </a:fillRef>
+          <a:effectRef idx="0">
+            <a:schemeClr val="accent1"/>
+          </a:effectRef>
+          <a:fontRef idx="minor">
+            <a:schemeClr val="lt1"/>
+          </a:fontRef>
+        </p:style>
+        <p:txBody>
+          <a:bodyPr rtlCol="0" anchor="ctr"/>
+          <a:lstStyle/>
+          <a:p>
+            <a:pPr algn="ctr"/>
+            <a:endParaRPr lang="en-US" sz="2800"/>
+          </a:p>
+        </p:txBody>
+      </p:sp>
+      <p:pic>
+        <p:nvPicPr>
+          <p:cNvPr id="4" name="Picture 3">
+            <a:extLst>
+              <a:ext uri="{FF2B5EF4-FFF2-40B4-BE49-F238E27FC236}">
+                <a16:creationId xmlns:a16="http://schemas.microsoft.com/office/drawing/2014/main" id="{2391ED54-0B6A-6C55-F4DD-FC836B773837}"/>
+              </a:ext>
+            </a:extLst>
+          </p:cNvPr>
+          <p:cNvPicPr>
+            <a:picLocks noChangeAspect="1"/>
+          </p:cNvPicPr>
+          <p:nvPr/>
+        </p:nvPicPr>
+        <p:blipFill>
+          <a:blip r:embed="rId4">
+            <a:alphaModFix amt="85000"/>
+          </a:blip>
+          <a:stretch>
+            <a:fillRect/>
+          </a:stretch>
+        </p:blipFill>
+        <p:spPr>
+          <a:xfrm>
+            <a:off x="-230188" y="1530952"/>
+            <a:ext cx="11658599" cy="4714284"/>
+          </a:xfrm>
+          <a:prstGeom prst="roundRect">
+            <a:avLst>
+              <a:gd name="adj" fmla="val 16667"/>
+            </a:avLst>
+          </a:prstGeom>
+          <a:ln>
+            <a:noFill/>
+          </a:ln>
+          <a:effectLst>
+            <a:outerShdw blurRad="152400" dist="12000" dir="900000" sy="98000" kx="110000" ky="200000" algn="tl" rotWithShape="0">
+              <a:srgbClr val="000000">
+                <a:alpha val="30000"/>
+              </a:srgbClr>
+            </a:outerShdw>
+          </a:effectLst>
+          <a:scene3d>
+            <a:camera prst="perspectiveRelaxed">
+              <a:rot lat="19800000" lon="1200000" rev="20820000"/>
+            </a:camera>
+            <a:lightRig rig="threePt" dir="t"/>
+          </a:scene3d>
+          <a:sp3d contourW="6350" prstMaterial="matte">
+            <a:bevelT w="101600" h="101600"/>
+            <a:contourClr>
+              <a:srgbClr val="969696"/>
+            </a:contourClr>
+          </a:sp3d>
+        </p:spPr>
+      </p:pic>
+    </p:spTree>
+    <p:extLst>
+      <p:ext uri="{BB962C8B-B14F-4D97-AF65-F5344CB8AC3E}">
+        <p14:creationId xmlns:p14="http://schemas.microsoft.com/office/powerpoint/2010/main" val="2442240411"/>
+      </p:ext>
+    </p:extLst>
+  </p:cSld>
+  <p:clrMapOvr>
+    <a:masterClrMapping/>
+  </p:clrMapOvr>
+  <mc:AlternateContent xmlns:mc="http://schemas.openxmlformats.org/markup-compatibility/2006">
+    <mc:Choice xmlns:p14="http://schemas.microsoft.com/office/powerpoint/2010/main" Requires="p14">
+      <p:transition spd="med" p14:dur="700">
+        <p:fade/>
+      </p:transition>
+    </mc:Choice>
+    <mc:Fallback>
+      <p:transition spd="med">
+        <p:fade/>
+      </p:transition>
+    </mc:Fallback>
+  </mc:AlternateContent>
+</p:sld>
+</file>
+
+<file path=ppt/slides/slide11.xml><?xml version="1.0" encoding="utf-8"?>
+<p:sld xmlns:a="http://schemas.openxmlformats.org/drawingml/2006/main" xmlns:r="http://schemas.openxmlformats.org/officeDocument/2006/relationships" xmlns:p="http://schemas.openxmlformats.org/presentationml/2006/main">
+  <p:cSld>
+    <p:spTree>
+      <p:nvGrpSpPr>
+        <p:cNvPr id="1" name="">
+          <a:extLst>
+            <a:ext uri="{FF2B5EF4-FFF2-40B4-BE49-F238E27FC236}">
               <a16:creationId xmlns:a16="http://schemas.microsoft.com/office/drawing/2014/main" id="{21FCDFEA-62CD-6CD2-D109-9A63DB628167}"/>
             </a:ext>
           </a:extLst>
@@ -18370,7 +18694,7 @@
 </p:sld>
 </file>
 
-<file path=ppt/slides/slide11.xml><?xml version="1.0" encoding="utf-8"?>
+<file path=ppt/slides/slide12.xml><?xml version="1.0" encoding="utf-8"?>
 <p:sld xmlns:a="http://schemas.openxmlformats.org/drawingml/2006/main" xmlns:r="http://schemas.openxmlformats.org/officeDocument/2006/relationships" xmlns:p="http://schemas.openxmlformats.org/presentationml/2006/main">
   <p:cSld>
     <p:spTree>
